--- a/My_papers/演示文稿1.pptx
+++ b/My_papers/演示文稿1.pptx
@@ -109,6 +109,11 @@
       </a:defRPr>
     </a:lvl9pPr>
   </p:defaultTextStyle>
+  <p:extLst>
+    <p:ext uri="{EFAFB233-063F-42B5-8137-9DF3F51BA10A}">
+      <p15:sldGuideLst xmlns:p15="http://schemas.microsoft.com/office/powerpoint/2012/main"/>
+    </p:ext>
+  </p:extLst>
 </p:presentation>
 </file>
 
@@ -5576,6 +5581,140 @@
           </a:p>
         </p:txBody>
       </p:sp>
+      <p:sp>
+        <p:nvSpPr>
+          <p:cNvPr id="2" name="矩形 1">
+            <a:extLst>
+              <a:ext uri="{FF2B5EF4-FFF2-40B4-BE49-F238E27FC236}">
+                <a16:creationId xmlns:a16="http://schemas.microsoft.com/office/drawing/2014/main" id="{E496CDF5-72BF-1F3F-530A-E29D1133E7C0}"/>
+              </a:ext>
+            </a:extLst>
+          </p:cNvPr>
+          <p:cNvSpPr/>
+          <p:nvPr/>
+        </p:nvSpPr>
+        <p:spPr>
+          <a:xfrm>
+            <a:off x="9197465" y="5177825"/>
+            <a:ext cx="1667022" cy="703384"/>
+          </a:xfrm>
+          <a:prstGeom prst="rect">
+            <a:avLst/>
+          </a:prstGeom>
+          <a:solidFill>
+            <a:schemeClr val="bg1"/>
+          </a:solidFill>
+        </p:spPr>
+        <p:style>
+          <a:lnRef idx="2">
+            <a:schemeClr val="accent1">
+              <a:shade val="15000"/>
+            </a:schemeClr>
+          </a:lnRef>
+          <a:fillRef idx="1">
+            <a:schemeClr val="accent1"/>
+          </a:fillRef>
+          <a:effectRef idx="0">
+            <a:schemeClr val="accent1"/>
+          </a:effectRef>
+          <a:fontRef idx="minor">
+            <a:schemeClr val="lt1"/>
+          </a:fontRef>
+        </p:style>
+        <p:txBody>
+          <a:bodyPr rtlCol="0" anchor="ctr"/>
+          <a:lstStyle/>
+          <a:p>
+            <a:pPr algn="ctr"/>
+            <a:endParaRPr lang="zh-CN" altLang="en-US"/>
+          </a:p>
+        </p:txBody>
+      </p:sp>
+      <p:cxnSp>
+        <p:nvCxnSpPr>
+          <p:cNvPr id="3" name="直接箭头连接符 2">
+            <a:extLst>
+              <a:ext uri="{FF2B5EF4-FFF2-40B4-BE49-F238E27FC236}">
+                <a16:creationId xmlns:a16="http://schemas.microsoft.com/office/drawing/2014/main" id="{32BDF671-CBE0-4964-F20F-E7604DDF0746}"/>
+              </a:ext>
+            </a:extLst>
+          </p:cNvPr>
+          <p:cNvCxnSpPr>
+            <a:cxnSpLocks/>
+          </p:cNvCxnSpPr>
+          <p:nvPr/>
+        </p:nvCxnSpPr>
+        <p:spPr>
+          <a:xfrm flipH="1">
+            <a:off x="9281871" y="5529517"/>
+            <a:ext cx="361531" cy="0"/>
+          </a:xfrm>
+          <a:prstGeom prst="straightConnector1">
+            <a:avLst/>
+          </a:prstGeom>
+          <a:ln>
+            <a:solidFill>
+              <a:schemeClr val="accent2"/>
+            </a:solidFill>
+            <a:headEnd type="triangle"/>
+            <a:tailEnd type="triangle"/>
+          </a:ln>
+        </p:spPr>
+        <p:style>
+          <a:lnRef idx="3">
+            <a:schemeClr val="dk1"/>
+          </a:lnRef>
+          <a:fillRef idx="0">
+            <a:schemeClr val="dk1"/>
+          </a:fillRef>
+          <a:effectRef idx="2">
+            <a:schemeClr val="dk1"/>
+          </a:effectRef>
+          <a:fontRef idx="minor">
+            <a:schemeClr val="tx1"/>
+          </a:fontRef>
+        </p:style>
+      </p:cxnSp>
+      <p:sp>
+        <p:nvSpPr>
+          <p:cNvPr id="11" name="文本框 10">
+            <a:extLst>
+              <a:ext uri="{FF2B5EF4-FFF2-40B4-BE49-F238E27FC236}">
+                <a16:creationId xmlns:a16="http://schemas.microsoft.com/office/drawing/2014/main" id="{2872FE62-B6B7-87B5-D02C-879C31E64D0D}"/>
+              </a:ext>
+            </a:extLst>
+          </p:cNvPr>
+          <p:cNvSpPr txBox="1"/>
+          <p:nvPr/>
+        </p:nvSpPr>
+        <p:spPr>
+          <a:xfrm>
+            <a:off x="9643402" y="5375628"/>
+            <a:ext cx="1667022" cy="307777"/>
+          </a:xfrm>
+          <a:prstGeom prst="rect">
+            <a:avLst/>
+          </a:prstGeom>
+          <a:noFill/>
+        </p:spPr>
+        <p:txBody>
+          <a:bodyPr wrap="square" rtlCol="0">
+            <a:spAutoFit/>
+          </a:bodyPr>
+          <a:lstStyle/>
+          <a:p>
+            <a:r>
+              <a:rPr lang="en-US" altLang="zh-CN" sz="1400" dirty="0">
+                <a:latin typeface="Bahnschrift SemiBold" panose="020B0502040204020203" pitchFamily="34" charset="0"/>
+              </a:rPr>
+              <a:t>Share weight</a:t>
+            </a:r>
+            <a:endParaRPr lang="zh-CN" altLang="en-US" sz="1400" dirty="0">
+              <a:latin typeface="Bahnschrift SemiBold" panose="020B0502040204020203" pitchFamily="34" charset="0"/>
+            </a:endParaRPr>
+          </a:p>
+        </p:txBody>
+      </p:sp>
     </p:spTree>
     <p:extLst>
       <p:ext uri="{BB962C8B-B14F-4D97-AF65-F5344CB8AC3E}">
@@ -5612,6 +5751,1437 @@
           <a:chExt cx="0" cy="0"/>
         </a:xfrm>
       </p:grpSpPr>
+      <p:sp>
+        <p:nvSpPr>
+          <p:cNvPr id="7" name="矩形 6">
+            <a:extLst>
+              <a:ext uri="{FF2B5EF4-FFF2-40B4-BE49-F238E27FC236}">
+                <a16:creationId xmlns:a16="http://schemas.microsoft.com/office/drawing/2014/main" id="{9AB77B0E-ABAB-8C7E-0BE0-B1AA0A9619AB}"/>
+              </a:ext>
+            </a:extLst>
+          </p:cNvPr>
+          <p:cNvSpPr/>
+          <p:nvPr/>
+        </p:nvSpPr>
+        <p:spPr>
+          <a:xfrm>
+            <a:off x="3130047" y="1128930"/>
+            <a:ext cx="2194566" cy="4104250"/>
+          </a:xfrm>
+          <a:prstGeom prst="rect">
+            <a:avLst/>
+          </a:prstGeom>
+          <a:solidFill>
+            <a:schemeClr val="accent1">
+              <a:lumMod val="40000"/>
+              <a:lumOff val="60000"/>
+            </a:schemeClr>
+          </a:solidFill>
+          <a:ln>
+            <a:solidFill>
+              <a:schemeClr val="tx1"/>
+            </a:solidFill>
+          </a:ln>
+        </p:spPr>
+        <p:style>
+          <a:lnRef idx="2">
+            <a:schemeClr val="accent1">
+              <a:shade val="15000"/>
+            </a:schemeClr>
+          </a:lnRef>
+          <a:fillRef idx="1">
+            <a:schemeClr val="accent1"/>
+          </a:fillRef>
+          <a:effectRef idx="0">
+            <a:schemeClr val="accent1"/>
+          </a:effectRef>
+          <a:fontRef idx="minor">
+            <a:schemeClr val="lt1"/>
+          </a:fontRef>
+        </p:style>
+        <p:txBody>
+          <a:bodyPr rtlCol="0" anchor="ctr"/>
+          <a:lstStyle/>
+          <a:p>
+            <a:pPr algn="ctr"/>
+            <a:endParaRPr lang="zh-CN" altLang="en-US" dirty="0"/>
+          </a:p>
+        </p:txBody>
+      </p:sp>
+      <p:sp>
+        <p:nvSpPr>
+          <p:cNvPr id="10" name="矩形 9">
+            <a:extLst>
+              <a:ext uri="{FF2B5EF4-FFF2-40B4-BE49-F238E27FC236}">
+                <a16:creationId xmlns:a16="http://schemas.microsoft.com/office/drawing/2014/main" id="{10981E61-1248-A430-E5F3-AED9ADF4EC74}"/>
+              </a:ext>
+            </a:extLst>
+          </p:cNvPr>
+          <p:cNvSpPr/>
+          <p:nvPr/>
+        </p:nvSpPr>
+        <p:spPr>
+          <a:xfrm>
+            <a:off x="3130047" y="823497"/>
+            <a:ext cx="2194566" cy="305433"/>
+          </a:xfrm>
+          <a:prstGeom prst="rect">
+            <a:avLst/>
+          </a:prstGeom>
+        </p:spPr>
+        <p:style>
+          <a:lnRef idx="2">
+            <a:schemeClr val="accent1">
+              <a:shade val="15000"/>
+            </a:schemeClr>
+          </a:lnRef>
+          <a:fillRef idx="1">
+            <a:schemeClr val="accent1"/>
+          </a:fillRef>
+          <a:effectRef idx="0">
+            <a:schemeClr val="accent1"/>
+          </a:effectRef>
+          <a:fontRef idx="minor">
+            <a:schemeClr val="lt1"/>
+          </a:fontRef>
+        </p:style>
+        <p:txBody>
+          <a:bodyPr rtlCol="0" anchor="ctr"/>
+          <a:lstStyle/>
+          <a:p>
+            <a:pPr algn="ctr"/>
+            <a:r>
+              <a:rPr lang="en-US" altLang="zh-CN" sz="1400" dirty="0">
+                <a:solidFill>
+                  <a:schemeClr val="tx1"/>
+                </a:solidFill>
+                <a:latin typeface="Bahnschrift SemiBold" panose="020B0502040204020203" pitchFamily="34" charset="0"/>
+              </a:rPr>
+              <a:t>Decomposition</a:t>
+            </a:r>
+            <a:endParaRPr lang="zh-CN" altLang="en-US" sz="1400" dirty="0">
+              <a:solidFill>
+                <a:schemeClr val="tx1"/>
+              </a:solidFill>
+              <a:latin typeface="Bahnschrift SemiBold" panose="020B0502040204020203" pitchFamily="34" charset="0"/>
+            </a:endParaRPr>
+          </a:p>
+        </p:txBody>
+      </p:sp>
+      <p:sp>
+        <p:nvSpPr>
+          <p:cNvPr id="11" name="矩形: 圆角 10">
+            <a:extLst>
+              <a:ext uri="{FF2B5EF4-FFF2-40B4-BE49-F238E27FC236}">
+                <a16:creationId xmlns:a16="http://schemas.microsoft.com/office/drawing/2014/main" id="{AE1812C3-D69E-8D72-D029-B6F46DB3AF5E}"/>
+              </a:ext>
+            </a:extLst>
+          </p:cNvPr>
+          <p:cNvSpPr/>
+          <p:nvPr/>
+        </p:nvSpPr>
+        <p:spPr>
+          <a:xfrm>
+            <a:off x="3798007" y="1736710"/>
+            <a:ext cx="1048306" cy="761913"/>
+          </a:xfrm>
+          <a:prstGeom prst="roundRect">
+            <a:avLst/>
+          </a:prstGeom>
+          <a:solidFill>
+            <a:schemeClr val="accent1">
+              <a:lumMod val="60000"/>
+              <a:lumOff val="40000"/>
+            </a:schemeClr>
+          </a:solidFill>
+          <a:ln/>
+        </p:spPr>
+        <p:style>
+          <a:lnRef idx="2">
+            <a:schemeClr val="dk1"/>
+          </a:lnRef>
+          <a:fillRef idx="1">
+            <a:schemeClr val="lt1"/>
+          </a:fillRef>
+          <a:effectRef idx="0">
+            <a:schemeClr val="dk1"/>
+          </a:effectRef>
+          <a:fontRef idx="minor">
+            <a:schemeClr val="dk1"/>
+          </a:fontRef>
+        </p:style>
+        <p:txBody>
+          <a:bodyPr rtlCol="0" anchor="ctr"/>
+          <a:lstStyle/>
+          <a:p>
+            <a:pPr algn="ctr"/>
+            <a:r>
+              <a:rPr lang="en-US" altLang="zh-CN" sz="1200" dirty="0">
+                <a:solidFill>
+                  <a:schemeClr val="tx1"/>
+                </a:solidFill>
+                <a:latin typeface="Bahnschrift SemiBold" panose="020B0502040204020203" pitchFamily="34" charset="0"/>
+              </a:rPr>
+              <a:t>Decom-Net</a:t>
+            </a:r>
+            <a:endParaRPr lang="zh-CN" altLang="en-US" sz="1200" dirty="0">
+              <a:solidFill>
+                <a:schemeClr val="tx1"/>
+              </a:solidFill>
+              <a:latin typeface="Bahnschrift SemiBold" panose="020B0502040204020203" pitchFamily="34" charset="0"/>
+            </a:endParaRPr>
+          </a:p>
+        </p:txBody>
+      </p:sp>
+      <p:sp>
+        <p:nvSpPr>
+          <p:cNvPr id="12" name="矩形 11">
+            <a:extLst>
+              <a:ext uri="{FF2B5EF4-FFF2-40B4-BE49-F238E27FC236}">
+                <a16:creationId xmlns:a16="http://schemas.microsoft.com/office/drawing/2014/main" id="{B9F97D22-86A8-CD83-9942-8AF24FA2125A}"/>
+              </a:ext>
+            </a:extLst>
+          </p:cNvPr>
+          <p:cNvSpPr/>
+          <p:nvPr/>
+        </p:nvSpPr>
+        <p:spPr>
+          <a:xfrm>
+            <a:off x="5324613" y="1128930"/>
+            <a:ext cx="2212406" cy="4104250"/>
+          </a:xfrm>
+          <a:prstGeom prst="rect">
+            <a:avLst/>
+          </a:prstGeom>
+          <a:solidFill>
+            <a:schemeClr val="accent2">
+              <a:lumMod val="40000"/>
+              <a:lumOff val="60000"/>
+            </a:schemeClr>
+          </a:solidFill>
+          <a:ln>
+            <a:solidFill>
+              <a:schemeClr val="tx1"/>
+            </a:solidFill>
+          </a:ln>
+        </p:spPr>
+        <p:style>
+          <a:lnRef idx="2">
+            <a:schemeClr val="accent1">
+              <a:shade val="15000"/>
+            </a:schemeClr>
+          </a:lnRef>
+          <a:fillRef idx="1">
+            <a:schemeClr val="accent1"/>
+          </a:fillRef>
+          <a:effectRef idx="0">
+            <a:schemeClr val="accent1"/>
+          </a:effectRef>
+          <a:fontRef idx="minor">
+            <a:schemeClr val="lt1"/>
+          </a:fontRef>
+        </p:style>
+        <p:txBody>
+          <a:bodyPr rtlCol="0" anchor="ctr"/>
+          <a:lstStyle/>
+          <a:p>
+            <a:pPr algn="ctr"/>
+            <a:endParaRPr lang="zh-CN" altLang="en-US" dirty="0"/>
+          </a:p>
+        </p:txBody>
+      </p:sp>
+      <p:sp>
+        <p:nvSpPr>
+          <p:cNvPr id="13" name="矩形: 圆角 12">
+            <a:extLst>
+              <a:ext uri="{FF2B5EF4-FFF2-40B4-BE49-F238E27FC236}">
+                <a16:creationId xmlns:a16="http://schemas.microsoft.com/office/drawing/2014/main" id="{D72C931E-6093-99A3-0A0B-AF79143AA27C}"/>
+              </a:ext>
+            </a:extLst>
+          </p:cNvPr>
+          <p:cNvSpPr/>
+          <p:nvPr/>
+        </p:nvSpPr>
+        <p:spPr>
+          <a:xfrm>
+            <a:off x="5783675" y="3387030"/>
+            <a:ext cx="1317341" cy="707884"/>
+          </a:xfrm>
+          <a:prstGeom prst="roundRect">
+            <a:avLst/>
+          </a:prstGeom>
+          <a:solidFill>
+            <a:schemeClr val="accent2">
+              <a:lumMod val="60000"/>
+              <a:lumOff val="40000"/>
+            </a:schemeClr>
+          </a:solidFill>
+          <a:ln/>
+        </p:spPr>
+        <p:style>
+          <a:lnRef idx="2">
+            <a:schemeClr val="dk1"/>
+          </a:lnRef>
+          <a:fillRef idx="1">
+            <a:schemeClr val="lt1"/>
+          </a:fillRef>
+          <a:effectRef idx="0">
+            <a:schemeClr val="dk1"/>
+          </a:effectRef>
+          <a:fontRef idx="minor">
+            <a:schemeClr val="dk1"/>
+          </a:fontRef>
+        </p:style>
+        <p:txBody>
+          <a:bodyPr rtlCol="0" anchor="ctr"/>
+          <a:lstStyle/>
+          <a:p>
+            <a:pPr algn="ctr"/>
+            <a:r>
+              <a:rPr lang="en-US" altLang="zh-CN" sz="1200" dirty="0">
+                <a:solidFill>
+                  <a:schemeClr val="tx1"/>
+                </a:solidFill>
+                <a:latin typeface="Bahnschrift SemiBold" panose="020B0502040204020203" pitchFamily="34" charset="0"/>
+              </a:rPr>
+              <a:t>Illumination Curve Estimation</a:t>
+            </a:r>
+            <a:endParaRPr lang="zh-CN" altLang="en-US" sz="1200" dirty="0">
+              <a:solidFill>
+                <a:schemeClr val="tx1"/>
+              </a:solidFill>
+              <a:latin typeface="Bahnschrift SemiBold" panose="020B0502040204020203" pitchFamily="34" charset="0"/>
+            </a:endParaRPr>
+          </a:p>
+        </p:txBody>
+      </p:sp>
+      <p:sp>
+        <p:nvSpPr>
+          <p:cNvPr id="14" name="矩形 13">
+            <a:extLst>
+              <a:ext uri="{FF2B5EF4-FFF2-40B4-BE49-F238E27FC236}">
+                <a16:creationId xmlns:a16="http://schemas.microsoft.com/office/drawing/2014/main" id="{D81A3C70-7F60-78A5-F977-817B8DB79DA5}"/>
+              </a:ext>
+            </a:extLst>
+          </p:cNvPr>
+          <p:cNvSpPr/>
+          <p:nvPr/>
+        </p:nvSpPr>
+        <p:spPr>
+          <a:xfrm>
+            <a:off x="5324615" y="827958"/>
+            <a:ext cx="2194566" cy="305433"/>
+          </a:xfrm>
+          <a:prstGeom prst="rect">
+            <a:avLst/>
+          </a:prstGeom>
+          <a:solidFill>
+            <a:schemeClr val="accent2">
+              <a:lumMod val="75000"/>
+            </a:schemeClr>
+          </a:solidFill>
+        </p:spPr>
+        <p:style>
+          <a:lnRef idx="2">
+            <a:schemeClr val="accent1">
+              <a:shade val="15000"/>
+            </a:schemeClr>
+          </a:lnRef>
+          <a:fillRef idx="1">
+            <a:schemeClr val="accent1"/>
+          </a:fillRef>
+          <a:effectRef idx="0">
+            <a:schemeClr val="accent1"/>
+          </a:effectRef>
+          <a:fontRef idx="minor">
+            <a:schemeClr val="lt1"/>
+          </a:fontRef>
+        </p:style>
+        <p:txBody>
+          <a:bodyPr rtlCol="0" anchor="ctr"/>
+          <a:lstStyle/>
+          <a:p>
+            <a:pPr algn="ctr"/>
+            <a:r>
+              <a:rPr lang="en-US" altLang="zh-CN" sz="1400" dirty="0">
+                <a:solidFill>
+                  <a:schemeClr val="tx1"/>
+                </a:solidFill>
+                <a:latin typeface="Bahnschrift SemiBold" panose="020B0502040204020203" pitchFamily="34" charset="0"/>
+              </a:rPr>
+              <a:t>Enhancement</a:t>
+            </a:r>
+            <a:endParaRPr lang="zh-CN" altLang="en-US" sz="1400" dirty="0">
+              <a:solidFill>
+                <a:schemeClr val="tx1"/>
+              </a:solidFill>
+              <a:latin typeface="Bahnschrift SemiBold" panose="020B0502040204020203" pitchFamily="34" charset="0"/>
+            </a:endParaRPr>
+          </a:p>
+        </p:txBody>
+      </p:sp>
+      <p:cxnSp>
+        <p:nvCxnSpPr>
+          <p:cNvPr id="17" name="直接箭头连接符 16">
+            <a:extLst>
+              <a:ext uri="{FF2B5EF4-FFF2-40B4-BE49-F238E27FC236}">
+                <a16:creationId xmlns:a16="http://schemas.microsoft.com/office/drawing/2014/main" id="{7FADA4CC-B947-81E1-CD11-B71E61CE551A}"/>
+              </a:ext>
+            </a:extLst>
+          </p:cNvPr>
+          <p:cNvCxnSpPr>
+            <a:cxnSpLocks/>
+          </p:cNvCxnSpPr>
+          <p:nvPr/>
+        </p:nvCxnSpPr>
+        <p:spPr>
+          <a:xfrm>
+            <a:off x="4009366" y="2498623"/>
+            <a:ext cx="0" cy="1073827"/>
+          </a:xfrm>
+          <a:prstGeom prst="straightConnector1">
+            <a:avLst/>
+          </a:prstGeom>
+          <a:ln>
+            <a:headEnd type="triangle"/>
+            <a:tailEnd type="triangle"/>
+          </a:ln>
+        </p:spPr>
+        <p:style>
+          <a:lnRef idx="3">
+            <a:schemeClr val="accent1"/>
+          </a:lnRef>
+          <a:fillRef idx="0">
+            <a:schemeClr val="accent1"/>
+          </a:fillRef>
+          <a:effectRef idx="2">
+            <a:schemeClr val="accent1"/>
+          </a:effectRef>
+          <a:fontRef idx="minor">
+            <a:schemeClr val="tx1"/>
+          </a:fontRef>
+        </p:style>
+      </p:cxnSp>
+      <p:sp>
+        <p:nvSpPr>
+          <p:cNvPr id="18" name="矩形 17">
+            <a:extLst>
+              <a:ext uri="{FF2B5EF4-FFF2-40B4-BE49-F238E27FC236}">
+                <a16:creationId xmlns:a16="http://schemas.microsoft.com/office/drawing/2014/main" id="{F8F6B360-25E6-BED2-459E-D76903B71B90}"/>
+              </a:ext>
+            </a:extLst>
+          </p:cNvPr>
+          <p:cNvSpPr/>
+          <p:nvPr/>
+        </p:nvSpPr>
+        <p:spPr>
+          <a:xfrm>
+            <a:off x="7519181" y="1128930"/>
+            <a:ext cx="2194566" cy="4104250"/>
+          </a:xfrm>
+          <a:prstGeom prst="rect">
+            <a:avLst/>
+          </a:prstGeom>
+          <a:solidFill>
+            <a:schemeClr val="accent6">
+              <a:lumMod val="60000"/>
+              <a:lumOff val="40000"/>
+            </a:schemeClr>
+          </a:solidFill>
+          <a:ln>
+            <a:solidFill>
+              <a:schemeClr val="tx1"/>
+            </a:solidFill>
+          </a:ln>
+        </p:spPr>
+        <p:style>
+          <a:lnRef idx="2">
+            <a:schemeClr val="accent1">
+              <a:shade val="15000"/>
+            </a:schemeClr>
+          </a:lnRef>
+          <a:fillRef idx="1">
+            <a:schemeClr val="accent1"/>
+          </a:fillRef>
+          <a:effectRef idx="0">
+            <a:schemeClr val="accent1"/>
+          </a:effectRef>
+          <a:fontRef idx="minor">
+            <a:schemeClr val="lt1"/>
+          </a:fontRef>
+        </p:style>
+        <p:txBody>
+          <a:bodyPr rtlCol="0" anchor="ctr"/>
+          <a:lstStyle/>
+          <a:p>
+            <a:pPr algn="ctr"/>
+            <a:endParaRPr lang="zh-CN" altLang="en-US" dirty="0"/>
+          </a:p>
+        </p:txBody>
+      </p:sp>
+      <p:sp>
+        <p:nvSpPr>
+          <p:cNvPr id="20" name="矩形 19">
+            <a:extLst>
+              <a:ext uri="{FF2B5EF4-FFF2-40B4-BE49-F238E27FC236}">
+                <a16:creationId xmlns:a16="http://schemas.microsoft.com/office/drawing/2014/main" id="{ADFAD55C-34A5-E465-95FC-7D405B08C951}"/>
+              </a:ext>
+            </a:extLst>
+          </p:cNvPr>
+          <p:cNvSpPr/>
+          <p:nvPr/>
+        </p:nvSpPr>
+        <p:spPr>
+          <a:xfrm>
+            <a:off x="7519181" y="832419"/>
+            <a:ext cx="2194566" cy="305433"/>
+          </a:xfrm>
+          <a:prstGeom prst="rect">
+            <a:avLst/>
+          </a:prstGeom>
+          <a:solidFill>
+            <a:schemeClr val="accent6">
+              <a:lumMod val="75000"/>
+            </a:schemeClr>
+          </a:solidFill>
+        </p:spPr>
+        <p:style>
+          <a:lnRef idx="2">
+            <a:schemeClr val="accent1">
+              <a:shade val="15000"/>
+            </a:schemeClr>
+          </a:lnRef>
+          <a:fillRef idx="1">
+            <a:schemeClr val="accent1"/>
+          </a:fillRef>
+          <a:effectRef idx="0">
+            <a:schemeClr val="accent1"/>
+          </a:effectRef>
+          <a:fontRef idx="minor">
+            <a:schemeClr val="lt1"/>
+          </a:fontRef>
+        </p:style>
+        <p:txBody>
+          <a:bodyPr rtlCol="0" anchor="ctr"/>
+          <a:lstStyle/>
+          <a:p>
+            <a:pPr algn="ctr"/>
+            <a:r>
+              <a:rPr lang="en-US" altLang="zh-CN" sz="1400" dirty="0">
+                <a:solidFill>
+                  <a:schemeClr val="tx1"/>
+                </a:solidFill>
+                <a:latin typeface="Bahnschrift SemiBold" panose="020B0502040204020203" pitchFamily="34" charset="0"/>
+              </a:rPr>
+              <a:t>Reconstruction</a:t>
+            </a:r>
+            <a:endParaRPr lang="zh-CN" altLang="en-US" sz="1400" dirty="0">
+              <a:solidFill>
+                <a:schemeClr val="tx1"/>
+              </a:solidFill>
+              <a:latin typeface="Bahnschrift SemiBold" panose="020B0502040204020203" pitchFamily="34" charset="0"/>
+            </a:endParaRPr>
+          </a:p>
+        </p:txBody>
+      </p:sp>
+      <p:cxnSp>
+        <p:nvCxnSpPr>
+          <p:cNvPr id="26" name="直接箭头连接符 25">
+            <a:extLst>
+              <a:ext uri="{FF2B5EF4-FFF2-40B4-BE49-F238E27FC236}">
+                <a16:creationId xmlns:a16="http://schemas.microsoft.com/office/drawing/2014/main" id="{055A793C-85D9-37A7-41B5-367B050498CF}"/>
+              </a:ext>
+            </a:extLst>
+          </p:cNvPr>
+          <p:cNvCxnSpPr>
+            <a:cxnSpLocks/>
+          </p:cNvCxnSpPr>
+          <p:nvPr/>
+        </p:nvCxnSpPr>
+        <p:spPr>
+          <a:xfrm>
+            <a:off x="2789919" y="3949741"/>
+            <a:ext cx="999311" cy="0"/>
+          </a:xfrm>
+          <a:prstGeom prst="straightConnector1">
+            <a:avLst/>
+          </a:prstGeom>
+          <a:ln>
+            <a:tailEnd type="triangle"/>
+          </a:ln>
+        </p:spPr>
+        <p:style>
+          <a:lnRef idx="2">
+            <a:schemeClr val="dk1"/>
+          </a:lnRef>
+          <a:fillRef idx="0">
+            <a:schemeClr val="dk1"/>
+          </a:fillRef>
+          <a:effectRef idx="1">
+            <a:schemeClr val="dk1"/>
+          </a:effectRef>
+          <a:fontRef idx="minor">
+            <a:schemeClr val="tx1"/>
+          </a:fontRef>
+        </p:style>
+      </p:cxnSp>
+      <p:pic>
+        <p:nvPicPr>
+          <p:cNvPr id="28" name="图片 27">
+            <a:extLst>
+              <a:ext uri="{FF2B5EF4-FFF2-40B4-BE49-F238E27FC236}">
+                <a16:creationId xmlns:a16="http://schemas.microsoft.com/office/drawing/2014/main" id="{25369937-5198-F5C1-57D5-ECCF62EDBA5E}"/>
+              </a:ext>
+            </a:extLst>
+          </p:cNvPr>
+          <p:cNvPicPr>
+            <a:picLocks noChangeAspect="1"/>
+          </p:cNvPicPr>
+          <p:nvPr/>
+        </p:nvPicPr>
+        <p:blipFill>
+          <a:blip r:embed="rId2">
+            <a:extLst>
+              <a:ext uri="{28A0092B-C50C-407E-A947-70E740481C1C}">
+                <a14:useLocalDpi xmlns:a14="http://schemas.microsoft.com/office/drawing/2010/main" val="0"/>
+              </a:ext>
+            </a:extLst>
+          </a:blip>
+          <a:stretch>
+            <a:fillRect/>
+          </a:stretch>
+        </p:blipFill>
+        <p:spPr>
+          <a:xfrm>
+            <a:off x="1581526" y="3528404"/>
+            <a:ext cx="1329389" cy="830868"/>
+          </a:xfrm>
+          <a:prstGeom prst="rect">
+            <a:avLst/>
+          </a:prstGeom>
+        </p:spPr>
+      </p:pic>
+      <p:pic>
+        <p:nvPicPr>
+          <p:cNvPr id="34" name="图片 33">
+            <a:extLst>
+              <a:ext uri="{FF2B5EF4-FFF2-40B4-BE49-F238E27FC236}">
+                <a16:creationId xmlns:a16="http://schemas.microsoft.com/office/drawing/2014/main" id="{41DDD341-A94D-7A7F-C86E-7D456F6BA229}"/>
+              </a:ext>
+            </a:extLst>
+          </p:cNvPr>
+          <p:cNvPicPr>
+            <a:picLocks noChangeAspect="1"/>
+          </p:cNvPicPr>
+          <p:nvPr/>
+        </p:nvPicPr>
+        <p:blipFill>
+          <a:blip r:embed="rId3">
+            <a:extLst>
+              <a:ext uri="{28A0092B-C50C-407E-A947-70E740481C1C}">
+                <a14:useLocalDpi xmlns:a14="http://schemas.microsoft.com/office/drawing/2010/main" val="0"/>
+              </a:ext>
+            </a:extLst>
+          </a:blip>
+          <a:stretch>
+            <a:fillRect/>
+          </a:stretch>
+        </p:blipFill>
+        <p:spPr>
+          <a:xfrm>
+            <a:off x="8110027" y="2736979"/>
+            <a:ext cx="1329390" cy="830870"/>
+          </a:xfrm>
+          <a:prstGeom prst="rect">
+            <a:avLst/>
+          </a:prstGeom>
+        </p:spPr>
+      </p:pic>
+      <p:pic>
+        <p:nvPicPr>
+          <p:cNvPr id="36" name="图片 35">
+            <a:extLst>
+              <a:ext uri="{FF2B5EF4-FFF2-40B4-BE49-F238E27FC236}">
+                <a16:creationId xmlns:a16="http://schemas.microsoft.com/office/drawing/2014/main" id="{F2850E4D-EDC8-4E40-6BDB-7F1C33233088}"/>
+              </a:ext>
+            </a:extLst>
+          </p:cNvPr>
+          <p:cNvPicPr>
+            <a:picLocks noChangeAspect="1"/>
+          </p:cNvPicPr>
+          <p:nvPr/>
+        </p:nvPicPr>
+        <p:blipFill>
+          <a:blip r:embed="rId4">
+            <a:extLst>
+              <a:ext uri="{28A0092B-C50C-407E-A947-70E740481C1C}">
+                <a14:useLocalDpi xmlns:a14="http://schemas.microsoft.com/office/drawing/2010/main" val="0"/>
+              </a:ext>
+            </a:extLst>
+          </a:blip>
+          <a:stretch>
+            <a:fillRect/>
+          </a:stretch>
+        </p:blipFill>
+        <p:spPr>
+          <a:xfrm>
+            <a:off x="1581526" y="1674538"/>
+            <a:ext cx="1329390" cy="886260"/>
+          </a:xfrm>
+          <a:prstGeom prst="rect">
+            <a:avLst/>
+          </a:prstGeom>
+        </p:spPr>
+      </p:pic>
+      <p:cxnSp>
+        <p:nvCxnSpPr>
+          <p:cNvPr id="37" name="直接箭头连接符 36">
+            <a:extLst>
+              <a:ext uri="{FF2B5EF4-FFF2-40B4-BE49-F238E27FC236}">
+                <a16:creationId xmlns:a16="http://schemas.microsoft.com/office/drawing/2014/main" id="{17BBA939-B3BB-0A41-F488-17A3613F3A02}"/>
+              </a:ext>
+            </a:extLst>
+          </p:cNvPr>
+          <p:cNvCxnSpPr>
+            <a:cxnSpLocks/>
+          </p:cNvCxnSpPr>
+          <p:nvPr/>
+        </p:nvCxnSpPr>
+        <p:spPr>
+          <a:xfrm>
+            <a:off x="2910916" y="2117667"/>
+            <a:ext cx="907351" cy="1"/>
+          </a:xfrm>
+          <a:prstGeom prst="straightConnector1">
+            <a:avLst/>
+          </a:prstGeom>
+          <a:ln>
+            <a:tailEnd type="triangle"/>
+          </a:ln>
+        </p:spPr>
+        <p:style>
+          <a:lnRef idx="2">
+            <a:schemeClr val="dk1"/>
+          </a:lnRef>
+          <a:fillRef idx="0">
+            <a:schemeClr val="dk1"/>
+          </a:fillRef>
+          <a:effectRef idx="1">
+            <a:schemeClr val="dk1"/>
+          </a:effectRef>
+          <a:fontRef idx="minor">
+            <a:schemeClr val="tx1"/>
+          </a:fontRef>
+        </p:style>
+      </p:cxnSp>
+      <p:sp>
+        <p:nvSpPr>
+          <p:cNvPr id="45" name="矩形: 圆角 44">
+            <a:extLst>
+              <a:ext uri="{FF2B5EF4-FFF2-40B4-BE49-F238E27FC236}">
+                <a16:creationId xmlns:a16="http://schemas.microsoft.com/office/drawing/2014/main" id="{6D6660D5-590D-D222-886F-2F5C0761187C}"/>
+              </a:ext>
+            </a:extLst>
+          </p:cNvPr>
+          <p:cNvSpPr/>
+          <p:nvPr/>
+        </p:nvSpPr>
+        <p:spPr>
+          <a:xfrm>
+            <a:off x="3838207" y="3572450"/>
+            <a:ext cx="1048306" cy="761913"/>
+          </a:xfrm>
+          <a:prstGeom prst="roundRect">
+            <a:avLst/>
+          </a:prstGeom>
+          <a:solidFill>
+            <a:schemeClr val="accent1">
+              <a:lumMod val="60000"/>
+              <a:lumOff val="40000"/>
+            </a:schemeClr>
+          </a:solidFill>
+          <a:ln/>
+        </p:spPr>
+        <p:style>
+          <a:lnRef idx="2">
+            <a:schemeClr val="dk1"/>
+          </a:lnRef>
+          <a:fillRef idx="1">
+            <a:schemeClr val="lt1"/>
+          </a:fillRef>
+          <a:effectRef idx="0">
+            <a:schemeClr val="dk1"/>
+          </a:effectRef>
+          <a:fontRef idx="minor">
+            <a:schemeClr val="dk1"/>
+          </a:fontRef>
+        </p:style>
+        <p:txBody>
+          <a:bodyPr rtlCol="0" anchor="ctr"/>
+          <a:lstStyle/>
+          <a:p>
+            <a:pPr algn="ctr"/>
+            <a:r>
+              <a:rPr lang="en-US" altLang="zh-CN" sz="1200" dirty="0">
+                <a:solidFill>
+                  <a:schemeClr val="tx1"/>
+                </a:solidFill>
+                <a:latin typeface="Bahnschrift SemiBold" panose="020B0502040204020203" pitchFamily="34" charset="0"/>
+              </a:rPr>
+              <a:t>Decom-Net</a:t>
+            </a:r>
+            <a:endParaRPr lang="zh-CN" altLang="en-US" sz="1200" dirty="0">
+              <a:solidFill>
+                <a:schemeClr val="tx1"/>
+              </a:solidFill>
+              <a:latin typeface="Bahnschrift SemiBold" panose="020B0502040204020203" pitchFamily="34" charset="0"/>
+            </a:endParaRPr>
+          </a:p>
+        </p:txBody>
+      </p:sp>
+      <p:cxnSp>
+        <p:nvCxnSpPr>
+          <p:cNvPr id="49" name="直接箭头连接符 48">
+            <a:extLst>
+              <a:ext uri="{FF2B5EF4-FFF2-40B4-BE49-F238E27FC236}">
+                <a16:creationId xmlns:a16="http://schemas.microsoft.com/office/drawing/2014/main" id="{7847EBCE-8A8D-2B43-E278-55285B94F226}"/>
+              </a:ext>
+            </a:extLst>
+          </p:cNvPr>
+          <p:cNvCxnSpPr>
+            <a:cxnSpLocks/>
+          </p:cNvCxnSpPr>
+          <p:nvPr/>
+        </p:nvCxnSpPr>
+        <p:spPr>
+          <a:xfrm>
+            <a:off x="4362360" y="2498623"/>
+            <a:ext cx="0" cy="1066939"/>
+          </a:xfrm>
+          <a:prstGeom prst="straightConnector1">
+            <a:avLst/>
+          </a:prstGeom>
+          <a:ln>
+            <a:headEnd type="triangle"/>
+            <a:tailEnd type="triangle"/>
+          </a:ln>
+        </p:spPr>
+        <p:style>
+          <a:lnRef idx="3">
+            <a:schemeClr val="accent1"/>
+          </a:lnRef>
+          <a:fillRef idx="0">
+            <a:schemeClr val="accent1"/>
+          </a:fillRef>
+          <a:effectRef idx="2">
+            <a:schemeClr val="accent1"/>
+          </a:effectRef>
+          <a:fontRef idx="minor">
+            <a:schemeClr val="tx1"/>
+          </a:fontRef>
+        </p:style>
+      </p:cxnSp>
+      <p:cxnSp>
+        <p:nvCxnSpPr>
+          <p:cNvPr id="50" name="直接箭头连接符 49">
+            <a:extLst>
+              <a:ext uri="{FF2B5EF4-FFF2-40B4-BE49-F238E27FC236}">
+                <a16:creationId xmlns:a16="http://schemas.microsoft.com/office/drawing/2014/main" id="{9F2AD9E4-3ED0-7245-5900-704D175DC16E}"/>
+              </a:ext>
+            </a:extLst>
+          </p:cNvPr>
+          <p:cNvCxnSpPr>
+            <a:cxnSpLocks/>
+          </p:cNvCxnSpPr>
+          <p:nvPr/>
+        </p:nvCxnSpPr>
+        <p:spPr>
+          <a:xfrm>
+            <a:off x="4682271" y="2498623"/>
+            <a:ext cx="0" cy="1066939"/>
+          </a:xfrm>
+          <a:prstGeom prst="straightConnector1">
+            <a:avLst/>
+          </a:prstGeom>
+          <a:ln>
+            <a:headEnd type="triangle"/>
+            <a:tailEnd type="triangle"/>
+          </a:ln>
+        </p:spPr>
+        <p:style>
+          <a:lnRef idx="3">
+            <a:schemeClr val="accent1"/>
+          </a:lnRef>
+          <a:fillRef idx="0">
+            <a:schemeClr val="accent1"/>
+          </a:fillRef>
+          <a:effectRef idx="2">
+            <a:schemeClr val="accent1"/>
+          </a:effectRef>
+          <a:fontRef idx="minor">
+            <a:schemeClr val="tx1"/>
+          </a:fontRef>
+        </p:style>
+      </p:cxnSp>
+      <p:sp>
+        <p:nvSpPr>
+          <p:cNvPr id="56" name="矩形 55">
+            <a:extLst>
+              <a:ext uri="{FF2B5EF4-FFF2-40B4-BE49-F238E27FC236}">
+                <a16:creationId xmlns:a16="http://schemas.microsoft.com/office/drawing/2014/main" id="{602255AF-9C95-459F-CC12-4A50404B2F56}"/>
+              </a:ext>
+            </a:extLst>
+          </p:cNvPr>
+          <p:cNvSpPr/>
+          <p:nvPr/>
+        </p:nvSpPr>
+        <p:spPr>
+          <a:xfrm>
+            <a:off x="9661699" y="5916379"/>
+            <a:ext cx="1667022" cy="703384"/>
+          </a:xfrm>
+          <a:prstGeom prst="rect">
+            <a:avLst/>
+          </a:prstGeom>
+          <a:solidFill>
+            <a:schemeClr val="bg1"/>
+          </a:solidFill>
+        </p:spPr>
+        <p:style>
+          <a:lnRef idx="2">
+            <a:schemeClr val="accent1">
+              <a:shade val="15000"/>
+            </a:schemeClr>
+          </a:lnRef>
+          <a:fillRef idx="1">
+            <a:schemeClr val="accent1"/>
+          </a:fillRef>
+          <a:effectRef idx="0">
+            <a:schemeClr val="accent1"/>
+          </a:effectRef>
+          <a:fontRef idx="minor">
+            <a:schemeClr val="lt1"/>
+          </a:fontRef>
+        </p:style>
+        <p:txBody>
+          <a:bodyPr rtlCol="0" anchor="ctr"/>
+          <a:lstStyle/>
+          <a:p>
+            <a:pPr algn="ctr"/>
+            <a:endParaRPr lang="zh-CN" altLang="en-US"/>
+          </a:p>
+        </p:txBody>
+      </p:sp>
+      <p:cxnSp>
+        <p:nvCxnSpPr>
+          <p:cNvPr id="57" name="直接箭头连接符 56">
+            <a:extLst>
+              <a:ext uri="{FF2B5EF4-FFF2-40B4-BE49-F238E27FC236}">
+                <a16:creationId xmlns:a16="http://schemas.microsoft.com/office/drawing/2014/main" id="{BE1C0AE0-1853-2326-520B-930D4A314C92}"/>
+              </a:ext>
+            </a:extLst>
+          </p:cNvPr>
+          <p:cNvCxnSpPr>
+            <a:cxnSpLocks/>
+          </p:cNvCxnSpPr>
+          <p:nvPr/>
+        </p:nvCxnSpPr>
+        <p:spPr>
+          <a:xfrm flipH="1">
+            <a:off x="9746105" y="6268071"/>
+            <a:ext cx="361531" cy="0"/>
+          </a:xfrm>
+          <a:prstGeom prst="straightConnector1">
+            <a:avLst/>
+          </a:prstGeom>
+          <a:ln>
+            <a:solidFill>
+              <a:schemeClr val="accent1">
+                <a:lumMod val="60000"/>
+                <a:lumOff val="40000"/>
+              </a:schemeClr>
+            </a:solidFill>
+            <a:headEnd type="triangle"/>
+            <a:tailEnd type="triangle"/>
+          </a:ln>
+        </p:spPr>
+        <p:style>
+          <a:lnRef idx="3">
+            <a:schemeClr val="dk1"/>
+          </a:lnRef>
+          <a:fillRef idx="0">
+            <a:schemeClr val="dk1"/>
+          </a:fillRef>
+          <a:effectRef idx="2">
+            <a:schemeClr val="dk1"/>
+          </a:effectRef>
+          <a:fontRef idx="minor">
+            <a:schemeClr val="tx1"/>
+          </a:fontRef>
+        </p:style>
+      </p:cxnSp>
+      <p:sp>
+        <p:nvSpPr>
+          <p:cNvPr id="58" name="文本框 57">
+            <a:extLst>
+              <a:ext uri="{FF2B5EF4-FFF2-40B4-BE49-F238E27FC236}">
+                <a16:creationId xmlns:a16="http://schemas.microsoft.com/office/drawing/2014/main" id="{FFDA64CC-474C-ED96-5FCE-FB3FB9BC0440}"/>
+              </a:ext>
+            </a:extLst>
+          </p:cNvPr>
+          <p:cNvSpPr txBox="1"/>
+          <p:nvPr/>
+        </p:nvSpPr>
+        <p:spPr>
+          <a:xfrm>
+            <a:off x="10107636" y="6114182"/>
+            <a:ext cx="1667022" cy="307777"/>
+          </a:xfrm>
+          <a:prstGeom prst="rect">
+            <a:avLst/>
+          </a:prstGeom>
+          <a:noFill/>
+        </p:spPr>
+        <p:txBody>
+          <a:bodyPr wrap="square" rtlCol="0">
+            <a:spAutoFit/>
+          </a:bodyPr>
+          <a:lstStyle/>
+          <a:p>
+            <a:r>
+              <a:rPr lang="en-US" altLang="zh-CN" sz="1400" dirty="0">
+                <a:latin typeface="Bahnschrift SemiBold" panose="020B0502040204020203" pitchFamily="34" charset="0"/>
+              </a:rPr>
+              <a:t>Share weight</a:t>
+            </a:r>
+            <a:endParaRPr lang="zh-CN" altLang="en-US" sz="1400" dirty="0">
+              <a:latin typeface="Bahnschrift SemiBold" panose="020B0502040204020203" pitchFamily="34" charset="0"/>
+            </a:endParaRPr>
+          </a:p>
+        </p:txBody>
+      </p:sp>
+      <p:sp>
+        <p:nvSpPr>
+          <p:cNvPr id="59" name="文本框 58">
+            <a:extLst>
+              <a:ext uri="{FF2B5EF4-FFF2-40B4-BE49-F238E27FC236}">
+                <a16:creationId xmlns:a16="http://schemas.microsoft.com/office/drawing/2014/main" id="{9EAAA0D4-5034-2A9A-105B-1C629FF7FA62}"/>
+              </a:ext>
+            </a:extLst>
+          </p:cNvPr>
+          <p:cNvSpPr txBox="1"/>
+          <p:nvPr/>
+        </p:nvSpPr>
+        <p:spPr>
+          <a:xfrm>
+            <a:off x="1793849" y="2648519"/>
+            <a:ext cx="1117066" cy="369332"/>
+          </a:xfrm>
+          <a:prstGeom prst="rect">
+            <a:avLst/>
+          </a:prstGeom>
+          <a:noFill/>
+        </p:spPr>
+        <p:txBody>
+          <a:bodyPr wrap="square" rtlCol="0">
+            <a:spAutoFit/>
+          </a:bodyPr>
+          <a:lstStyle/>
+          <a:p>
+            <a:r>
+              <a:rPr lang="en-US" altLang="zh-CN" i="1" dirty="0" err="1">
+                <a:latin typeface="Bahnschrift SemiCondensed" panose="020B0502040204020203" pitchFamily="34" charset="0"/>
+              </a:rPr>
+              <a:t>S</a:t>
+            </a:r>
+            <a:r>
+              <a:rPr lang="en-US" altLang="zh-CN" i="1" baseline="-25000" dirty="0" err="1">
+                <a:latin typeface="Bahnschrift SemiCondensed" panose="020B0502040204020203" pitchFamily="34" charset="0"/>
+              </a:rPr>
+              <a:t>normal</a:t>
+            </a:r>
+            <a:endParaRPr lang="zh-CN" altLang="en-US" dirty="0"/>
+          </a:p>
+        </p:txBody>
+      </p:sp>
+      <p:sp>
+        <p:nvSpPr>
+          <p:cNvPr id="60" name="文本框 59">
+            <a:extLst>
+              <a:ext uri="{FF2B5EF4-FFF2-40B4-BE49-F238E27FC236}">
+                <a16:creationId xmlns:a16="http://schemas.microsoft.com/office/drawing/2014/main" id="{6A3F278C-9E7C-711D-A2F7-6CE62AEB8729}"/>
+              </a:ext>
+            </a:extLst>
+          </p:cNvPr>
+          <p:cNvSpPr txBox="1"/>
+          <p:nvPr/>
+        </p:nvSpPr>
+        <p:spPr>
+          <a:xfrm>
+            <a:off x="1870716" y="4424917"/>
+            <a:ext cx="1117066" cy="369332"/>
+          </a:xfrm>
+          <a:prstGeom prst="rect">
+            <a:avLst/>
+          </a:prstGeom>
+          <a:noFill/>
+        </p:spPr>
+        <p:txBody>
+          <a:bodyPr wrap="square" rtlCol="0">
+            <a:spAutoFit/>
+          </a:bodyPr>
+          <a:lstStyle/>
+          <a:p>
+            <a:r>
+              <a:rPr lang="en-US" altLang="zh-CN" i="1" dirty="0">
+                <a:latin typeface="Bahnschrift SemiCondensed" panose="020B0502040204020203" pitchFamily="34" charset="0"/>
+              </a:rPr>
+              <a:t>S</a:t>
+            </a:r>
+            <a:r>
+              <a:rPr lang="en-US" altLang="zh-CN" i="1" baseline="-25000" dirty="0">
+                <a:latin typeface="Bahnschrift SemiCondensed" panose="020B0502040204020203" pitchFamily="34" charset="0"/>
+              </a:rPr>
+              <a:t>low</a:t>
+            </a:r>
+            <a:endParaRPr lang="zh-CN" altLang="en-US" dirty="0"/>
+          </a:p>
+        </p:txBody>
+      </p:sp>
+      <p:cxnSp>
+        <p:nvCxnSpPr>
+          <p:cNvPr id="67" name="直接连接符 66">
+            <a:extLst>
+              <a:ext uri="{FF2B5EF4-FFF2-40B4-BE49-F238E27FC236}">
+                <a16:creationId xmlns:a16="http://schemas.microsoft.com/office/drawing/2014/main" id="{BABB477D-5737-92E2-F6D8-91244D375F96}"/>
+              </a:ext>
+            </a:extLst>
+          </p:cNvPr>
+          <p:cNvCxnSpPr>
+            <a:cxnSpLocks/>
+          </p:cNvCxnSpPr>
+          <p:nvPr/>
+        </p:nvCxnSpPr>
+        <p:spPr>
+          <a:xfrm flipH="1" flipV="1">
+            <a:off x="5124490" y="1533378"/>
+            <a:ext cx="2346" cy="2416363"/>
+          </a:xfrm>
+          <a:prstGeom prst="line">
+            <a:avLst/>
+          </a:prstGeom>
+        </p:spPr>
+        <p:style>
+          <a:lnRef idx="2">
+            <a:schemeClr val="dk1"/>
+          </a:lnRef>
+          <a:fillRef idx="0">
+            <a:schemeClr val="dk1"/>
+          </a:fillRef>
+          <a:effectRef idx="1">
+            <a:schemeClr val="dk1"/>
+          </a:effectRef>
+          <a:fontRef idx="minor">
+            <a:schemeClr val="tx1"/>
+          </a:fontRef>
+        </p:style>
+      </p:cxnSp>
+      <p:cxnSp>
+        <p:nvCxnSpPr>
+          <p:cNvPr id="68" name="直接连接符 67">
+            <a:extLst>
+              <a:ext uri="{FF2B5EF4-FFF2-40B4-BE49-F238E27FC236}">
+                <a16:creationId xmlns:a16="http://schemas.microsoft.com/office/drawing/2014/main" id="{825171B3-EB54-75C4-2D3C-2B75D846D9C4}"/>
+              </a:ext>
+            </a:extLst>
+          </p:cNvPr>
+          <p:cNvCxnSpPr>
+            <a:cxnSpLocks/>
+          </p:cNvCxnSpPr>
+          <p:nvPr/>
+        </p:nvCxnSpPr>
+        <p:spPr>
+          <a:xfrm flipV="1">
+            <a:off x="5124492" y="3949741"/>
+            <a:ext cx="0" cy="991766"/>
+          </a:xfrm>
+          <a:prstGeom prst="line">
+            <a:avLst/>
+          </a:prstGeom>
+        </p:spPr>
+        <p:style>
+          <a:lnRef idx="2">
+            <a:schemeClr val="dk1"/>
+          </a:lnRef>
+          <a:fillRef idx="0">
+            <a:schemeClr val="dk1"/>
+          </a:fillRef>
+          <a:effectRef idx="1">
+            <a:schemeClr val="dk1"/>
+          </a:effectRef>
+          <a:fontRef idx="minor">
+            <a:schemeClr val="tx1"/>
+          </a:fontRef>
+        </p:style>
+      </p:cxnSp>
+      <p:cxnSp>
+        <p:nvCxnSpPr>
+          <p:cNvPr id="69" name="直接箭头连接符 68">
+            <a:extLst>
+              <a:ext uri="{FF2B5EF4-FFF2-40B4-BE49-F238E27FC236}">
+                <a16:creationId xmlns:a16="http://schemas.microsoft.com/office/drawing/2014/main" id="{B61AF557-051F-CDEF-1DDF-578DAAD3EFDA}"/>
+              </a:ext>
+            </a:extLst>
+          </p:cNvPr>
+          <p:cNvCxnSpPr>
+            <a:cxnSpLocks/>
+          </p:cNvCxnSpPr>
+          <p:nvPr/>
+        </p:nvCxnSpPr>
+        <p:spPr>
+          <a:xfrm>
+            <a:off x="5124490" y="1533378"/>
+            <a:ext cx="657831" cy="0"/>
+          </a:xfrm>
+          <a:prstGeom prst="straightConnector1">
+            <a:avLst/>
+          </a:prstGeom>
+          <a:ln>
+            <a:tailEnd type="triangle"/>
+          </a:ln>
+        </p:spPr>
+        <p:style>
+          <a:lnRef idx="2">
+            <a:schemeClr val="dk1"/>
+          </a:lnRef>
+          <a:fillRef idx="0">
+            <a:schemeClr val="dk1"/>
+          </a:fillRef>
+          <a:effectRef idx="1">
+            <a:schemeClr val="dk1"/>
+          </a:effectRef>
+          <a:fontRef idx="minor">
+            <a:schemeClr val="tx1"/>
+          </a:fontRef>
+        </p:style>
+      </p:cxnSp>
+      <p:cxnSp>
+        <p:nvCxnSpPr>
+          <p:cNvPr id="70" name="直接箭头连接符 69">
+            <a:extLst>
+              <a:ext uri="{FF2B5EF4-FFF2-40B4-BE49-F238E27FC236}">
+                <a16:creationId xmlns:a16="http://schemas.microsoft.com/office/drawing/2014/main" id="{47269315-E145-5352-5956-FA08FA3DD434}"/>
+              </a:ext>
+            </a:extLst>
+          </p:cNvPr>
+          <p:cNvCxnSpPr>
+            <a:cxnSpLocks/>
+          </p:cNvCxnSpPr>
+          <p:nvPr/>
+        </p:nvCxnSpPr>
+        <p:spPr>
+          <a:xfrm>
+            <a:off x="5124492" y="4941507"/>
+            <a:ext cx="657829" cy="0"/>
+          </a:xfrm>
+          <a:prstGeom prst="straightConnector1">
+            <a:avLst/>
+          </a:prstGeom>
+          <a:ln>
+            <a:tailEnd type="triangle"/>
+          </a:ln>
+        </p:spPr>
+        <p:style>
+          <a:lnRef idx="2">
+            <a:schemeClr val="dk1"/>
+          </a:lnRef>
+          <a:fillRef idx="0">
+            <a:schemeClr val="dk1"/>
+          </a:fillRef>
+          <a:effectRef idx="1">
+            <a:schemeClr val="dk1"/>
+          </a:effectRef>
+          <a:fontRef idx="minor">
+            <a:schemeClr val="tx1"/>
+          </a:fontRef>
+        </p:style>
+      </p:cxnSp>
+      <p:cxnSp>
+        <p:nvCxnSpPr>
+          <p:cNvPr id="78" name="直接连接符 77">
+            <a:extLst>
+              <a:ext uri="{FF2B5EF4-FFF2-40B4-BE49-F238E27FC236}">
+                <a16:creationId xmlns:a16="http://schemas.microsoft.com/office/drawing/2014/main" id="{695B5B94-E8C1-F31B-B30A-D353BFCF748C}"/>
+              </a:ext>
+            </a:extLst>
+          </p:cNvPr>
+          <p:cNvCxnSpPr>
+            <a:cxnSpLocks/>
+            <a:stCxn id="45" idx="3"/>
+          </p:cNvCxnSpPr>
+          <p:nvPr/>
+        </p:nvCxnSpPr>
+        <p:spPr>
+          <a:xfrm>
+            <a:off x="4886513" y="3953407"/>
+            <a:ext cx="237977" cy="0"/>
+          </a:xfrm>
+          <a:prstGeom prst="line">
+            <a:avLst/>
+          </a:prstGeom>
+        </p:spPr>
+        <p:style>
+          <a:lnRef idx="2">
+            <a:schemeClr val="dk1"/>
+          </a:lnRef>
+          <a:fillRef idx="0">
+            <a:schemeClr val="dk1"/>
+          </a:fillRef>
+          <a:effectRef idx="1">
+            <a:schemeClr val="dk1"/>
+          </a:effectRef>
+          <a:fontRef idx="minor">
+            <a:schemeClr val="tx1"/>
+          </a:fontRef>
+        </p:style>
+      </p:cxnSp>
+      <p:sp>
+        <p:nvSpPr>
+          <p:cNvPr id="80" name="矩形: 圆角 79">
+            <a:extLst>
+              <a:ext uri="{FF2B5EF4-FFF2-40B4-BE49-F238E27FC236}">
+                <a16:creationId xmlns:a16="http://schemas.microsoft.com/office/drawing/2014/main" id="{46B6DF3B-ACE5-E1E4-D8BB-20374D3C36F8}"/>
+              </a:ext>
+            </a:extLst>
+          </p:cNvPr>
+          <p:cNvSpPr/>
+          <p:nvPr/>
+        </p:nvSpPr>
+        <p:spPr>
+          <a:xfrm>
+            <a:off x="5797395" y="2248764"/>
+            <a:ext cx="1302267" cy="707884"/>
+          </a:xfrm>
+          <a:prstGeom prst="roundRect">
+            <a:avLst/>
+          </a:prstGeom>
+          <a:solidFill>
+            <a:schemeClr val="accent2">
+              <a:lumMod val="60000"/>
+              <a:lumOff val="40000"/>
+            </a:schemeClr>
+          </a:solidFill>
+          <a:ln/>
+        </p:spPr>
+        <p:style>
+          <a:lnRef idx="2">
+            <a:schemeClr val="dk1"/>
+          </a:lnRef>
+          <a:fillRef idx="1">
+            <a:schemeClr val="lt1"/>
+          </a:fillRef>
+          <a:effectRef idx="0">
+            <a:schemeClr val="dk1"/>
+          </a:effectRef>
+          <a:fontRef idx="minor">
+            <a:schemeClr val="dk1"/>
+          </a:fontRef>
+        </p:style>
+        <p:txBody>
+          <a:bodyPr rtlCol="0" anchor="ctr"/>
+          <a:lstStyle/>
+          <a:p>
+            <a:pPr algn="ctr"/>
+            <a:r>
+              <a:rPr lang="en-US" altLang="zh-CN" sz="1200" dirty="0">
+                <a:solidFill>
+                  <a:schemeClr val="tx1"/>
+                </a:solidFill>
+                <a:latin typeface="Bahnschrift SemiBold" panose="020B0502040204020203" pitchFamily="34" charset="0"/>
+              </a:rPr>
+              <a:t>Reflectance Image Enhancement</a:t>
+            </a:r>
+            <a:endParaRPr lang="zh-CN" altLang="en-US" sz="1200" dirty="0">
+              <a:solidFill>
+                <a:schemeClr val="tx1"/>
+              </a:solidFill>
+              <a:latin typeface="Bahnschrift SemiBold" panose="020B0502040204020203" pitchFamily="34" charset="0"/>
+            </a:endParaRPr>
+          </a:p>
+        </p:txBody>
+      </p:sp>
+      <p:cxnSp>
+        <p:nvCxnSpPr>
+          <p:cNvPr id="87" name="直接连接符 86">
+            <a:extLst>
+              <a:ext uri="{FF2B5EF4-FFF2-40B4-BE49-F238E27FC236}">
+                <a16:creationId xmlns:a16="http://schemas.microsoft.com/office/drawing/2014/main" id="{2897AE65-2FE0-4317-4C11-8F2DDB6CECC9}"/>
+              </a:ext>
+            </a:extLst>
+          </p:cNvPr>
+          <p:cNvCxnSpPr/>
+          <p:nvPr/>
+        </p:nvCxnSpPr>
+        <p:spPr>
+          <a:xfrm>
+            <a:off x="7099662" y="2596150"/>
+            <a:ext cx="552647" cy="0"/>
+          </a:xfrm>
+          <a:prstGeom prst="line">
+            <a:avLst/>
+          </a:prstGeom>
+        </p:spPr>
+        <p:style>
+          <a:lnRef idx="2">
+            <a:schemeClr val="dk1"/>
+          </a:lnRef>
+          <a:fillRef idx="0">
+            <a:schemeClr val="dk1"/>
+          </a:fillRef>
+          <a:effectRef idx="1">
+            <a:schemeClr val="dk1"/>
+          </a:effectRef>
+          <a:fontRef idx="minor">
+            <a:schemeClr val="tx1"/>
+          </a:fontRef>
+        </p:style>
+      </p:cxnSp>
+      <p:cxnSp>
+        <p:nvCxnSpPr>
+          <p:cNvPr id="88" name="直接连接符 87">
+            <a:extLst>
+              <a:ext uri="{FF2B5EF4-FFF2-40B4-BE49-F238E27FC236}">
+                <a16:creationId xmlns:a16="http://schemas.microsoft.com/office/drawing/2014/main" id="{9CE02FDC-B029-6F21-431D-410517616FB2}"/>
+              </a:ext>
+            </a:extLst>
+          </p:cNvPr>
+          <p:cNvCxnSpPr/>
+          <p:nvPr/>
+        </p:nvCxnSpPr>
+        <p:spPr>
+          <a:xfrm>
+            <a:off x="7099662" y="3740972"/>
+            <a:ext cx="552647" cy="0"/>
+          </a:xfrm>
+          <a:prstGeom prst="line">
+            <a:avLst/>
+          </a:prstGeom>
+        </p:spPr>
+        <p:style>
+          <a:lnRef idx="2">
+            <a:schemeClr val="dk1"/>
+          </a:lnRef>
+          <a:fillRef idx="0">
+            <a:schemeClr val="dk1"/>
+          </a:fillRef>
+          <a:effectRef idx="1">
+            <a:schemeClr val="dk1"/>
+          </a:effectRef>
+          <a:fontRef idx="minor">
+            <a:schemeClr val="tx1"/>
+          </a:fontRef>
+        </p:style>
+      </p:cxnSp>
     </p:spTree>
     <p:extLst>
       <p:ext uri="{BB962C8B-B14F-4D97-AF65-F5344CB8AC3E}">

--- a/My_papers/演示文稿1.pptx
+++ b/My_papers/演示文稿1.pptx
@@ -5,12 +5,13 @@
     <p:sldMasterId id="2147483648" r:id="rId1"/>
   </p:sldMasterIdLst>
   <p:notesMasterIdLst>
-    <p:notesMasterId r:id="rId5"/>
+    <p:notesMasterId r:id="rId6"/>
   </p:notesMasterIdLst>
   <p:sldIdLst>
     <p:sldId id="256" r:id="rId2"/>
-    <p:sldId id="375" r:id="rId3"/>
-    <p:sldId id="374" r:id="rId4"/>
+    <p:sldId id="376" r:id="rId3"/>
+    <p:sldId id="375" r:id="rId4"/>
+    <p:sldId id="374" r:id="rId5"/>
   </p:sldIdLst>
   <p:sldSz cx="12192000" cy="6858000"/>
   <p:notesSz cx="6858000" cy="9144000"/>
@@ -5595,7 +5596,7 @@
         </p:nvSpPr>
         <p:spPr>
           <a:xfrm>
-            <a:off x="9197465" y="5177825"/>
+            <a:off x="9198680" y="5645185"/>
             <a:ext cx="1667022" cy="703384"/>
           </a:xfrm>
           <a:prstGeom prst="rect">
@@ -5646,7 +5647,7 @@
         </p:nvCxnSpPr>
         <p:spPr>
           <a:xfrm flipH="1">
-            <a:off x="9281871" y="5529517"/>
+            <a:off x="9283086" y="5996877"/>
             <a:ext cx="361531" cy="0"/>
           </a:xfrm>
           <a:prstGeom prst="straightConnector1">
@@ -5689,7 +5690,7 @@
         </p:nvSpPr>
         <p:spPr>
           <a:xfrm>
-            <a:off x="9643402" y="5375628"/>
+            <a:off x="9644617" y="5842988"/>
             <a:ext cx="1667022" cy="307777"/>
           </a:xfrm>
           <a:prstGeom prst="rect">
@@ -5710,6 +5711,527 @@
               <a:t>Share weight</a:t>
             </a:r>
             <a:endParaRPr lang="zh-CN" altLang="en-US" sz="1400" dirty="0">
+              <a:latin typeface="Bahnschrift SemiBold" panose="020B0502040204020203" pitchFamily="34" charset="0"/>
+            </a:endParaRPr>
+          </a:p>
+        </p:txBody>
+      </p:sp>
+      <p:pic>
+        <p:nvPicPr>
+          <p:cNvPr id="7" name="图片 6">
+            <a:extLst>
+              <a:ext uri="{FF2B5EF4-FFF2-40B4-BE49-F238E27FC236}">
+                <a16:creationId xmlns:a16="http://schemas.microsoft.com/office/drawing/2014/main" id="{22432B83-D791-8204-EDC1-F82FE8C328F7}"/>
+              </a:ext>
+            </a:extLst>
+          </p:cNvPr>
+          <p:cNvPicPr>
+            <a:picLocks noChangeAspect="1"/>
+          </p:cNvPicPr>
+          <p:nvPr/>
+        </p:nvPicPr>
+        <p:blipFill>
+          <a:blip r:embed="rId2">
+            <a:extLst>
+              <a:ext uri="{28A0092B-C50C-407E-A947-70E740481C1C}">
+                <a14:useLocalDpi xmlns:a14="http://schemas.microsoft.com/office/drawing/2010/main" val="0"/>
+              </a:ext>
+            </a:extLst>
+          </a:blip>
+          <a:stretch>
+            <a:fillRect/>
+          </a:stretch>
+        </p:blipFill>
+        <p:spPr>
+          <a:xfrm>
+            <a:off x="8797940" y="2169305"/>
+            <a:ext cx="1246923" cy="831282"/>
+          </a:xfrm>
+          <a:prstGeom prst="rect">
+            <a:avLst/>
+          </a:prstGeom>
+        </p:spPr>
+      </p:pic>
+      <p:pic>
+        <p:nvPicPr>
+          <p:cNvPr id="13" name="图片 12">
+            <a:extLst>
+              <a:ext uri="{FF2B5EF4-FFF2-40B4-BE49-F238E27FC236}">
+                <a16:creationId xmlns:a16="http://schemas.microsoft.com/office/drawing/2014/main" id="{0E708AF3-46A8-A9F3-FAAB-5C33785748A5}"/>
+              </a:ext>
+            </a:extLst>
+          </p:cNvPr>
+          <p:cNvPicPr>
+            <a:picLocks noChangeAspect="1"/>
+          </p:cNvPicPr>
+          <p:nvPr/>
+        </p:nvPicPr>
+        <p:blipFill>
+          <a:blip r:embed="rId3">
+            <a:extLst>
+              <a:ext uri="{28A0092B-C50C-407E-A947-70E740481C1C}">
+                <a14:useLocalDpi xmlns:a14="http://schemas.microsoft.com/office/drawing/2010/main" val="0"/>
+              </a:ext>
+            </a:extLst>
+          </a:blip>
+          <a:stretch>
+            <a:fillRect/>
+          </a:stretch>
+        </p:blipFill>
+        <p:spPr>
+          <a:xfrm>
+            <a:off x="1044776" y="1585746"/>
+            <a:ext cx="1329390" cy="886260"/>
+          </a:xfrm>
+          <a:prstGeom prst="rect">
+            <a:avLst/>
+          </a:prstGeom>
+        </p:spPr>
+      </p:pic>
+      <p:pic>
+        <p:nvPicPr>
+          <p:cNvPr id="15" name="图片 14">
+            <a:extLst>
+              <a:ext uri="{FF2B5EF4-FFF2-40B4-BE49-F238E27FC236}">
+                <a16:creationId xmlns:a16="http://schemas.microsoft.com/office/drawing/2014/main" id="{0413E072-603F-D5E1-D1DD-78EE5786FEC5}"/>
+              </a:ext>
+            </a:extLst>
+          </p:cNvPr>
+          <p:cNvPicPr>
+            <a:picLocks noChangeAspect="1"/>
+          </p:cNvPicPr>
+          <p:nvPr/>
+        </p:nvPicPr>
+        <p:blipFill>
+          <a:blip r:embed="rId4">
+            <a:extLst>
+              <a:ext uri="{28A0092B-C50C-407E-A947-70E740481C1C}">
+                <a14:useLocalDpi xmlns:a14="http://schemas.microsoft.com/office/drawing/2010/main" val="0"/>
+              </a:ext>
+            </a:extLst>
+          </a:blip>
+          <a:stretch>
+            <a:fillRect/>
+          </a:stretch>
+        </p:blipFill>
+        <p:spPr>
+          <a:xfrm>
+            <a:off x="8785275" y="931353"/>
+            <a:ext cx="1246916" cy="831277"/>
+          </a:xfrm>
+          <a:prstGeom prst="rect">
+            <a:avLst/>
+          </a:prstGeom>
+        </p:spPr>
+      </p:pic>
+      <p:pic>
+        <p:nvPicPr>
+          <p:cNvPr id="16" name="图片 15">
+            <a:extLst>
+              <a:ext uri="{FF2B5EF4-FFF2-40B4-BE49-F238E27FC236}">
+                <a16:creationId xmlns:a16="http://schemas.microsoft.com/office/drawing/2014/main" id="{2FE9BB80-C826-FF2D-2AA1-066B8417939D}"/>
+              </a:ext>
+            </a:extLst>
+          </p:cNvPr>
+          <p:cNvPicPr>
+            <a:picLocks noChangeAspect="1"/>
+          </p:cNvPicPr>
+          <p:nvPr/>
+        </p:nvPicPr>
+        <p:blipFill>
+          <a:blip r:embed="rId5">
+            <a:extLst>
+              <a:ext uri="{28A0092B-C50C-407E-A947-70E740481C1C}">
+                <a14:useLocalDpi xmlns:a14="http://schemas.microsoft.com/office/drawing/2010/main" val="0"/>
+              </a:ext>
+            </a:extLst>
+          </a:blip>
+          <a:stretch>
+            <a:fillRect/>
+          </a:stretch>
+        </p:blipFill>
+        <p:spPr>
+          <a:xfrm>
+            <a:off x="1044776" y="3725150"/>
+            <a:ext cx="1329389" cy="830868"/>
+          </a:xfrm>
+          <a:prstGeom prst="rect">
+            <a:avLst/>
+          </a:prstGeom>
+        </p:spPr>
+      </p:pic>
+      <p:pic>
+        <p:nvPicPr>
+          <p:cNvPr id="18" name="图片 17">
+            <a:extLst>
+              <a:ext uri="{FF2B5EF4-FFF2-40B4-BE49-F238E27FC236}">
+                <a16:creationId xmlns:a16="http://schemas.microsoft.com/office/drawing/2014/main" id="{3845E0AB-FA8D-3ED3-439E-BD82B3475509}"/>
+              </a:ext>
+            </a:extLst>
+          </p:cNvPr>
+          <p:cNvPicPr>
+            <a:picLocks noChangeAspect="1"/>
+          </p:cNvPicPr>
+          <p:nvPr/>
+        </p:nvPicPr>
+        <p:blipFill>
+          <a:blip r:embed="rId6">
+            <a:extLst>
+              <a:ext uri="{28A0092B-C50C-407E-A947-70E740481C1C}">
+                <a14:useLocalDpi xmlns:a14="http://schemas.microsoft.com/office/drawing/2010/main" val="0"/>
+              </a:ext>
+            </a:extLst>
+          </a:blip>
+          <a:stretch>
+            <a:fillRect/>
+          </a:stretch>
+        </p:blipFill>
+        <p:spPr>
+          <a:xfrm>
+            <a:off x="8804275" y="3127072"/>
+            <a:ext cx="1234251" cy="831281"/>
+          </a:xfrm>
+          <a:prstGeom prst="rect">
+            <a:avLst/>
+          </a:prstGeom>
+        </p:spPr>
+      </p:pic>
+      <p:pic>
+        <p:nvPicPr>
+          <p:cNvPr id="22" name="图片 21">
+            <a:extLst>
+              <a:ext uri="{FF2B5EF4-FFF2-40B4-BE49-F238E27FC236}">
+                <a16:creationId xmlns:a16="http://schemas.microsoft.com/office/drawing/2014/main" id="{B8EF5A00-18DC-F6B6-C221-3E71DF975D24}"/>
+              </a:ext>
+            </a:extLst>
+          </p:cNvPr>
+          <p:cNvPicPr>
+            <a:picLocks noChangeAspect="1"/>
+          </p:cNvPicPr>
+          <p:nvPr/>
+        </p:nvPicPr>
+        <p:blipFill>
+          <a:blip r:embed="rId7">
+            <a:extLst>
+              <a:ext uri="{28A0092B-C50C-407E-A947-70E740481C1C}">
+                <a14:useLocalDpi xmlns:a14="http://schemas.microsoft.com/office/drawing/2010/main" val="0"/>
+              </a:ext>
+            </a:extLst>
+          </a:blip>
+          <a:stretch>
+            <a:fillRect/>
+          </a:stretch>
+        </p:blipFill>
+        <p:spPr>
+          <a:xfrm>
+            <a:off x="8795989" y="4302977"/>
+            <a:ext cx="1242538" cy="846157"/>
+          </a:xfrm>
+          <a:prstGeom prst="rect">
+            <a:avLst/>
+          </a:prstGeom>
+        </p:spPr>
+      </p:pic>
+      <p:sp>
+        <p:nvSpPr>
+          <p:cNvPr id="24" name="文本框 23">
+            <a:extLst>
+              <a:ext uri="{FF2B5EF4-FFF2-40B4-BE49-F238E27FC236}">
+                <a16:creationId xmlns:a16="http://schemas.microsoft.com/office/drawing/2014/main" id="{72721464-A7E1-E6F5-1CEF-232FEA534172}"/>
+              </a:ext>
+            </a:extLst>
+          </p:cNvPr>
+          <p:cNvSpPr txBox="1"/>
+          <p:nvPr/>
+        </p:nvSpPr>
+        <p:spPr>
+          <a:xfrm>
+            <a:off x="1245544" y="2544210"/>
+            <a:ext cx="1117066" cy="369332"/>
+          </a:xfrm>
+          <a:prstGeom prst="rect">
+            <a:avLst/>
+          </a:prstGeom>
+          <a:noFill/>
+        </p:spPr>
+        <p:txBody>
+          <a:bodyPr wrap="square" rtlCol="0">
+            <a:spAutoFit/>
+          </a:bodyPr>
+          <a:lstStyle/>
+          <a:p>
+            <a:r>
+              <a:rPr lang="en-US" altLang="zh-CN" i="1" dirty="0" err="1">
+                <a:latin typeface="Bahnschrift SemiCondensed" panose="020B0502040204020203" pitchFamily="34" charset="0"/>
+              </a:rPr>
+              <a:t>S</a:t>
+            </a:r>
+            <a:r>
+              <a:rPr lang="en-US" altLang="zh-CN" i="1" baseline="-25000" dirty="0" err="1">
+                <a:latin typeface="Bahnschrift SemiCondensed" panose="020B0502040204020203" pitchFamily="34" charset="0"/>
+              </a:rPr>
+              <a:t>normal</a:t>
+            </a:r>
+            <a:endParaRPr lang="zh-CN" altLang="en-US" dirty="0"/>
+          </a:p>
+        </p:txBody>
+      </p:sp>
+      <p:sp>
+        <p:nvSpPr>
+          <p:cNvPr id="25" name="文本框 24">
+            <a:extLst>
+              <a:ext uri="{FF2B5EF4-FFF2-40B4-BE49-F238E27FC236}">
+                <a16:creationId xmlns:a16="http://schemas.microsoft.com/office/drawing/2014/main" id="{246941F9-4E01-E7EA-A14E-D138FCF6A1FC}"/>
+              </a:ext>
+            </a:extLst>
+          </p:cNvPr>
+          <p:cNvSpPr txBox="1"/>
+          <p:nvPr/>
+        </p:nvSpPr>
+        <p:spPr>
+          <a:xfrm>
+            <a:off x="1263976" y="4605263"/>
+            <a:ext cx="1117066" cy="369332"/>
+          </a:xfrm>
+          <a:prstGeom prst="rect">
+            <a:avLst/>
+          </a:prstGeom>
+          <a:noFill/>
+        </p:spPr>
+        <p:txBody>
+          <a:bodyPr wrap="square" rtlCol="0">
+            <a:spAutoFit/>
+          </a:bodyPr>
+          <a:lstStyle/>
+          <a:p>
+            <a:r>
+              <a:rPr lang="en-US" altLang="zh-CN" i="1" dirty="0">
+                <a:latin typeface="Bahnschrift SemiCondensed" panose="020B0502040204020203" pitchFamily="34" charset="0"/>
+              </a:rPr>
+              <a:t>S</a:t>
+            </a:r>
+            <a:r>
+              <a:rPr lang="en-US" altLang="zh-CN" i="1" baseline="-25000" dirty="0">
+                <a:latin typeface="Bahnschrift SemiCondensed" panose="020B0502040204020203" pitchFamily="34" charset="0"/>
+              </a:rPr>
+              <a:t>low</a:t>
+            </a:r>
+            <a:endParaRPr lang="zh-CN" altLang="en-US" dirty="0"/>
+          </a:p>
+        </p:txBody>
+      </p:sp>
+      <p:sp>
+        <p:nvSpPr>
+          <p:cNvPr id="27" name="文本框 26">
+            <a:extLst>
+              <a:ext uri="{FF2B5EF4-FFF2-40B4-BE49-F238E27FC236}">
+                <a16:creationId xmlns:a16="http://schemas.microsoft.com/office/drawing/2014/main" id="{4C362000-1A4E-3007-8A41-D7B3A43B591A}"/>
+              </a:ext>
+            </a:extLst>
+          </p:cNvPr>
+          <p:cNvSpPr txBox="1"/>
+          <p:nvPr/>
+        </p:nvSpPr>
+        <p:spPr>
+          <a:xfrm>
+            <a:off x="10032037" y="1144210"/>
+            <a:ext cx="1117066" cy="369332"/>
+          </a:xfrm>
+          <a:prstGeom prst="rect">
+            <a:avLst/>
+          </a:prstGeom>
+          <a:noFill/>
+        </p:spPr>
+        <p:txBody>
+          <a:bodyPr wrap="square" rtlCol="0">
+            <a:spAutoFit/>
+          </a:bodyPr>
+          <a:lstStyle/>
+          <a:p>
+            <a:r>
+              <a:rPr lang="en-US" altLang="zh-CN" i="1" dirty="0" err="1">
+                <a:latin typeface="Bahnschrift SemiCondensed" panose="020B0502040204020203" pitchFamily="34" charset="0"/>
+              </a:rPr>
+              <a:t>R</a:t>
+            </a:r>
+            <a:r>
+              <a:rPr lang="en-US" altLang="zh-CN" i="1" baseline="-25000" dirty="0" err="1">
+                <a:latin typeface="Bahnschrift SemiCondensed" panose="020B0502040204020203" pitchFamily="34" charset="0"/>
+              </a:rPr>
+              <a:t>normal</a:t>
+            </a:r>
+            <a:endParaRPr lang="zh-CN" altLang="en-US" dirty="0"/>
+          </a:p>
+        </p:txBody>
+      </p:sp>
+      <p:sp>
+        <p:nvSpPr>
+          <p:cNvPr id="29" name="文本框 28">
+            <a:extLst>
+              <a:ext uri="{FF2B5EF4-FFF2-40B4-BE49-F238E27FC236}">
+                <a16:creationId xmlns:a16="http://schemas.microsoft.com/office/drawing/2014/main" id="{C7D1AEE6-4426-9109-1F84-5CC840B7E6B3}"/>
+              </a:ext>
+            </a:extLst>
+          </p:cNvPr>
+          <p:cNvSpPr txBox="1"/>
+          <p:nvPr/>
+        </p:nvSpPr>
+        <p:spPr>
+          <a:xfrm>
+            <a:off x="10061046" y="2400280"/>
+            <a:ext cx="1117066" cy="369332"/>
+          </a:xfrm>
+          <a:prstGeom prst="rect">
+            <a:avLst/>
+          </a:prstGeom>
+          <a:noFill/>
+        </p:spPr>
+        <p:txBody>
+          <a:bodyPr wrap="square" rtlCol="0">
+            <a:spAutoFit/>
+          </a:bodyPr>
+          <a:lstStyle/>
+          <a:p>
+            <a:r>
+              <a:rPr lang="en-US" altLang="zh-CN" i="1" dirty="0" err="1">
+                <a:latin typeface="Bahnschrift SemiCondensed" panose="020B0502040204020203" pitchFamily="34" charset="0"/>
+              </a:rPr>
+              <a:t>I</a:t>
+            </a:r>
+            <a:r>
+              <a:rPr lang="en-US" altLang="zh-CN" i="1" baseline="-25000" dirty="0" err="1">
+                <a:latin typeface="Bahnschrift SemiCondensed" panose="020B0502040204020203" pitchFamily="34" charset="0"/>
+              </a:rPr>
+              <a:t>normal</a:t>
+            </a:r>
+            <a:endParaRPr lang="zh-CN" altLang="en-US" dirty="0"/>
+          </a:p>
+        </p:txBody>
+      </p:sp>
+      <p:sp>
+        <p:nvSpPr>
+          <p:cNvPr id="30" name="文本框 29">
+            <a:extLst>
+              <a:ext uri="{FF2B5EF4-FFF2-40B4-BE49-F238E27FC236}">
+                <a16:creationId xmlns:a16="http://schemas.microsoft.com/office/drawing/2014/main" id="{00A08C1F-D0D0-7C91-02F9-F7485B4544C5}"/>
+              </a:ext>
+            </a:extLst>
+          </p:cNvPr>
+          <p:cNvSpPr txBox="1"/>
+          <p:nvPr/>
+        </p:nvSpPr>
+        <p:spPr>
+          <a:xfrm>
+            <a:off x="10030158" y="3355818"/>
+            <a:ext cx="1117066" cy="369332"/>
+          </a:xfrm>
+          <a:prstGeom prst="rect">
+            <a:avLst/>
+          </a:prstGeom>
+          <a:noFill/>
+        </p:spPr>
+        <p:txBody>
+          <a:bodyPr wrap="square" rtlCol="0">
+            <a:spAutoFit/>
+          </a:bodyPr>
+          <a:lstStyle/>
+          <a:p>
+            <a:r>
+              <a:rPr lang="en-US" altLang="zh-CN" i="1" dirty="0" err="1">
+                <a:latin typeface="Bahnschrift SemiCondensed" panose="020B0502040204020203" pitchFamily="34" charset="0"/>
+              </a:rPr>
+              <a:t>R</a:t>
+            </a:r>
+            <a:r>
+              <a:rPr lang="en-US" altLang="zh-CN" i="1" baseline="-25000" dirty="0" err="1">
+                <a:latin typeface="Bahnschrift SemiCondensed" panose="020B0502040204020203" pitchFamily="34" charset="0"/>
+              </a:rPr>
+              <a:t>low</a:t>
+            </a:r>
+            <a:endParaRPr lang="zh-CN" altLang="en-US" dirty="0"/>
+          </a:p>
+        </p:txBody>
+      </p:sp>
+      <p:sp>
+        <p:nvSpPr>
+          <p:cNvPr id="31" name="文本框 30">
+            <a:extLst>
+              <a:ext uri="{FF2B5EF4-FFF2-40B4-BE49-F238E27FC236}">
+                <a16:creationId xmlns:a16="http://schemas.microsoft.com/office/drawing/2014/main" id="{11195B36-94C7-BF78-DB83-A03496807F02}"/>
+              </a:ext>
+            </a:extLst>
+          </p:cNvPr>
+          <p:cNvSpPr txBox="1"/>
+          <p:nvPr/>
+        </p:nvSpPr>
+        <p:spPr>
+          <a:xfrm>
+            <a:off x="10049242" y="4551290"/>
+            <a:ext cx="1117066" cy="369332"/>
+          </a:xfrm>
+          <a:prstGeom prst="rect">
+            <a:avLst/>
+          </a:prstGeom>
+          <a:noFill/>
+        </p:spPr>
+        <p:txBody>
+          <a:bodyPr wrap="square" rtlCol="0">
+            <a:spAutoFit/>
+          </a:bodyPr>
+          <a:lstStyle/>
+          <a:p>
+            <a:r>
+              <a:rPr lang="en-US" altLang="zh-CN" i="1" dirty="0" err="1">
+                <a:latin typeface="Bahnschrift SemiCondensed" panose="020B0502040204020203" pitchFamily="34" charset="0"/>
+              </a:rPr>
+              <a:t>I</a:t>
+            </a:r>
+            <a:r>
+              <a:rPr lang="en-US" altLang="zh-CN" i="1" baseline="-25000" dirty="0" err="1">
+                <a:latin typeface="Bahnschrift SemiCondensed" panose="020B0502040204020203" pitchFamily="34" charset="0"/>
+              </a:rPr>
+              <a:t>normal</a:t>
+            </a:r>
+            <a:endParaRPr lang="zh-CN" altLang="en-US" dirty="0"/>
+          </a:p>
+        </p:txBody>
+      </p:sp>
+      <p:sp>
+        <p:nvSpPr>
+          <p:cNvPr id="32" name="文本框 31">
+            <a:extLst>
+              <a:ext uri="{FF2B5EF4-FFF2-40B4-BE49-F238E27FC236}">
+                <a16:creationId xmlns:a16="http://schemas.microsoft.com/office/drawing/2014/main" id="{E8AC98A1-8B73-7C0C-D3CE-6855285E6662}"/>
+              </a:ext>
+            </a:extLst>
+          </p:cNvPr>
+          <p:cNvSpPr txBox="1"/>
+          <p:nvPr/>
+        </p:nvSpPr>
+        <p:spPr>
+          <a:xfrm>
+            <a:off x="3416133" y="5342012"/>
+            <a:ext cx="3272202" cy="369332"/>
+          </a:xfrm>
+          <a:prstGeom prst="rect">
+            <a:avLst/>
+          </a:prstGeom>
+          <a:noFill/>
+        </p:spPr>
+        <p:txBody>
+          <a:bodyPr wrap="square" rtlCol="0">
+            <a:spAutoFit/>
+          </a:bodyPr>
+          <a:lstStyle/>
+          <a:p>
+            <a:pPr algn="ctr"/>
+            <a:r>
+              <a:rPr lang="en-US" altLang="zh-CN" dirty="0">
+                <a:latin typeface="Bahnschrift SemiBold" panose="020B0502040204020203" pitchFamily="34" charset="0"/>
+              </a:rPr>
+              <a:t>training</a:t>
+            </a:r>
+            <a:endParaRPr lang="zh-CN" altLang="en-US" dirty="0">
               <a:latin typeface="Bahnschrift SemiBold" panose="020B0502040204020203" pitchFamily="34" charset="0"/>
             </a:endParaRPr>
           </a:p>
@@ -5729,6 +6251,2494 @@
 </file>
 
 <file path=ppt/slides/slide2.xml><?xml version="1.0" encoding="utf-8"?>
+<p:sld xmlns:a="http://schemas.openxmlformats.org/drawingml/2006/main" xmlns:r="http://schemas.openxmlformats.org/officeDocument/2006/relationships" xmlns:p="http://schemas.openxmlformats.org/presentationml/2006/main">
+  <p:cSld>
+    <p:spTree>
+      <p:nvGrpSpPr>
+        <p:cNvPr id="1" name="">
+          <a:extLst>
+            <a:ext uri="{FF2B5EF4-FFF2-40B4-BE49-F238E27FC236}">
+              <a16:creationId xmlns:a16="http://schemas.microsoft.com/office/drawing/2014/main" id="{87C48BAC-AB12-F758-2C1A-42FB4DAD02B2}"/>
+            </a:ext>
+          </a:extLst>
+        </p:cNvPr>
+        <p:cNvGrpSpPr/>
+        <p:nvPr/>
+      </p:nvGrpSpPr>
+      <p:grpSpPr>
+        <a:xfrm>
+          <a:off x="0" y="0"/>
+          <a:ext cx="0" cy="0"/>
+          <a:chOff x="0" y="0"/>
+          <a:chExt cx="0" cy="0"/>
+        </a:xfrm>
+      </p:grpSpPr>
+      <p:sp>
+        <p:nvSpPr>
+          <p:cNvPr id="65" name="矩形: 圆角 64">
+            <a:extLst>
+              <a:ext uri="{FF2B5EF4-FFF2-40B4-BE49-F238E27FC236}">
+                <a16:creationId xmlns:a16="http://schemas.microsoft.com/office/drawing/2014/main" id="{181297C0-51FB-47EB-29F1-3E74D0E8174B}"/>
+              </a:ext>
+            </a:extLst>
+          </p:cNvPr>
+          <p:cNvSpPr/>
+          <p:nvPr/>
+        </p:nvSpPr>
+        <p:spPr>
+          <a:xfrm>
+            <a:off x="2799468" y="3292416"/>
+            <a:ext cx="5254283" cy="1659412"/>
+          </a:xfrm>
+          <a:prstGeom prst="roundRect">
+            <a:avLst/>
+          </a:prstGeom>
+          <a:ln>
+            <a:prstDash val="lgDash"/>
+          </a:ln>
+        </p:spPr>
+        <p:style>
+          <a:lnRef idx="2">
+            <a:schemeClr val="dk1"/>
+          </a:lnRef>
+          <a:fillRef idx="1">
+            <a:schemeClr val="lt1"/>
+          </a:fillRef>
+          <a:effectRef idx="0">
+            <a:schemeClr val="dk1"/>
+          </a:effectRef>
+          <a:fontRef idx="minor">
+            <a:schemeClr val="dk1"/>
+          </a:fontRef>
+        </p:style>
+        <p:txBody>
+          <a:bodyPr rtlCol="0" anchor="ctr"/>
+          <a:lstStyle/>
+          <a:p>
+            <a:pPr algn="ctr"/>
+            <a:endParaRPr lang="zh-CN" altLang="en-US"/>
+          </a:p>
+        </p:txBody>
+      </p:sp>
+      <p:sp>
+        <p:nvSpPr>
+          <p:cNvPr id="64" name="矩形: 圆角 63">
+            <a:extLst>
+              <a:ext uri="{FF2B5EF4-FFF2-40B4-BE49-F238E27FC236}">
+                <a16:creationId xmlns:a16="http://schemas.microsoft.com/office/drawing/2014/main" id="{42C76900-079F-0B91-CC3C-B43D99EF5066}"/>
+              </a:ext>
+            </a:extLst>
+          </p:cNvPr>
+          <p:cNvSpPr/>
+          <p:nvPr/>
+        </p:nvSpPr>
+        <p:spPr>
+          <a:xfrm>
+            <a:off x="2799469" y="1208121"/>
+            <a:ext cx="5254283" cy="1659412"/>
+          </a:xfrm>
+          <a:prstGeom prst="roundRect">
+            <a:avLst/>
+          </a:prstGeom>
+          <a:ln>
+            <a:prstDash val="lgDash"/>
+          </a:ln>
+        </p:spPr>
+        <p:style>
+          <a:lnRef idx="2">
+            <a:schemeClr val="dk1"/>
+          </a:lnRef>
+          <a:fillRef idx="1">
+            <a:schemeClr val="lt1"/>
+          </a:fillRef>
+          <a:effectRef idx="0">
+            <a:schemeClr val="dk1"/>
+          </a:effectRef>
+          <a:fontRef idx="minor">
+            <a:schemeClr val="dk1"/>
+          </a:fontRef>
+        </p:style>
+        <p:txBody>
+          <a:bodyPr rtlCol="0" anchor="ctr"/>
+          <a:lstStyle/>
+          <a:p>
+            <a:pPr algn="ctr"/>
+            <a:endParaRPr lang="zh-CN" altLang="en-US"/>
+          </a:p>
+        </p:txBody>
+      </p:sp>
+      <p:sp>
+        <p:nvSpPr>
+          <p:cNvPr id="5" name="Google Shape;10341;p131">
+            <a:extLst>
+              <a:ext uri="{FF2B5EF4-FFF2-40B4-BE49-F238E27FC236}">
+                <a16:creationId xmlns:a16="http://schemas.microsoft.com/office/drawing/2014/main" id="{3DE8D1EE-96C2-BC9F-3581-1894C86C1CFE}"/>
+              </a:ext>
+            </a:extLst>
+          </p:cNvPr>
+          <p:cNvSpPr/>
+          <p:nvPr/>
+        </p:nvSpPr>
+        <p:spPr>
+          <a:xfrm rot="5400000">
+            <a:off x="3368804" y="1845476"/>
+            <a:ext cx="1400000" cy="366800"/>
+          </a:xfrm>
+          <a:prstGeom prst="rect">
+            <a:avLst/>
+          </a:prstGeom>
+          <a:solidFill>
+            <a:schemeClr val="accent6"/>
+          </a:solidFill>
+          <a:ln w="9525" cap="flat" cmpd="sng">
+            <a:solidFill>
+              <a:schemeClr val="dk2"/>
+            </a:solidFill>
+            <a:prstDash val="solid"/>
+            <a:round/>
+            <a:headEnd type="none" w="sm" len="sm"/>
+            <a:tailEnd type="none" w="sm" len="sm"/>
+          </a:ln>
+        </p:spPr>
+        <p:txBody>
+          <a:bodyPr spcFirstLastPara="1" wrap="square" lIns="121900" tIns="121900" rIns="121900" bIns="121900" anchor="ctr" anchorCtr="0">
+            <a:noAutofit/>
+          </a:bodyPr>
+          <a:lstStyle/>
+          <a:p>
+            <a:pPr algn="ctr"/>
+            <a:r>
+              <a:rPr lang="en-GB" sz="1467" dirty="0" err="1"/>
+              <a:t>Conv+ReLU</a:t>
+            </a:r>
+            <a:endParaRPr sz="1467" dirty="0"/>
+          </a:p>
+        </p:txBody>
+      </p:sp>
+      <p:sp>
+        <p:nvSpPr>
+          <p:cNvPr id="6" name="Google Shape;10341;p131">
+            <a:extLst>
+              <a:ext uri="{FF2B5EF4-FFF2-40B4-BE49-F238E27FC236}">
+                <a16:creationId xmlns:a16="http://schemas.microsoft.com/office/drawing/2014/main" id="{0D1E3794-0859-77C5-ECA3-62C6745C5A7F}"/>
+              </a:ext>
+            </a:extLst>
+          </p:cNvPr>
+          <p:cNvSpPr/>
+          <p:nvPr/>
+        </p:nvSpPr>
+        <p:spPr>
+          <a:xfrm rot="5400000">
+            <a:off x="2560304" y="1845476"/>
+            <a:ext cx="1400000" cy="366800"/>
+          </a:xfrm>
+          <a:prstGeom prst="rect">
+            <a:avLst/>
+          </a:prstGeom>
+          <a:solidFill>
+            <a:schemeClr val="accent6"/>
+          </a:solidFill>
+          <a:ln w="9525" cap="flat" cmpd="sng">
+            <a:solidFill>
+              <a:schemeClr val="dk2"/>
+            </a:solidFill>
+            <a:prstDash val="solid"/>
+            <a:round/>
+            <a:headEnd type="none" w="sm" len="sm"/>
+            <a:tailEnd type="none" w="sm" len="sm"/>
+          </a:ln>
+        </p:spPr>
+        <p:txBody>
+          <a:bodyPr spcFirstLastPara="1" wrap="square" lIns="121900" tIns="121900" rIns="121900" bIns="121900" anchor="ctr" anchorCtr="0">
+            <a:noAutofit/>
+          </a:bodyPr>
+          <a:lstStyle/>
+          <a:p>
+            <a:pPr algn="ctr"/>
+            <a:r>
+              <a:rPr lang="en-GB" sz="1467" dirty="0"/>
+              <a:t>Conv</a:t>
+            </a:r>
+            <a:endParaRPr sz="1467" dirty="0"/>
+          </a:p>
+        </p:txBody>
+      </p:sp>
+      <p:sp>
+        <p:nvSpPr>
+          <p:cNvPr id="8" name="Google Shape;10341;p131">
+            <a:extLst>
+              <a:ext uri="{FF2B5EF4-FFF2-40B4-BE49-F238E27FC236}">
+                <a16:creationId xmlns:a16="http://schemas.microsoft.com/office/drawing/2014/main" id="{F7BBCDCB-21C8-E816-B41C-3B0E59B2406E}"/>
+              </a:ext>
+            </a:extLst>
+          </p:cNvPr>
+          <p:cNvSpPr/>
+          <p:nvPr/>
+        </p:nvSpPr>
+        <p:spPr>
+          <a:xfrm rot="5400000">
+            <a:off x="5179835" y="1845476"/>
+            <a:ext cx="1400000" cy="366800"/>
+          </a:xfrm>
+          <a:prstGeom prst="rect">
+            <a:avLst/>
+          </a:prstGeom>
+          <a:solidFill>
+            <a:schemeClr val="accent6"/>
+          </a:solidFill>
+          <a:ln w="9525" cap="flat" cmpd="sng">
+            <a:solidFill>
+              <a:schemeClr val="dk2"/>
+            </a:solidFill>
+            <a:prstDash val="solid"/>
+            <a:round/>
+            <a:headEnd type="none" w="sm" len="sm"/>
+            <a:tailEnd type="none" w="sm" len="sm"/>
+          </a:ln>
+        </p:spPr>
+        <p:txBody>
+          <a:bodyPr spcFirstLastPara="1" wrap="square" lIns="121900" tIns="121900" rIns="121900" bIns="121900" anchor="ctr" anchorCtr="0">
+            <a:noAutofit/>
+          </a:bodyPr>
+          <a:lstStyle/>
+          <a:p>
+            <a:pPr algn="ctr"/>
+            <a:r>
+              <a:rPr lang="en-US" sz="1467" dirty="0" err="1"/>
+              <a:t>Conv+ReLU</a:t>
+            </a:r>
+            <a:endParaRPr sz="1467" dirty="0"/>
+          </a:p>
+        </p:txBody>
+      </p:sp>
+      <p:sp>
+        <p:nvSpPr>
+          <p:cNvPr id="9" name="Google Shape;10341;p131">
+            <a:extLst>
+              <a:ext uri="{FF2B5EF4-FFF2-40B4-BE49-F238E27FC236}">
+                <a16:creationId xmlns:a16="http://schemas.microsoft.com/office/drawing/2014/main" id="{CFD949AC-9C33-A1A4-72EF-BCA81E287A11}"/>
+              </a:ext>
+            </a:extLst>
+          </p:cNvPr>
+          <p:cNvSpPr/>
+          <p:nvPr/>
+        </p:nvSpPr>
+        <p:spPr>
+          <a:xfrm rot="5400000">
+            <a:off x="5988335" y="1845476"/>
+            <a:ext cx="1400000" cy="366800"/>
+          </a:xfrm>
+          <a:prstGeom prst="rect">
+            <a:avLst/>
+          </a:prstGeom>
+          <a:solidFill>
+            <a:schemeClr val="accent6"/>
+          </a:solidFill>
+          <a:ln w="9525" cap="flat" cmpd="sng">
+            <a:solidFill>
+              <a:schemeClr val="dk2"/>
+            </a:solidFill>
+            <a:prstDash val="solid"/>
+            <a:round/>
+            <a:headEnd type="none" w="sm" len="sm"/>
+            <a:tailEnd type="none" w="sm" len="sm"/>
+          </a:ln>
+        </p:spPr>
+        <p:txBody>
+          <a:bodyPr spcFirstLastPara="1" wrap="square" lIns="121900" tIns="121900" rIns="121900" bIns="121900" anchor="ctr" anchorCtr="0">
+            <a:noAutofit/>
+          </a:bodyPr>
+          <a:lstStyle/>
+          <a:p>
+            <a:pPr algn="ctr"/>
+            <a:r>
+              <a:rPr lang="en-GB" sz="1467" dirty="0"/>
+              <a:t>Conv</a:t>
+            </a:r>
+            <a:endParaRPr sz="1467" dirty="0"/>
+          </a:p>
+        </p:txBody>
+      </p:sp>
+      <p:sp>
+        <p:nvSpPr>
+          <p:cNvPr id="10" name="Google Shape;10341;p131">
+            <a:extLst>
+              <a:ext uri="{FF2B5EF4-FFF2-40B4-BE49-F238E27FC236}">
+                <a16:creationId xmlns:a16="http://schemas.microsoft.com/office/drawing/2014/main" id="{D56313A1-0973-1088-5155-779236CAF2BD}"/>
+              </a:ext>
+            </a:extLst>
+          </p:cNvPr>
+          <p:cNvSpPr/>
+          <p:nvPr/>
+        </p:nvSpPr>
+        <p:spPr>
+          <a:xfrm rot="5400000">
+            <a:off x="6796835" y="1845476"/>
+            <a:ext cx="1400000" cy="366800"/>
+          </a:xfrm>
+          <a:prstGeom prst="rect">
+            <a:avLst/>
+          </a:prstGeom>
+          <a:solidFill>
+            <a:schemeClr val="accent6"/>
+          </a:solidFill>
+          <a:ln w="9525" cap="flat" cmpd="sng">
+            <a:solidFill>
+              <a:schemeClr val="dk2"/>
+            </a:solidFill>
+            <a:prstDash val="solid"/>
+            <a:round/>
+            <a:headEnd type="none" w="sm" len="sm"/>
+            <a:tailEnd type="none" w="sm" len="sm"/>
+          </a:ln>
+        </p:spPr>
+        <p:txBody>
+          <a:bodyPr spcFirstLastPara="1" wrap="square" lIns="121900" tIns="121900" rIns="121900" bIns="121900" anchor="ctr" anchorCtr="0">
+            <a:noAutofit/>
+          </a:bodyPr>
+          <a:lstStyle/>
+          <a:p>
+            <a:pPr algn="ctr"/>
+            <a:r>
+              <a:rPr lang="en-GB" sz="1467" dirty="0"/>
+              <a:t>Sigmoid</a:t>
+            </a:r>
+            <a:endParaRPr sz="1467" dirty="0"/>
+          </a:p>
+        </p:txBody>
+      </p:sp>
+      <p:cxnSp>
+        <p:nvCxnSpPr>
+          <p:cNvPr id="12" name="直接箭头连接符 11">
+            <a:extLst>
+              <a:ext uri="{FF2B5EF4-FFF2-40B4-BE49-F238E27FC236}">
+                <a16:creationId xmlns:a16="http://schemas.microsoft.com/office/drawing/2014/main" id="{462CB0D3-EBD1-1B88-AAD3-08EB6AD8B808}"/>
+              </a:ext>
+            </a:extLst>
+          </p:cNvPr>
+          <p:cNvCxnSpPr>
+            <a:stCxn id="6" idx="0"/>
+            <a:endCxn id="5" idx="2"/>
+          </p:cNvCxnSpPr>
+          <p:nvPr/>
+        </p:nvCxnSpPr>
+        <p:spPr>
+          <a:xfrm>
+            <a:off x="3443704" y="2028876"/>
+            <a:ext cx="441700" cy="0"/>
+          </a:xfrm>
+          <a:prstGeom prst="straightConnector1">
+            <a:avLst/>
+          </a:prstGeom>
+          <a:ln>
+            <a:tailEnd type="triangle"/>
+          </a:ln>
+        </p:spPr>
+        <p:style>
+          <a:lnRef idx="2">
+            <a:schemeClr val="dk1"/>
+          </a:lnRef>
+          <a:fillRef idx="0">
+            <a:schemeClr val="dk1"/>
+          </a:fillRef>
+          <a:effectRef idx="1">
+            <a:schemeClr val="dk1"/>
+          </a:effectRef>
+          <a:fontRef idx="minor">
+            <a:schemeClr val="tx1"/>
+          </a:fontRef>
+        </p:style>
+      </p:cxnSp>
+      <p:cxnSp>
+        <p:nvCxnSpPr>
+          <p:cNvPr id="20" name="直接连接符 19">
+            <a:extLst>
+              <a:ext uri="{FF2B5EF4-FFF2-40B4-BE49-F238E27FC236}">
+                <a16:creationId xmlns:a16="http://schemas.microsoft.com/office/drawing/2014/main" id="{66B3D08B-DEAE-BEBA-8C3F-D81AD5961133}"/>
+              </a:ext>
+            </a:extLst>
+          </p:cNvPr>
+          <p:cNvCxnSpPr>
+            <a:stCxn id="5" idx="0"/>
+          </p:cNvCxnSpPr>
+          <p:nvPr/>
+        </p:nvCxnSpPr>
+        <p:spPr>
+          <a:xfrm>
+            <a:off x="4252204" y="2028876"/>
+            <a:ext cx="425303" cy="0"/>
+          </a:xfrm>
+          <a:prstGeom prst="line">
+            <a:avLst/>
+          </a:prstGeom>
+        </p:spPr>
+        <p:style>
+          <a:lnRef idx="2">
+            <a:schemeClr val="dk1"/>
+          </a:lnRef>
+          <a:fillRef idx="0">
+            <a:schemeClr val="dk1"/>
+          </a:fillRef>
+          <a:effectRef idx="1">
+            <a:schemeClr val="dk1"/>
+          </a:effectRef>
+          <a:fontRef idx="minor">
+            <a:schemeClr val="tx1"/>
+          </a:fontRef>
+        </p:style>
+      </p:cxnSp>
+      <p:sp>
+        <p:nvSpPr>
+          <p:cNvPr id="21" name="文本框 20">
+            <a:extLst>
+              <a:ext uri="{FF2B5EF4-FFF2-40B4-BE49-F238E27FC236}">
+                <a16:creationId xmlns:a16="http://schemas.microsoft.com/office/drawing/2014/main" id="{0B96B6DC-23D9-5F3D-AF9C-D34F72A97105}"/>
+              </a:ext>
+            </a:extLst>
+          </p:cNvPr>
+          <p:cNvSpPr txBox="1"/>
+          <p:nvPr/>
+        </p:nvSpPr>
+        <p:spPr>
+          <a:xfrm>
+            <a:off x="4709404" y="1767266"/>
+            <a:ext cx="240403" cy="523220"/>
+          </a:xfrm>
+          <a:prstGeom prst="rect">
+            <a:avLst/>
+          </a:prstGeom>
+          <a:noFill/>
+        </p:spPr>
+        <p:txBody>
+          <a:bodyPr wrap="square" rtlCol="0">
+            <a:spAutoFit/>
+          </a:bodyPr>
+          <a:lstStyle/>
+          <a:p>
+            <a:r>
+              <a:rPr lang="en-US" altLang="zh-CN" sz="2800" dirty="0"/>
+              <a:t>…</a:t>
+            </a:r>
+            <a:endParaRPr lang="zh-CN" altLang="en-US" sz="2800" dirty="0"/>
+          </a:p>
+        </p:txBody>
+      </p:sp>
+      <p:cxnSp>
+        <p:nvCxnSpPr>
+          <p:cNvPr id="23" name="直接箭头连接符 22">
+            <a:extLst>
+              <a:ext uri="{FF2B5EF4-FFF2-40B4-BE49-F238E27FC236}">
+                <a16:creationId xmlns:a16="http://schemas.microsoft.com/office/drawing/2014/main" id="{009B78B2-8A09-7FAA-8447-47328BF8A0B2}"/>
+              </a:ext>
+            </a:extLst>
+          </p:cNvPr>
+          <p:cNvCxnSpPr>
+            <a:endCxn id="8" idx="2"/>
+          </p:cNvCxnSpPr>
+          <p:nvPr/>
+        </p:nvCxnSpPr>
+        <p:spPr>
+          <a:xfrm>
+            <a:off x="5183944" y="2028876"/>
+            <a:ext cx="512491" cy="0"/>
+          </a:xfrm>
+          <a:prstGeom prst="straightConnector1">
+            <a:avLst/>
+          </a:prstGeom>
+          <a:ln>
+            <a:tailEnd type="triangle"/>
+          </a:ln>
+        </p:spPr>
+        <p:style>
+          <a:lnRef idx="2">
+            <a:schemeClr val="dk1"/>
+          </a:lnRef>
+          <a:fillRef idx="0">
+            <a:schemeClr val="dk1"/>
+          </a:fillRef>
+          <a:effectRef idx="1">
+            <a:schemeClr val="dk1"/>
+          </a:effectRef>
+          <a:fontRef idx="minor">
+            <a:schemeClr val="tx1"/>
+          </a:fontRef>
+        </p:style>
+      </p:cxnSp>
+      <p:cxnSp>
+        <p:nvCxnSpPr>
+          <p:cNvPr id="26" name="直接箭头连接符 25">
+            <a:extLst>
+              <a:ext uri="{FF2B5EF4-FFF2-40B4-BE49-F238E27FC236}">
+                <a16:creationId xmlns:a16="http://schemas.microsoft.com/office/drawing/2014/main" id="{E7C96B28-99E7-4F7B-C38A-1ED6A1997744}"/>
+              </a:ext>
+            </a:extLst>
+          </p:cNvPr>
+          <p:cNvCxnSpPr>
+            <a:stCxn id="8" idx="0"/>
+            <a:endCxn id="9" idx="2"/>
+          </p:cNvCxnSpPr>
+          <p:nvPr/>
+        </p:nvCxnSpPr>
+        <p:spPr>
+          <a:xfrm>
+            <a:off x="6063235" y="2028876"/>
+            <a:ext cx="441700" cy="0"/>
+          </a:xfrm>
+          <a:prstGeom prst="straightConnector1">
+            <a:avLst/>
+          </a:prstGeom>
+          <a:ln>
+            <a:tailEnd type="triangle"/>
+          </a:ln>
+        </p:spPr>
+        <p:style>
+          <a:lnRef idx="2">
+            <a:schemeClr val="dk1"/>
+          </a:lnRef>
+          <a:fillRef idx="0">
+            <a:schemeClr val="dk1"/>
+          </a:fillRef>
+          <a:effectRef idx="1">
+            <a:schemeClr val="dk1"/>
+          </a:effectRef>
+          <a:fontRef idx="minor">
+            <a:schemeClr val="tx1"/>
+          </a:fontRef>
+        </p:style>
+      </p:cxnSp>
+      <p:cxnSp>
+        <p:nvCxnSpPr>
+          <p:cNvPr id="28" name="直接箭头连接符 27">
+            <a:extLst>
+              <a:ext uri="{FF2B5EF4-FFF2-40B4-BE49-F238E27FC236}">
+                <a16:creationId xmlns:a16="http://schemas.microsoft.com/office/drawing/2014/main" id="{3B631AF8-E8C7-59BD-4CE1-6E0FF3DFD22D}"/>
+              </a:ext>
+            </a:extLst>
+          </p:cNvPr>
+          <p:cNvCxnSpPr>
+            <a:stCxn id="9" idx="0"/>
+            <a:endCxn id="10" idx="2"/>
+          </p:cNvCxnSpPr>
+          <p:nvPr/>
+        </p:nvCxnSpPr>
+        <p:spPr>
+          <a:xfrm>
+            <a:off x="6871735" y="2028876"/>
+            <a:ext cx="441700" cy="0"/>
+          </a:xfrm>
+          <a:prstGeom prst="straightConnector1">
+            <a:avLst/>
+          </a:prstGeom>
+          <a:ln>
+            <a:tailEnd type="triangle"/>
+          </a:ln>
+        </p:spPr>
+        <p:style>
+          <a:lnRef idx="2">
+            <a:schemeClr val="dk1"/>
+          </a:lnRef>
+          <a:fillRef idx="0">
+            <a:schemeClr val="dk1"/>
+          </a:fillRef>
+          <a:effectRef idx="1">
+            <a:schemeClr val="dk1"/>
+          </a:effectRef>
+          <a:fontRef idx="minor">
+            <a:schemeClr val="tx1"/>
+          </a:fontRef>
+        </p:style>
+      </p:cxnSp>
+      <p:sp>
+        <p:nvSpPr>
+          <p:cNvPr id="40" name="Google Shape;10341;p131">
+            <a:extLst>
+              <a:ext uri="{FF2B5EF4-FFF2-40B4-BE49-F238E27FC236}">
+                <a16:creationId xmlns:a16="http://schemas.microsoft.com/office/drawing/2014/main" id="{D95F6063-CFD6-38C4-A9BE-F4E3597C69DD}"/>
+              </a:ext>
+            </a:extLst>
+          </p:cNvPr>
+          <p:cNvSpPr/>
+          <p:nvPr/>
+        </p:nvSpPr>
+        <p:spPr>
+          <a:xfrm rot="5400000">
+            <a:off x="3368804" y="3945476"/>
+            <a:ext cx="1400000" cy="366800"/>
+          </a:xfrm>
+          <a:prstGeom prst="rect">
+            <a:avLst/>
+          </a:prstGeom>
+          <a:solidFill>
+            <a:srgbClr val="FF0000"/>
+          </a:solidFill>
+          <a:ln w="9525" cap="flat" cmpd="sng">
+            <a:solidFill>
+              <a:schemeClr val="dk2"/>
+            </a:solidFill>
+            <a:prstDash val="solid"/>
+            <a:round/>
+            <a:headEnd type="none" w="sm" len="sm"/>
+            <a:tailEnd type="none" w="sm" len="sm"/>
+          </a:ln>
+        </p:spPr>
+        <p:txBody>
+          <a:bodyPr spcFirstLastPara="1" wrap="square" lIns="121900" tIns="121900" rIns="121900" bIns="121900" anchor="ctr" anchorCtr="0">
+            <a:noAutofit/>
+          </a:bodyPr>
+          <a:lstStyle/>
+          <a:p>
+            <a:pPr algn="ctr"/>
+            <a:r>
+              <a:rPr lang="en-GB" sz="1467" dirty="0" err="1"/>
+              <a:t>Conv+ReLU</a:t>
+            </a:r>
+            <a:endParaRPr sz="1467" dirty="0"/>
+          </a:p>
+        </p:txBody>
+      </p:sp>
+      <p:sp>
+        <p:nvSpPr>
+          <p:cNvPr id="41" name="Google Shape;10341;p131">
+            <a:extLst>
+              <a:ext uri="{FF2B5EF4-FFF2-40B4-BE49-F238E27FC236}">
+                <a16:creationId xmlns:a16="http://schemas.microsoft.com/office/drawing/2014/main" id="{31489F0F-5CF7-70DD-BBD8-A4A691C73A83}"/>
+              </a:ext>
+            </a:extLst>
+          </p:cNvPr>
+          <p:cNvSpPr/>
+          <p:nvPr/>
+        </p:nvSpPr>
+        <p:spPr>
+          <a:xfrm rot="5400000">
+            <a:off x="2560304" y="3945476"/>
+            <a:ext cx="1400000" cy="366800"/>
+          </a:xfrm>
+          <a:prstGeom prst="rect">
+            <a:avLst/>
+          </a:prstGeom>
+          <a:solidFill>
+            <a:srgbClr val="FF0000"/>
+          </a:solidFill>
+          <a:ln w="9525" cap="flat" cmpd="sng">
+            <a:solidFill>
+              <a:schemeClr val="dk2"/>
+            </a:solidFill>
+            <a:prstDash val="solid"/>
+            <a:round/>
+            <a:headEnd type="none" w="sm" len="sm"/>
+            <a:tailEnd type="none" w="sm" len="sm"/>
+          </a:ln>
+        </p:spPr>
+        <p:txBody>
+          <a:bodyPr spcFirstLastPara="1" wrap="square" lIns="121900" tIns="121900" rIns="121900" bIns="121900" anchor="ctr" anchorCtr="0">
+            <a:noAutofit/>
+          </a:bodyPr>
+          <a:lstStyle/>
+          <a:p>
+            <a:pPr algn="ctr"/>
+            <a:r>
+              <a:rPr lang="en-GB" sz="1467" dirty="0"/>
+              <a:t>Conv</a:t>
+            </a:r>
+            <a:endParaRPr sz="1467" dirty="0"/>
+          </a:p>
+        </p:txBody>
+      </p:sp>
+      <p:sp>
+        <p:nvSpPr>
+          <p:cNvPr id="42" name="Google Shape;10341;p131">
+            <a:extLst>
+              <a:ext uri="{FF2B5EF4-FFF2-40B4-BE49-F238E27FC236}">
+                <a16:creationId xmlns:a16="http://schemas.microsoft.com/office/drawing/2014/main" id="{68F6FF0E-51DA-9198-DB46-1B97AD45B052}"/>
+              </a:ext>
+            </a:extLst>
+          </p:cNvPr>
+          <p:cNvSpPr/>
+          <p:nvPr/>
+        </p:nvSpPr>
+        <p:spPr>
+          <a:xfrm rot="5400000">
+            <a:off x="5179835" y="3945476"/>
+            <a:ext cx="1400000" cy="366800"/>
+          </a:xfrm>
+          <a:prstGeom prst="rect">
+            <a:avLst/>
+          </a:prstGeom>
+          <a:solidFill>
+            <a:srgbClr val="FF0000"/>
+          </a:solidFill>
+          <a:ln w="9525" cap="flat" cmpd="sng">
+            <a:solidFill>
+              <a:schemeClr val="dk2"/>
+            </a:solidFill>
+            <a:prstDash val="solid"/>
+            <a:round/>
+            <a:headEnd type="none" w="sm" len="sm"/>
+            <a:tailEnd type="none" w="sm" len="sm"/>
+          </a:ln>
+        </p:spPr>
+        <p:txBody>
+          <a:bodyPr spcFirstLastPara="1" wrap="square" lIns="121900" tIns="121900" rIns="121900" bIns="121900" anchor="ctr" anchorCtr="0">
+            <a:noAutofit/>
+          </a:bodyPr>
+          <a:lstStyle/>
+          <a:p>
+            <a:pPr algn="ctr"/>
+            <a:r>
+              <a:rPr lang="en-US" sz="1467" dirty="0" err="1"/>
+              <a:t>Conv+ReLU</a:t>
+            </a:r>
+            <a:endParaRPr sz="1467" dirty="0"/>
+          </a:p>
+        </p:txBody>
+      </p:sp>
+      <p:sp>
+        <p:nvSpPr>
+          <p:cNvPr id="43" name="Google Shape;10341;p131">
+            <a:extLst>
+              <a:ext uri="{FF2B5EF4-FFF2-40B4-BE49-F238E27FC236}">
+                <a16:creationId xmlns:a16="http://schemas.microsoft.com/office/drawing/2014/main" id="{FCB2AD51-2B0B-7F6E-1406-494849B5726F}"/>
+              </a:ext>
+            </a:extLst>
+          </p:cNvPr>
+          <p:cNvSpPr/>
+          <p:nvPr/>
+        </p:nvSpPr>
+        <p:spPr>
+          <a:xfrm rot="5400000">
+            <a:off x="5988335" y="3945476"/>
+            <a:ext cx="1400000" cy="366800"/>
+          </a:xfrm>
+          <a:prstGeom prst="rect">
+            <a:avLst/>
+          </a:prstGeom>
+          <a:solidFill>
+            <a:srgbClr val="FF0000"/>
+          </a:solidFill>
+          <a:ln w="9525" cap="flat" cmpd="sng">
+            <a:solidFill>
+              <a:schemeClr val="dk2"/>
+            </a:solidFill>
+            <a:prstDash val="solid"/>
+            <a:round/>
+            <a:headEnd type="none" w="sm" len="sm"/>
+            <a:tailEnd type="none" w="sm" len="sm"/>
+          </a:ln>
+        </p:spPr>
+        <p:txBody>
+          <a:bodyPr spcFirstLastPara="1" wrap="square" lIns="121900" tIns="121900" rIns="121900" bIns="121900" anchor="ctr" anchorCtr="0">
+            <a:noAutofit/>
+          </a:bodyPr>
+          <a:lstStyle/>
+          <a:p>
+            <a:pPr algn="ctr"/>
+            <a:r>
+              <a:rPr lang="en-GB" sz="1467" dirty="0"/>
+              <a:t>Conv</a:t>
+            </a:r>
+            <a:endParaRPr sz="1467" dirty="0"/>
+          </a:p>
+        </p:txBody>
+      </p:sp>
+      <p:sp>
+        <p:nvSpPr>
+          <p:cNvPr id="44" name="Google Shape;10341;p131">
+            <a:extLst>
+              <a:ext uri="{FF2B5EF4-FFF2-40B4-BE49-F238E27FC236}">
+                <a16:creationId xmlns:a16="http://schemas.microsoft.com/office/drawing/2014/main" id="{3C19B2DD-C872-40EE-6AD8-5D7A0419F309}"/>
+              </a:ext>
+            </a:extLst>
+          </p:cNvPr>
+          <p:cNvSpPr/>
+          <p:nvPr/>
+        </p:nvSpPr>
+        <p:spPr>
+          <a:xfrm rot="5400000">
+            <a:off x="6796835" y="3945476"/>
+            <a:ext cx="1400000" cy="366800"/>
+          </a:xfrm>
+          <a:prstGeom prst="rect">
+            <a:avLst/>
+          </a:prstGeom>
+          <a:solidFill>
+            <a:srgbClr val="FF0000"/>
+          </a:solidFill>
+          <a:ln w="9525" cap="flat" cmpd="sng">
+            <a:solidFill>
+              <a:schemeClr val="dk2"/>
+            </a:solidFill>
+            <a:prstDash val="solid"/>
+            <a:round/>
+            <a:headEnd type="none" w="sm" len="sm"/>
+            <a:tailEnd type="none" w="sm" len="sm"/>
+          </a:ln>
+        </p:spPr>
+        <p:txBody>
+          <a:bodyPr spcFirstLastPara="1" wrap="square" lIns="121900" tIns="121900" rIns="121900" bIns="121900" anchor="ctr" anchorCtr="0">
+            <a:noAutofit/>
+          </a:bodyPr>
+          <a:lstStyle/>
+          <a:p>
+            <a:pPr algn="ctr"/>
+            <a:r>
+              <a:rPr lang="en-GB" sz="1467" dirty="0"/>
+              <a:t>Sigmoid</a:t>
+            </a:r>
+            <a:endParaRPr sz="1467" dirty="0"/>
+          </a:p>
+        </p:txBody>
+      </p:sp>
+      <p:cxnSp>
+        <p:nvCxnSpPr>
+          <p:cNvPr id="45" name="直接箭头连接符 44">
+            <a:extLst>
+              <a:ext uri="{FF2B5EF4-FFF2-40B4-BE49-F238E27FC236}">
+                <a16:creationId xmlns:a16="http://schemas.microsoft.com/office/drawing/2014/main" id="{336EB2C1-70A6-4E97-60AF-AE49951FA3E0}"/>
+              </a:ext>
+            </a:extLst>
+          </p:cNvPr>
+          <p:cNvCxnSpPr>
+            <a:stCxn id="41" idx="0"/>
+            <a:endCxn id="40" idx="2"/>
+          </p:cNvCxnSpPr>
+          <p:nvPr/>
+        </p:nvCxnSpPr>
+        <p:spPr>
+          <a:xfrm>
+            <a:off x="3443704" y="4128876"/>
+            <a:ext cx="441700" cy="0"/>
+          </a:xfrm>
+          <a:prstGeom prst="straightConnector1">
+            <a:avLst/>
+          </a:prstGeom>
+          <a:ln>
+            <a:tailEnd type="triangle"/>
+          </a:ln>
+        </p:spPr>
+        <p:style>
+          <a:lnRef idx="2">
+            <a:schemeClr val="dk1"/>
+          </a:lnRef>
+          <a:fillRef idx="0">
+            <a:schemeClr val="dk1"/>
+          </a:fillRef>
+          <a:effectRef idx="1">
+            <a:schemeClr val="dk1"/>
+          </a:effectRef>
+          <a:fontRef idx="minor">
+            <a:schemeClr val="tx1"/>
+          </a:fontRef>
+        </p:style>
+      </p:cxnSp>
+      <p:cxnSp>
+        <p:nvCxnSpPr>
+          <p:cNvPr id="46" name="直接连接符 45">
+            <a:extLst>
+              <a:ext uri="{FF2B5EF4-FFF2-40B4-BE49-F238E27FC236}">
+                <a16:creationId xmlns:a16="http://schemas.microsoft.com/office/drawing/2014/main" id="{376440D0-45A4-2538-5504-A6E9ABFDCD54}"/>
+              </a:ext>
+            </a:extLst>
+          </p:cNvPr>
+          <p:cNvCxnSpPr>
+            <a:stCxn id="40" idx="0"/>
+          </p:cNvCxnSpPr>
+          <p:nvPr/>
+        </p:nvCxnSpPr>
+        <p:spPr>
+          <a:xfrm>
+            <a:off x="4252204" y="4128876"/>
+            <a:ext cx="425303" cy="0"/>
+          </a:xfrm>
+          <a:prstGeom prst="line">
+            <a:avLst/>
+          </a:prstGeom>
+        </p:spPr>
+        <p:style>
+          <a:lnRef idx="2">
+            <a:schemeClr val="dk1"/>
+          </a:lnRef>
+          <a:fillRef idx="0">
+            <a:schemeClr val="dk1"/>
+          </a:fillRef>
+          <a:effectRef idx="1">
+            <a:schemeClr val="dk1"/>
+          </a:effectRef>
+          <a:fontRef idx="minor">
+            <a:schemeClr val="tx1"/>
+          </a:fontRef>
+        </p:style>
+      </p:cxnSp>
+      <p:sp>
+        <p:nvSpPr>
+          <p:cNvPr id="47" name="文本框 46">
+            <a:extLst>
+              <a:ext uri="{FF2B5EF4-FFF2-40B4-BE49-F238E27FC236}">
+                <a16:creationId xmlns:a16="http://schemas.microsoft.com/office/drawing/2014/main" id="{B816E791-FA5A-551E-64C8-EAAB77E33C4C}"/>
+              </a:ext>
+            </a:extLst>
+          </p:cNvPr>
+          <p:cNvSpPr txBox="1"/>
+          <p:nvPr/>
+        </p:nvSpPr>
+        <p:spPr>
+          <a:xfrm>
+            <a:off x="4709404" y="3867266"/>
+            <a:ext cx="240403" cy="523220"/>
+          </a:xfrm>
+          <a:prstGeom prst="rect">
+            <a:avLst/>
+          </a:prstGeom>
+          <a:solidFill>
+            <a:schemeClr val="bg1"/>
+          </a:solidFill>
+        </p:spPr>
+        <p:txBody>
+          <a:bodyPr wrap="square" rtlCol="0">
+            <a:spAutoFit/>
+          </a:bodyPr>
+          <a:lstStyle/>
+          <a:p>
+            <a:r>
+              <a:rPr lang="en-US" altLang="zh-CN" sz="2800" dirty="0"/>
+              <a:t>…</a:t>
+            </a:r>
+            <a:endParaRPr lang="zh-CN" altLang="en-US" sz="2800" dirty="0"/>
+          </a:p>
+        </p:txBody>
+      </p:sp>
+      <p:cxnSp>
+        <p:nvCxnSpPr>
+          <p:cNvPr id="48" name="直接箭头连接符 47">
+            <a:extLst>
+              <a:ext uri="{FF2B5EF4-FFF2-40B4-BE49-F238E27FC236}">
+                <a16:creationId xmlns:a16="http://schemas.microsoft.com/office/drawing/2014/main" id="{5DE8D83C-7C6B-78EA-EFBB-E242D2C9134D}"/>
+              </a:ext>
+            </a:extLst>
+          </p:cNvPr>
+          <p:cNvCxnSpPr>
+            <a:endCxn id="42" idx="2"/>
+          </p:cNvCxnSpPr>
+          <p:nvPr/>
+        </p:nvCxnSpPr>
+        <p:spPr>
+          <a:xfrm>
+            <a:off x="5183944" y="4128876"/>
+            <a:ext cx="512491" cy="0"/>
+          </a:xfrm>
+          <a:prstGeom prst="straightConnector1">
+            <a:avLst/>
+          </a:prstGeom>
+          <a:ln>
+            <a:tailEnd type="triangle"/>
+          </a:ln>
+        </p:spPr>
+        <p:style>
+          <a:lnRef idx="2">
+            <a:schemeClr val="dk1"/>
+          </a:lnRef>
+          <a:fillRef idx="0">
+            <a:schemeClr val="dk1"/>
+          </a:fillRef>
+          <a:effectRef idx="1">
+            <a:schemeClr val="dk1"/>
+          </a:effectRef>
+          <a:fontRef idx="minor">
+            <a:schemeClr val="tx1"/>
+          </a:fontRef>
+        </p:style>
+      </p:cxnSp>
+      <p:cxnSp>
+        <p:nvCxnSpPr>
+          <p:cNvPr id="49" name="直接箭头连接符 48">
+            <a:extLst>
+              <a:ext uri="{FF2B5EF4-FFF2-40B4-BE49-F238E27FC236}">
+                <a16:creationId xmlns:a16="http://schemas.microsoft.com/office/drawing/2014/main" id="{9A9FA4C9-9FE9-EA87-FD24-17CA1113EB32}"/>
+              </a:ext>
+            </a:extLst>
+          </p:cNvPr>
+          <p:cNvCxnSpPr>
+            <a:stCxn id="42" idx="0"/>
+            <a:endCxn id="43" idx="2"/>
+          </p:cNvCxnSpPr>
+          <p:nvPr/>
+        </p:nvCxnSpPr>
+        <p:spPr>
+          <a:xfrm>
+            <a:off x="6063235" y="4128876"/>
+            <a:ext cx="441700" cy="0"/>
+          </a:xfrm>
+          <a:prstGeom prst="straightConnector1">
+            <a:avLst/>
+          </a:prstGeom>
+          <a:ln>
+            <a:tailEnd type="triangle"/>
+          </a:ln>
+        </p:spPr>
+        <p:style>
+          <a:lnRef idx="2">
+            <a:schemeClr val="dk1"/>
+          </a:lnRef>
+          <a:fillRef idx="0">
+            <a:schemeClr val="dk1"/>
+          </a:fillRef>
+          <a:effectRef idx="1">
+            <a:schemeClr val="dk1"/>
+          </a:effectRef>
+          <a:fontRef idx="minor">
+            <a:schemeClr val="tx1"/>
+          </a:fontRef>
+        </p:style>
+      </p:cxnSp>
+      <p:cxnSp>
+        <p:nvCxnSpPr>
+          <p:cNvPr id="50" name="直接箭头连接符 49">
+            <a:extLst>
+              <a:ext uri="{FF2B5EF4-FFF2-40B4-BE49-F238E27FC236}">
+                <a16:creationId xmlns:a16="http://schemas.microsoft.com/office/drawing/2014/main" id="{B3EAA7BE-2A57-4A62-A8F5-67D94D05A169}"/>
+              </a:ext>
+            </a:extLst>
+          </p:cNvPr>
+          <p:cNvCxnSpPr>
+            <a:stCxn id="43" idx="0"/>
+            <a:endCxn id="44" idx="2"/>
+          </p:cNvCxnSpPr>
+          <p:nvPr/>
+        </p:nvCxnSpPr>
+        <p:spPr>
+          <a:xfrm>
+            <a:off x="6871735" y="4128876"/>
+            <a:ext cx="441700" cy="0"/>
+          </a:xfrm>
+          <a:prstGeom prst="straightConnector1">
+            <a:avLst/>
+          </a:prstGeom>
+          <a:ln>
+            <a:tailEnd type="triangle"/>
+          </a:ln>
+        </p:spPr>
+        <p:style>
+          <a:lnRef idx="2">
+            <a:schemeClr val="dk1"/>
+          </a:lnRef>
+          <a:fillRef idx="0">
+            <a:schemeClr val="dk1"/>
+          </a:fillRef>
+          <a:effectRef idx="1">
+            <a:schemeClr val="dk1"/>
+          </a:effectRef>
+          <a:fontRef idx="minor">
+            <a:schemeClr val="tx1"/>
+          </a:fontRef>
+        </p:style>
+      </p:cxnSp>
+      <p:cxnSp>
+        <p:nvCxnSpPr>
+          <p:cNvPr id="52" name="直接箭头连接符 51">
+            <a:extLst>
+              <a:ext uri="{FF2B5EF4-FFF2-40B4-BE49-F238E27FC236}">
+                <a16:creationId xmlns:a16="http://schemas.microsoft.com/office/drawing/2014/main" id="{7B9FC0E9-A514-3482-A455-92689DD68E4A}"/>
+              </a:ext>
+            </a:extLst>
+          </p:cNvPr>
+          <p:cNvCxnSpPr>
+            <a:stCxn id="6" idx="3"/>
+            <a:endCxn id="41" idx="1"/>
+          </p:cNvCxnSpPr>
+          <p:nvPr/>
+        </p:nvCxnSpPr>
+        <p:spPr>
+          <a:xfrm>
+            <a:off x="3260304" y="2728876"/>
+            <a:ext cx="0" cy="700000"/>
+          </a:xfrm>
+          <a:prstGeom prst="straightConnector1">
+            <a:avLst/>
+          </a:prstGeom>
+          <a:ln>
+            <a:solidFill>
+              <a:schemeClr val="accent2"/>
+            </a:solidFill>
+            <a:headEnd type="triangle"/>
+            <a:tailEnd type="triangle"/>
+          </a:ln>
+        </p:spPr>
+        <p:style>
+          <a:lnRef idx="3">
+            <a:schemeClr val="dk1"/>
+          </a:lnRef>
+          <a:fillRef idx="0">
+            <a:schemeClr val="dk1"/>
+          </a:fillRef>
+          <a:effectRef idx="2">
+            <a:schemeClr val="dk1"/>
+          </a:effectRef>
+          <a:fontRef idx="minor">
+            <a:schemeClr val="tx1"/>
+          </a:fontRef>
+        </p:style>
+      </p:cxnSp>
+      <p:cxnSp>
+        <p:nvCxnSpPr>
+          <p:cNvPr id="55" name="直接箭头连接符 54">
+            <a:extLst>
+              <a:ext uri="{FF2B5EF4-FFF2-40B4-BE49-F238E27FC236}">
+                <a16:creationId xmlns:a16="http://schemas.microsoft.com/office/drawing/2014/main" id="{07D70117-23FB-C1C3-6AE4-D62A0B41F2EA}"/>
+              </a:ext>
+            </a:extLst>
+          </p:cNvPr>
+          <p:cNvCxnSpPr>
+            <a:stCxn id="5" idx="3"/>
+            <a:endCxn id="40" idx="1"/>
+          </p:cNvCxnSpPr>
+          <p:nvPr/>
+        </p:nvCxnSpPr>
+        <p:spPr>
+          <a:xfrm>
+            <a:off x="4068804" y="2728876"/>
+            <a:ext cx="0" cy="700000"/>
+          </a:xfrm>
+          <a:prstGeom prst="straightConnector1">
+            <a:avLst/>
+          </a:prstGeom>
+          <a:ln>
+            <a:solidFill>
+              <a:schemeClr val="accent2"/>
+            </a:solidFill>
+            <a:headEnd type="triangle"/>
+            <a:tailEnd type="triangle"/>
+          </a:ln>
+        </p:spPr>
+        <p:style>
+          <a:lnRef idx="3">
+            <a:schemeClr val="dk1"/>
+          </a:lnRef>
+          <a:fillRef idx="0">
+            <a:schemeClr val="dk1"/>
+          </a:fillRef>
+          <a:effectRef idx="2">
+            <a:schemeClr val="dk1"/>
+          </a:effectRef>
+          <a:fontRef idx="minor">
+            <a:schemeClr val="tx1"/>
+          </a:fontRef>
+        </p:style>
+      </p:cxnSp>
+      <p:cxnSp>
+        <p:nvCxnSpPr>
+          <p:cNvPr id="57" name="直接箭头连接符 56">
+            <a:extLst>
+              <a:ext uri="{FF2B5EF4-FFF2-40B4-BE49-F238E27FC236}">
+                <a16:creationId xmlns:a16="http://schemas.microsoft.com/office/drawing/2014/main" id="{8117287D-B3BB-FCD6-2B8E-5821361E3E6A}"/>
+              </a:ext>
+            </a:extLst>
+          </p:cNvPr>
+          <p:cNvCxnSpPr>
+            <a:stCxn id="8" idx="3"/>
+            <a:endCxn id="42" idx="1"/>
+          </p:cNvCxnSpPr>
+          <p:nvPr/>
+        </p:nvCxnSpPr>
+        <p:spPr>
+          <a:xfrm>
+            <a:off x="5879835" y="2728876"/>
+            <a:ext cx="0" cy="700000"/>
+          </a:xfrm>
+          <a:prstGeom prst="straightConnector1">
+            <a:avLst/>
+          </a:prstGeom>
+          <a:ln>
+            <a:solidFill>
+              <a:schemeClr val="accent2"/>
+            </a:solidFill>
+            <a:headEnd type="triangle"/>
+            <a:tailEnd type="triangle"/>
+          </a:ln>
+        </p:spPr>
+        <p:style>
+          <a:lnRef idx="3">
+            <a:schemeClr val="dk1"/>
+          </a:lnRef>
+          <a:fillRef idx="0">
+            <a:schemeClr val="dk1"/>
+          </a:fillRef>
+          <a:effectRef idx="2">
+            <a:schemeClr val="dk1"/>
+          </a:effectRef>
+          <a:fontRef idx="minor">
+            <a:schemeClr val="tx1"/>
+          </a:fontRef>
+        </p:style>
+      </p:cxnSp>
+      <p:cxnSp>
+        <p:nvCxnSpPr>
+          <p:cNvPr id="61" name="直接箭头连接符 60">
+            <a:extLst>
+              <a:ext uri="{FF2B5EF4-FFF2-40B4-BE49-F238E27FC236}">
+                <a16:creationId xmlns:a16="http://schemas.microsoft.com/office/drawing/2014/main" id="{E128B433-E5B4-51AB-C806-EF3E3853CA59}"/>
+              </a:ext>
+            </a:extLst>
+          </p:cNvPr>
+          <p:cNvCxnSpPr>
+            <a:stCxn id="9" idx="3"/>
+            <a:endCxn id="43" idx="1"/>
+          </p:cNvCxnSpPr>
+          <p:nvPr/>
+        </p:nvCxnSpPr>
+        <p:spPr>
+          <a:xfrm>
+            <a:off x="6688335" y="2728876"/>
+            <a:ext cx="0" cy="700000"/>
+          </a:xfrm>
+          <a:prstGeom prst="straightConnector1">
+            <a:avLst/>
+          </a:prstGeom>
+          <a:ln>
+            <a:solidFill>
+              <a:schemeClr val="accent2"/>
+            </a:solidFill>
+            <a:headEnd type="triangle"/>
+            <a:tailEnd type="triangle"/>
+          </a:ln>
+        </p:spPr>
+        <p:style>
+          <a:lnRef idx="3">
+            <a:schemeClr val="dk1"/>
+          </a:lnRef>
+          <a:fillRef idx="0">
+            <a:schemeClr val="dk1"/>
+          </a:fillRef>
+          <a:effectRef idx="2">
+            <a:schemeClr val="dk1"/>
+          </a:effectRef>
+          <a:fontRef idx="minor">
+            <a:schemeClr val="tx1"/>
+          </a:fontRef>
+        </p:style>
+      </p:cxnSp>
+      <p:cxnSp>
+        <p:nvCxnSpPr>
+          <p:cNvPr id="63" name="直接箭头连接符 62">
+            <a:extLst>
+              <a:ext uri="{FF2B5EF4-FFF2-40B4-BE49-F238E27FC236}">
+                <a16:creationId xmlns:a16="http://schemas.microsoft.com/office/drawing/2014/main" id="{F74BAD9B-173E-DB6F-6D3E-2DDC5DBD2C9E}"/>
+              </a:ext>
+            </a:extLst>
+          </p:cNvPr>
+          <p:cNvCxnSpPr>
+            <a:stCxn id="10" idx="3"/>
+            <a:endCxn id="44" idx="1"/>
+          </p:cNvCxnSpPr>
+          <p:nvPr/>
+        </p:nvCxnSpPr>
+        <p:spPr>
+          <a:xfrm>
+            <a:off x="7496835" y="2728876"/>
+            <a:ext cx="0" cy="700000"/>
+          </a:xfrm>
+          <a:prstGeom prst="straightConnector1">
+            <a:avLst/>
+          </a:prstGeom>
+          <a:ln>
+            <a:solidFill>
+              <a:schemeClr val="accent2"/>
+            </a:solidFill>
+            <a:headEnd type="triangle"/>
+            <a:tailEnd type="triangle"/>
+          </a:ln>
+        </p:spPr>
+        <p:style>
+          <a:lnRef idx="3">
+            <a:schemeClr val="dk1"/>
+          </a:lnRef>
+          <a:fillRef idx="0">
+            <a:schemeClr val="dk1"/>
+          </a:fillRef>
+          <a:effectRef idx="2">
+            <a:schemeClr val="dk1"/>
+          </a:effectRef>
+          <a:fontRef idx="minor">
+            <a:schemeClr val="tx1"/>
+          </a:fontRef>
+        </p:style>
+      </p:cxnSp>
+      <p:cxnSp>
+        <p:nvCxnSpPr>
+          <p:cNvPr id="67" name="直接箭头连接符 66">
+            <a:extLst>
+              <a:ext uri="{FF2B5EF4-FFF2-40B4-BE49-F238E27FC236}">
+                <a16:creationId xmlns:a16="http://schemas.microsoft.com/office/drawing/2014/main" id="{21ECD6CB-DC93-B7B9-440C-DE6A3DB56BE9}"/>
+              </a:ext>
+            </a:extLst>
+          </p:cNvPr>
+          <p:cNvCxnSpPr>
+            <a:cxnSpLocks/>
+            <a:endCxn id="6" idx="2"/>
+          </p:cNvCxnSpPr>
+          <p:nvPr/>
+        </p:nvCxnSpPr>
+        <p:spPr>
+          <a:xfrm>
+            <a:off x="2349305" y="2028876"/>
+            <a:ext cx="727599" cy="0"/>
+          </a:xfrm>
+          <a:prstGeom prst="straightConnector1">
+            <a:avLst/>
+          </a:prstGeom>
+          <a:ln>
+            <a:tailEnd type="triangle"/>
+          </a:ln>
+        </p:spPr>
+        <p:style>
+          <a:lnRef idx="2">
+            <a:schemeClr val="dk1"/>
+          </a:lnRef>
+          <a:fillRef idx="0">
+            <a:schemeClr val="dk1"/>
+          </a:fillRef>
+          <a:effectRef idx="1">
+            <a:schemeClr val="dk1"/>
+          </a:effectRef>
+          <a:fontRef idx="minor">
+            <a:schemeClr val="tx1"/>
+          </a:fontRef>
+        </p:style>
+      </p:cxnSp>
+      <p:cxnSp>
+        <p:nvCxnSpPr>
+          <p:cNvPr id="69" name="直接箭头连接符 68">
+            <a:extLst>
+              <a:ext uri="{FF2B5EF4-FFF2-40B4-BE49-F238E27FC236}">
+                <a16:creationId xmlns:a16="http://schemas.microsoft.com/office/drawing/2014/main" id="{6AF941B7-EDCC-8E08-B9B4-6EE05BD1246F}"/>
+              </a:ext>
+            </a:extLst>
+          </p:cNvPr>
+          <p:cNvCxnSpPr>
+            <a:cxnSpLocks/>
+          </p:cNvCxnSpPr>
+          <p:nvPr/>
+        </p:nvCxnSpPr>
+        <p:spPr>
+          <a:xfrm>
+            <a:off x="2349305" y="4143727"/>
+            <a:ext cx="727599" cy="0"/>
+          </a:xfrm>
+          <a:prstGeom prst="straightConnector1">
+            <a:avLst/>
+          </a:prstGeom>
+          <a:ln>
+            <a:tailEnd type="triangle"/>
+          </a:ln>
+        </p:spPr>
+        <p:style>
+          <a:lnRef idx="2">
+            <a:schemeClr val="dk1"/>
+          </a:lnRef>
+          <a:fillRef idx="0">
+            <a:schemeClr val="dk1"/>
+          </a:fillRef>
+          <a:effectRef idx="1">
+            <a:schemeClr val="dk1"/>
+          </a:effectRef>
+          <a:fontRef idx="minor">
+            <a:schemeClr val="tx1"/>
+          </a:fontRef>
+        </p:style>
+      </p:cxnSp>
+      <p:cxnSp>
+        <p:nvCxnSpPr>
+          <p:cNvPr id="83" name="直接连接符 82">
+            <a:extLst>
+              <a:ext uri="{FF2B5EF4-FFF2-40B4-BE49-F238E27FC236}">
+                <a16:creationId xmlns:a16="http://schemas.microsoft.com/office/drawing/2014/main" id="{9D04DADE-4359-081D-333A-170DFB30C81C}"/>
+              </a:ext>
+            </a:extLst>
+          </p:cNvPr>
+          <p:cNvCxnSpPr/>
+          <p:nvPr/>
+        </p:nvCxnSpPr>
+        <p:spPr>
+          <a:xfrm>
+            <a:off x="7680235" y="2011674"/>
+            <a:ext cx="704110" cy="0"/>
+          </a:xfrm>
+          <a:prstGeom prst="line">
+            <a:avLst/>
+          </a:prstGeom>
+        </p:spPr>
+        <p:style>
+          <a:lnRef idx="2">
+            <a:schemeClr val="dk1"/>
+          </a:lnRef>
+          <a:fillRef idx="0">
+            <a:schemeClr val="dk1"/>
+          </a:fillRef>
+          <a:effectRef idx="1">
+            <a:schemeClr val="dk1"/>
+          </a:effectRef>
+          <a:fontRef idx="minor">
+            <a:schemeClr val="tx1"/>
+          </a:fontRef>
+        </p:style>
+      </p:cxnSp>
+      <p:cxnSp>
+        <p:nvCxnSpPr>
+          <p:cNvPr id="84" name="直接连接符 83">
+            <a:extLst>
+              <a:ext uri="{FF2B5EF4-FFF2-40B4-BE49-F238E27FC236}">
+                <a16:creationId xmlns:a16="http://schemas.microsoft.com/office/drawing/2014/main" id="{1F9AB3B3-FDB4-2351-9A8D-0C197B37B064}"/>
+              </a:ext>
+            </a:extLst>
+          </p:cNvPr>
+          <p:cNvCxnSpPr/>
+          <p:nvPr/>
+        </p:nvCxnSpPr>
+        <p:spPr>
+          <a:xfrm>
+            <a:off x="7680235" y="4128876"/>
+            <a:ext cx="704110" cy="0"/>
+          </a:xfrm>
+          <a:prstGeom prst="line">
+            <a:avLst/>
+          </a:prstGeom>
+        </p:spPr>
+        <p:style>
+          <a:lnRef idx="2">
+            <a:schemeClr val="dk1"/>
+          </a:lnRef>
+          <a:fillRef idx="0">
+            <a:schemeClr val="dk1"/>
+          </a:fillRef>
+          <a:effectRef idx="1">
+            <a:schemeClr val="dk1"/>
+          </a:effectRef>
+          <a:fontRef idx="minor">
+            <a:schemeClr val="tx1"/>
+          </a:fontRef>
+        </p:style>
+      </p:cxnSp>
+      <p:cxnSp>
+        <p:nvCxnSpPr>
+          <p:cNvPr id="100" name="直接连接符 99">
+            <a:extLst>
+              <a:ext uri="{FF2B5EF4-FFF2-40B4-BE49-F238E27FC236}">
+                <a16:creationId xmlns:a16="http://schemas.microsoft.com/office/drawing/2014/main" id="{6125973A-C52F-F635-ABA0-13A3D98B9353}"/>
+              </a:ext>
+            </a:extLst>
+          </p:cNvPr>
+          <p:cNvCxnSpPr>
+            <a:cxnSpLocks/>
+          </p:cNvCxnSpPr>
+          <p:nvPr/>
+        </p:nvCxnSpPr>
+        <p:spPr>
+          <a:xfrm flipH="1" flipV="1">
+            <a:off x="8382001" y="1413803"/>
+            <a:ext cx="2344" cy="597871"/>
+          </a:xfrm>
+          <a:prstGeom prst="line">
+            <a:avLst/>
+          </a:prstGeom>
+        </p:spPr>
+        <p:style>
+          <a:lnRef idx="2">
+            <a:schemeClr val="dk1"/>
+          </a:lnRef>
+          <a:fillRef idx="0">
+            <a:schemeClr val="dk1"/>
+          </a:fillRef>
+          <a:effectRef idx="1">
+            <a:schemeClr val="dk1"/>
+          </a:effectRef>
+          <a:fontRef idx="minor">
+            <a:schemeClr val="tx1"/>
+          </a:fontRef>
+        </p:style>
+      </p:cxnSp>
+      <p:cxnSp>
+        <p:nvCxnSpPr>
+          <p:cNvPr id="107" name="直接连接符 106">
+            <a:extLst>
+              <a:ext uri="{FF2B5EF4-FFF2-40B4-BE49-F238E27FC236}">
+                <a16:creationId xmlns:a16="http://schemas.microsoft.com/office/drawing/2014/main" id="{C81082CC-335B-812B-1ECE-B70F7113E42A}"/>
+              </a:ext>
+            </a:extLst>
+          </p:cNvPr>
+          <p:cNvCxnSpPr>
+            <a:cxnSpLocks/>
+          </p:cNvCxnSpPr>
+          <p:nvPr/>
+        </p:nvCxnSpPr>
+        <p:spPr>
+          <a:xfrm flipH="1" flipV="1">
+            <a:off x="8382001" y="2011674"/>
+            <a:ext cx="2344" cy="597871"/>
+          </a:xfrm>
+          <a:prstGeom prst="line">
+            <a:avLst/>
+          </a:prstGeom>
+        </p:spPr>
+        <p:style>
+          <a:lnRef idx="2">
+            <a:schemeClr val="dk1"/>
+          </a:lnRef>
+          <a:fillRef idx="0">
+            <a:schemeClr val="dk1"/>
+          </a:fillRef>
+          <a:effectRef idx="1">
+            <a:schemeClr val="dk1"/>
+          </a:effectRef>
+          <a:fontRef idx="minor">
+            <a:schemeClr val="tx1"/>
+          </a:fontRef>
+        </p:style>
+      </p:cxnSp>
+      <p:cxnSp>
+        <p:nvCxnSpPr>
+          <p:cNvPr id="109" name="直接箭头连接符 108">
+            <a:extLst>
+              <a:ext uri="{FF2B5EF4-FFF2-40B4-BE49-F238E27FC236}">
+                <a16:creationId xmlns:a16="http://schemas.microsoft.com/office/drawing/2014/main" id="{B10B82F3-463F-7333-8DF3-3BCBA3DDDC33}"/>
+              </a:ext>
+            </a:extLst>
+          </p:cNvPr>
+          <p:cNvCxnSpPr/>
+          <p:nvPr/>
+        </p:nvCxnSpPr>
+        <p:spPr>
+          <a:xfrm>
+            <a:off x="8382001" y="1413803"/>
+            <a:ext cx="396239" cy="0"/>
+          </a:xfrm>
+          <a:prstGeom prst="straightConnector1">
+            <a:avLst/>
+          </a:prstGeom>
+          <a:ln>
+            <a:tailEnd type="triangle"/>
+          </a:ln>
+        </p:spPr>
+        <p:style>
+          <a:lnRef idx="2">
+            <a:schemeClr val="dk1"/>
+          </a:lnRef>
+          <a:fillRef idx="0">
+            <a:schemeClr val="dk1"/>
+          </a:fillRef>
+          <a:effectRef idx="1">
+            <a:schemeClr val="dk1"/>
+          </a:effectRef>
+          <a:fontRef idx="minor">
+            <a:schemeClr val="tx1"/>
+          </a:fontRef>
+        </p:style>
+      </p:cxnSp>
+      <p:cxnSp>
+        <p:nvCxnSpPr>
+          <p:cNvPr id="110" name="直接箭头连接符 109">
+            <a:extLst>
+              <a:ext uri="{FF2B5EF4-FFF2-40B4-BE49-F238E27FC236}">
+                <a16:creationId xmlns:a16="http://schemas.microsoft.com/office/drawing/2014/main" id="{F25F85D3-AE76-C714-BC23-A2106C5217DA}"/>
+              </a:ext>
+            </a:extLst>
+          </p:cNvPr>
+          <p:cNvCxnSpPr/>
+          <p:nvPr/>
+        </p:nvCxnSpPr>
+        <p:spPr>
+          <a:xfrm>
+            <a:off x="8385518" y="2609545"/>
+            <a:ext cx="396239" cy="0"/>
+          </a:xfrm>
+          <a:prstGeom prst="straightConnector1">
+            <a:avLst/>
+          </a:prstGeom>
+          <a:ln>
+            <a:tailEnd type="triangle"/>
+          </a:ln>
+        </p:spPr>
+        <p:style>
+          <a:lnRef idx="2">
+            <a:schemeClr val="dk1"/>
+          </a:lnRef>
+          <a:fillRef idx="0">
+            <a:schemeClr val="dk1"/>
+          </a:fillRef>
+          <a:effectRef idx="1">
+            <a:schemeClr val="dk1"/>
+          </a:effectRef>
+          <a:fontRef idx="minor">
+            <a:schemeClr val="tx1"/>
+          </a:fontRef>
+        </p:style>
+      </p:cxnSp>
+      <p:cxnSp>
+        <p:nvCxnSpPr>
+          <p:cNvPr id="111" name="直接连接符 110">
+            <a:extLst>
+              <a:ext uri="{FF2B5EF4-FFF2-40B4-BE49-F238E27FC236}">
+                <a16:creationId xmlns:a16="http://schemas.microsoft.com/office/drawing/2014/main" id="{22817D10-C53A-1D2E-2007-81DA57E91683}"/>
+              </a:ext>
+            </a:extLst>
+          </p:cNvPr>
+          <p:cNvCxnSpPr>
+            <a:cxnSpLocks/>
+          </p:cNvCxnSpPr>
+          <p:nvPr/>
+        </p:nvCxnSpPr>
+        <p:spPr>
+          <a:xfrm flipH="1" flipV="1">
+            <a:off x="8385518" y="3542713"/>
+            <a:ext cx="2344" cy="597871"/>
+          </a:xfrm>
+          <a:prstGeom prst="line">
+            <a:avLst/>
+          </a:prstGeom>
+        </p:spPr>
+        <p:style>
+          <a:lnRef idx="2">
+            <a:schemeClr val="dk1"/>
+          </a:lnRef>
+          <a:fillRef idx="0">
+            <a:schemeClr val="dk1"/>
+          </a:fillRef>
+          <a:effectRef idx="1">
+            <a:schemeClr val="dk1"/>
+          </a:effectRef>
+          <a:fontRef idx="minor">
+            <a:schemeClr val="tx1"/>
+          </a:fontRef>
+        </p:style>
+      </p:cxnSp>
+      <p:cxnSp>
+        <p:nvCxnSpPr>
+          <p:cNvPr id="112" name="直接连接符 111">
+            <a:extLst>
+              <a:ext uri="{FF2B5EF4-FFF2-40B4-BE49-F238E27FC236}">
+                <a16:creationId xmlns:a16="http://schemas.microsoft.com/office/drawing/2014/main" id="{98BBF1AA-46ED-71A9-19A9-E9027291226B}"/>
+              </a:ext>
+            </a:extLst>
+          </p:cNvPr>
+          <p:cNvCxnSpPr>
+            <a:cxnSpLocks/>
+          </p:cNvCxnSpPr>
+          <p:nvPr/>
+        </p:nvCxnSpPr>
+        <p:spPr>
+          <a:xfrm flipH="1" flipV="1">
+            <a:off x="8385518" y="4140584"/>
+            <a:ext cx="2344" cy="597871"/>
+          </a:xfrm>
+          <a:prstGeom prst="line">
+            <a:avLst/>
+          </a:prstGeom>
+        </p:spPr>
+        <p:style>
+          <a:lnRef idx="2">
+            <a:schemeClr val="dk1"/>
+          </a:lnRef>
+          <a:fillRef idx="0">
+            <a:schemeClr val="dk1"/>
+          </a:fillRef>
+          <a:effectRef idx="1">
+            <a:schemeClr val="dk1"/>
+          </a:effectRef>
+          <a:fontRef idx="minor">
+            <a:schemeClr val="tx1"/>
+          </a:fontRef>
+        </p:style>
+      </p:cxnSp>
+      <p:cxnSp>
+        <p:nvCxnSpPr>
+          <p:cNvPr id="113" name="直接箭头连接符 112">
+            <a:extLst>
+              <a:ext uri="{FF2B5EF4-FFF2-40B4-BE49-F238E27FC236}">
+                <a16:creationId xmlns:a16="http://schemas.microsoft.com/office/drawing/2014/main" id="{2759C8B3-90BB-924C-A677-EF56E76DFD7C}"/>
+              </a:ext>
+            </a:extLst>
+          </p:cNvPr>
+          <p:cNvCxnSpPr/>
+          <p:nvPr/>
+        </p:nvCxnSpPr>
+        <p:spPr>
+          <a:xfrm>
+            <a:off x="8385518" y="3542713"/>
+            <a:ext cx="396239" cy="0"/>
+          </a:xfrm>
+          <a:prstGeom prst="straightConnector1">
+            <a:avLst/>
+          </a:prstGeom>
+          <a:ln>
+            <a:tailEnd type="triangle"/>
+          </a:ln>
+        </p:spPr>
+        <p:style>
+          <a:lnRef idx="2">
+            <a:schemeClr val="dk1"/>
+          </a:lnRef>
+          <a:fillRef idx="0">
+            <a:schemeClr val="dk1"/>
+          </a:fillRef>
+          <a:effectRef idx="1">
+            <a:schemeClr val="dk1"/>
+          </a:effectRef>
+          <a:fontRef idx="minor">
+            <a:schemeClr val="tx1"/>
+          </a:fontRef>
+        </p:style>
+      </p:cxnSp>
+      <p:cxnSp>
+        <p:nvCxnSpPr>
+          <p:cNvPr id="114" name="直接箭头连接符 113">
+            <a:extLst>
+              <a:ext uri="{FF2B5EF4-FFF2-40B4-BE49-F238E27FC236}">
+                <a16:creationId xmlns:a16="http://schemas.microsoft.com/office/drawing/2014/main" id="{32623A50-93C6-2C78-009A-7B9160FD1532}"/>
+              </a:ext>
+            </a:extLst>
+          </p:cNvPr>
+          <p:cNvCxnSpPr/>
+          <p:nvPr/>
+        </p:nvCxnSpPr>
+        <p:spPr>
+          <a:xfrm>
+            <a:off x="8389035" y="4738455"/>
+            <a:ext cx="396239" cy="0"/>
+          </a:xfrm>
+          <a:prstGeom prst="straightConnector1">
+            <a:avLst/>
+          </a:prstGeom>
+          <a:ln>
+            <a:tailEnd type="triangle"/>
+          </a:ln>
+        </p:spPr>
+        <p:style>
+          <a:lnRef idx="2">
+            <a:schemeClr val="dk1"/>
+          </a:lnRef>
+          <a:fillRef idx="0">
+            <a:schemeClr val="dk1"/>
+          </a:fillRef>
+          <a:effectRef idx="1">
+            <a:schemeClr val="dk1"/>
+          </a:effectRef>
+          <a:fontRef idx="minor">
+            <a:schemeClr val="tx1"/>
+          </a:fontRef>
+        </p:style>
+      </p:cxnSp>
+      <p:sp>
+        <p:nvSpPr>
+          <p:cNvPr id="115" name="文本框 114">
+            <a:extLst>
+              <a:ext uri="{FF2B5EF4-FFF2-40B4-BE49-F238E27FC236}">
+                <a16:creationId xmlns:a16="http://schemas.microsoft.com/office/drawing/2014/main" id="{BF023748-189F-65F0-3E2F-08B8D55FE78F}"/>
+              </a:ext>
+            </a:extLst>
+          </p:cNvPr>
+          <p:cNvSpPr txBox="1"/>
+          <p:nvPr/>
+        </p:nvSpPr>
+        <p:spPr>
+          <a:xfrm>
+            <a:off x="3907432" y="628876"/>
+            <a:ext cx="3065513" cy="369332"/>
+          </a:xfrm>
+          <a:prstGeom prst="rect">
+            <a:avLst/>
+          </a:prstGeom>
+          <a:noFill/>
+        </p:spPr>
+        <p:txBody>
+          <a:bodyPr wrap="square" rtlCol="0">
+            <a:spAutoFit/>
+          </a:bodyPr>
+          <a:lstStyle/>
+          <a:p>
+            <a:r>
+              <a:rPr lang="en-US" altLang="zh-CN" dirty="0" err="1">
+                <a:latin typeface="Bahnschrift SemiBold" panose="020B0502040204020203" pitchFamily="34" charset="0"/>
+              </a:rPr>
+              <a:t>Retinex</a:t>
+            </a:r>
+            <a:r>
+              <a:rPr lang="en-US" altLang="zh-CN" dirty="0">
+                <a:latin typeface="Bahnschrift SemiBold" panose="020B0502040204020203" pitchFamily="34" charset="0"/>
+              </a:rPr>
+              <a:t> Image Decom-Net</a:t>
+            </a:r>
+            <a:endParaRPr lang="zh-CN" altLang="en-US" dirty="0">
+              <a:latin typeface="Bahnschrift SemiBold" panose="020B0502040204020203" pitchFamily="34" charset="0"/>
+            </a:endParaRPr>
+          </a:p>
+        </p:txBody>
+      </p:sp>
+      <p:sp>
+        <p:nvSpPr>
+          <p:cNvPr id="2" name="矩形 1">
+            <a:extLst>
+              <a:ext uri="{FF2B5EF4-FFF2-40B4-BE49-F238E27FC236}">
+                <a16:creationId xmlns:a16="http://schemas.microsoft.com/office/drawing/2014/main" id="{F9ECD22E-E069-8182-E2A2-64CE07C2FF54}"/>
+              </a:ext>
+            </a:extLst>
+          </p:cNvPr>
+          <p:cNvSpPr/>
+          <p:nvPr/>
+        </p:nvSpPr>
+        <p:spPr>
+          <a:xfrm>
+            <a:off x="9198680" y="5645185"/>
+            <a:ext cx="1667022" cy="703384"/>
+          </a:xfrm>
+          <a:prstGeom prst="rect">
+            <a:avLst/>
+          </a:prstGeom>
+          <a:solidFill>
+            <a:schemeClr val="bg1"/>
+          </a:solidFill>
+        </p:spPr>
+        <p:style>
+          <a:lnRef idx="2">
+            <a:schemeClr val="accent1">
+              <a:shade val="15000"/>
+            </a:schemeClr>
+          </a:lnRef>
+          <a:fillRef idx="1">
+            <a:schemeClr val="accent1"/>
+          </a:fillRef>
+          <a:effectRef idx="0">
+            <a:schemeClr val="accent1"/>
+          </a:effectRef>
+          <a:fontRef idx="minor">
+            <a:schemeClr val="lt1"/>
+          </a:fontRef>
+        </p:style>
+        <p:txBody>
+          <a:bodyPr rtlCol="0" anchor="ctr"/>
+          <a:lstStyle/>
+          <a:p>
+            <a:pPr algn="ctr"/>
+            <a:endParaRPr lang="zh-CN" altLang="en-US"/>
+          </a:p>
+        </p:txBody>
+      </p:sp>
+      <p:cxnSp>
+        <p:nvCxnSpPr>
+          <p:cNvPr id="3" name="直接箭头连接符 2">
+            <a:extLst>
+              <a:ext uri="{FF2B5EF4-FFF2-40B4-BE49-F238E27FC236}">
+                <a16:creationId xmlns:a16="http://schemas.microsoft.com/office/drawing/2014/main" id="{3AB472B0-2436-CC3B-C94C-BCBBEDBB090D}"/>
+              </a:ext>
+            </a:extLst>
+          </p:cNvPr>
+          <p:cNvCxnSpPr>
+            <a:cxnSpLocks/>
+          </p:cNvCxnSpPr>
+          <p:nvPr/>
+        </p:nvCxnSpPr>
+        <p:spPr>
+          <a:xfrm flipH="1">
+            <a:off x="9283086" y="5996877"/>
+            <a:ext cx="361531" cy="0"/>
+          </a:xfrm>
+          <a:prstGeom prst="straightConnector1">
+            <a:avLst/>
+          </a:prstGeom>
+          <a:ln>
+            <a:solidFill>
+              <a:schemeClr val="accent2"/>
+            </a:solidFill>
+            <a:headEnd type="triangle"/>
+            <a:tailEnd type="triangle"/>
+          </a:ln>
+        </p:spPr>
+        <p:style>
+          <a:lnRef idx="3">
+            <a:schemeClr val="dk1"/>
+          </a:lnRef>
+          <a:fillRef idx="0">
+            <a:schemeClr val="dk1"/>
+          </a:fillRef>
+          <a:effectRef idx="2">
+            <a:schemeClr val="dk1"/>
+          </a:effectRef>
+          <a:fontRef idx="minor">
+            <a:schemeClr val="tx1"/>
+          </a:fontRef>
+        </p:style>
+      </p:cxnSp>
+      <p:sp>
+        <p:nvSpPr>
+          <p:cNvPr id="11" name="文本框 10">
+            <a:extLst>
+              <a:ext uri="{FF2B5EF4-FFF2-40B4-BE49-F238E27FC236}">
+                <a16:creationId xmlns:a16="http://schemas.microsoft.com/office/drawing/2014/main" id="{75A8559B-143B-8AC4-91C5-CE87889D2F00}"/>
+              </a:ext>
+            </a:extLst>
+          </p:cNvPr>
+          <p:cNvSpPr txBox="1"/>
+          <p:nvPr/>
+        </p:nvSpPr>
+        <p:spPr>
+          <a:xfrm>
+            <a:off x="9644617" y="5842988"/>
+            <a:ext cx="1667022" cy="307777"/>
+          </a:xfrm>
+          <a:prstGeom prst="rect">
+            <a:avLst/>
+          </a:prstGeom>
+          <a:noFill/>
+        </p:spPr>
+        <p:txBody>
+          <a:bodyPr wrap="square" rtlCol="0">
+            <a:spAutoFit/>
+          </a:bodyPr>
+          <a:lstStyle/>
+          <a:p>
+            <a:r>
+              <a:rPr lang="en-US" altLang="zh-CN" sz="1400" dirty="0">
+                <a:latin typeface="Bahnschrift SemiBold" panose="020B0502040204020203" pitchFamily="34" charset="0"/>
+              </a:rPr>
+              <a:t>Share weight</a:t>
+            </a:r>
+            <a:endParaRPr lang="zh-CN" altLang="en-US" sz="1400" dirty="0">
+              <a:latin typeface="Bahnschrift SemiBold" panose="020B0502040204020203" pitchFamily="34" charset="0"/>
+            </a:endParaRPr>
+          </a:p>
+        </p:txBody>
+      </p:sp>
+      <p:pic>
+        <p:nvPicPr>
+          <p:cNvPr id="7" name="图片 6">
+            <a:extLst>
+              <a:ext uri="{FF2B5EF4-FFF2-40B4-BE49-F238E27FC236}">
+                <a16:creationId xmlns:a16="http://schemas.microsoft.com/office/drawing/2014/main" id="{706CD864-85FD-9EE5-32F0-5E3A0DE4FBF1}"/>
+              </a:ext>
+            </a:extLst>
+          </p:cNvPr>
+          <p:cNvPicPr>
+            <a:picLocks noChangeAspect="1"/>
+          </p:cNvPicPr>
+          <p:nvPr/>
+        </p:nvPicPr>
+        <p:blipFill>
+          <a:blip r:embed="rId2">
+            <a:extLst>
+              <a:ext uri="{28A0092B-C50C-407E-A947-70E740481C1C}">
+                <a14:useLocalDpi xmlns:a14="http://schemas.microsoft.com/office/drawing/2010/main" val="0"/>
+              </a:ext>
+            </a:extLst>
+          </a:blip>
+          <a:stretch>
+            <a:fillRect/>
+          </a:stretch>
+        </p:blipFill>
+        <p:spPr>
+          <a:xfrm>
+            <a:off x="8797940" y="2169305"/>
+            <a:ext cx="1246923" cy="831282"/>
+          </a:xfrm>
+          <a:prstGeom prst="rect">
+            <a:avLst/>
+          </a:prstGeom>
+        </p:spPr>
+      </p:pic>
+      <p:pic>
+        <p:nvPicPr>
+          <p:cNvPr id="13" name="图片 12">
+            <a:extLst>
+              <a:ext uri="{FF2B5EF4-FFF2-40B4-BE49-F238E27FC236}">
+                <a16:creationId xmlns:a16="http://schemas.microsoft.com/office/drawing/2014/main" id="{B1B4F031-AD78-2587-14DF-1870DECBFCB3}"/>
+              </a:ext>
+            </a:extLst>
+          </p:cNvPr>
+          <p:cNvPicPr>
+            <a:picLocks noChangeAspect="1"/>
+          </p:cNvPicPr>
+          <p:nvPr/>
+        </p:nvPicPr>
+        <p:blipFill>
+          <a:blip r:embed="rId3">
+            <a:extLst>
+              <a:ext uri="{28A0092B-C50C-407E-A947-70E740481C1C}">
+                <a14:useLocalDpi xmlns:a14="http://schemas.microsoft.com/office/drawing/2010/main" val="0"/>
+              </a:ext>
+            </a:extLst>
+          </a:blip>
+          <a:stretch>
+            <a:fillRect/>
+          </a:stretch>
+        </p:blipFill>
+        <p:spPr>
+          <a:xfrm>
+            <a:off x="1044776" y="1585746"/>
+            <a:ext cx="1329390" cy="886260"/>
+          </a:xfrm>
+          <a:prstGeom prst="rect">
+            <a:avLst/>
+          </a:prstGeom>
+        </p:spPr>
+      </p:pic>
+      <p:pic>
+        <p:nvPicPr>
+          <p:cNvPr id="15" name="图片 14">
+            <a:extLst>
+              <a:ext uri="{FF2B5EF4-FFF2-40B4-BE49-F238E27FC236}">
+                <a16:creationId xmlns:a16="http://schemas.microsoft.com/office/drawing/2014/main" id="{FE21CB83-5F19-0922-F401-E043EBC00159}"/>
+              </a:ext>
+            </a:extLst>
+          </p:cNvPr>
+          <p:cNvPicPr>
+            <a:picLocks noChangeAspect="1"/>
+          </p:cNvPicPr>
+          <p:nvPr/>
+        </p:nvPicPr>
+        <p:blipFill>
+          <a:blip r:embed="rId4">
+            <a:extLst>
+              <a:ext uri="{28A0092B-C50C-407E-A947-70E740481C1C}">
+                <a14:useLocalDpi xmlns:a14="http://schemas.microsoft.com/office/drawing/2010/main" val="0"/>
+              </a:ext>
+            </a:extLst>
+          </a:blip>
+          <a:stretch>
+            <a:fillRect/>
+          </a:stretch>
+        </p:blipFill>
+        <p:spPr>
+          <a:xfrm>
+            <a:off x="8785275" y="931353"/>
+            <a:ext cx="1246916" cy="831277"/>
+          </a:xfrm>
+          <a:prstGeom prst="rect">
+            <a:avLst/>
+          </a:prstGeom>
+        </p:spPr>
+      </p:pic>
+      <p:pic>
+        <p:nvPicPr>
+          <p:cNvPr id="16" name="图片 15">
+            <a:extLst>
+              <a:ext uri="{FF2B5EF4-FFF2-40B4-BE49-F238E27FC236}">
+                <a16:creationId xmlns:a16="http://schemas.microsoft.com/office/drawing/2014/main" id="{A06DFFF7-A714-169A-09E6-9D25C437DFCF}"/>
+              </a:ext>
+            </a:extLst>
+          </p:cNvPr>
+          <p:cNvPicPr>
+            <a:picLocks noChangeAspect="1"/>
+          </p:cNvPicPr>
+          <p:nvPr/>
+        </p:nvPicPr>
+        <p:blipFill>
+          <a:blip r:embed="rId5">
+            <a:extLst>
+              <a:ext uri="{28A0092B-C50C-407E-A947-70E740481C1C}">
+                <a14:useLocalDpi xmlns:a14="http://schemas.microsoft.com/office/drawing/2010/main" val="0"/>
+              </a:ext>
+            </a:extLst>
+          </a:blip>
+          <a:stretch>
+            <a:fillRect/>
+          </a:stretch>
+        </p:blipFill>
+        <p:spPr>
+          <a:xfrm>
+            <a:off x="1044776" y="3725150"/>
+            <a:ext cx="1329389" cy="830868"/>
+          </a:xfrm>
+          <a:prstGeom prst="rect">
+            <a:avLst/>
+          </a:prstGeom>
+        </p:spPr>
+      </p:pic>
+      <p:pic>
+        <p:nvPicPr>
+          <p:cNvPr id="18" name="图片 17">
+            <a:extLst>
+              <a:ext uri="{FF2B5EF4-FFF2-40B4-BE49-F238E27FC236}">
+                <a16:creationId xmlns:a16="http://schemas.microsoft.com/office/drawing/2014/main" id="{7C63749F-4289-0C29-7127-27D51F401589}"/>
+              </a:ext>
+            </a:extLst>
+          </p:cNvPr>
+          <p:cNvPicPr>
+            <a:picLocks noChangeAspect="1"/>
+          </p:cNvPicPr>
+          <p:nvPr/>
+        </p:nvPicPr>
+        <p:blipFill>
+          <a:blip r:embed="rId6">
+            <a:extLst>
+              <a:ext uri="{28A0092B-C50C-407E-A947-70E740481C1C}">
+                <a14:useLocalDpi xmlns:a14="http://schemas.microsoft.com/office/drawing/2010/main" val="0"/>
+              </a:ext>
+            </a:extLst>
+          </a:blip>
+          <a:stretch>
+            <a:fillRect/>
+          </a:stretch>
+        </p:blipFill>
+        <p:spPr>
+          <a:xfrm>
+            <a:off x="8804275" y="3127072"/>
+            <a:ext cx="1234251" cy="831281"/>
+          </a:xfrm>
+          <a:prstGeom prst="rect">
+            <a:avLst/>
+          </a:prstGeom>
+        </p:spPr>
+      </p:pic>
+      <p:pic>
+        <p:nvPicPr>
+          <p:cNvPr id="22" name="图片 21">
+            <a:extLst>
+              <a:ext uri="{FF2B5EF4-FFF2-40B4-BE49-F238E27FC236}">
+                <a16:creationId xmlns:a16="http://schemas.microsoft.com/office/drawing/2014/main" id="{0A5EC4DB-6812-D2DE-500E-C8C2FB66CAFB}"/>
+              </a:ext>
+            </a:extLst>
+          </p:cNvPr>
+          <p:cNvPicPr>
+            <a:picLocks noChangeAspect="1"/>
+          </p:cNvPicPr>
+          <p:nvPr/>
+        </p:nvPicPr>
+        <p:blipFill>
+          <a:blip r:embed="rId7">
+            <a:extLst>
+              <a:ext uri="{28A0092B-C50C-407E-A947-70E740481C1C}">
+                <a14:useLocalDpi xmlns:a14="http://schemas.microsoft.com/office/drawing/2010/main" val="0"/>
+              </a:ext>
+            </a:extLst>
+          </a:blip>
+          <a:stretch>
+            <a:fillRect/>
+          </a:stretch>
+        </p:blipFill>
+        <p:spPr>
+          <a:xfrm>
+            <a:off x="8795989" y="4302977"/>
+            <a:ext cx="1242538" cy="846157"/>
+          </a:xfrm>
+          <a:prstGeom prst="rect">
+            <a:avLst/>
+          </a:prstGeom>
+        </p:spPr>
+      </p:pic>
+      <p:sp>
+        <p:nvSpPr>
+          <p:cNvPr id="24" name="文本框 23">
+            <a:extLst>
+              <a:ext uri="{FF2B5EF4-FFF2-40B4-BE49-F238E27FC236}">
+                <a16:creationId xmlns:a16="http://schemas.microsoft.com/office/drawing/2014/main" id="{4BB3FEC8-BE87-E453-10E6-E10FDE86626D}"/>
+              </a:ext>
+            </a:extLst>
+          </p:cNvPr>
+          <p:cNvSpPr txBox="1"/>
+          <p:nvPr/>
+        </p:nvSpPr>
+        <p:spPr>
+          <a:xfrm>
+            <a:off x="1245544" y="2544210"/>
+            <a:ext cx="1117066" cy="369332"/>
+          </a:xfrm>
+          <a:prstGeom prst="rect">
+            <a:avLst/>
+          </a:prstGeom>
+          <a:noFill/>
+        </p:spPr>
+        <p:txBody>
+          <a:bodyPr wrap="square" rtlCol="0">
+            <a:spAutoFit/>
+          </a:bodyPr>
+          <a:lstStyle/>
+          <a:p>
+            <a:r>
+              <a:rPr lang="en-US" altLang="zh-CN" i="1" dirty="0" err="1">
+                <a:latin typeface="Bahnschrift SemiCondensed" panose="020B0502040204020203" pitchFamily="34" charset="0"/>
+              </a:rPr>
+              <a:t>S</a:t>
+            </a:r>
+            <a:r>
+              <a:rPr lang="en-US" altLang="zh-CN" i="1" baseline="-25000" dirty="0" err="1">
+                <a:latin typeface="Bahnschrift SemiCondensed" panose="020B0502040204020203" pitchFamily="34" charset="0"/>
+              </a:rPr>
+              <a:t>normal</a:t>
+            </a:r>
+            <a:endParaRPr lang="zh-CN" altLang="en-US" dirty="0"/>
+          </a:p>
+        </p:txBody>
+      </p:sp>
+      <p:sp>
+        <p:nvSpPr>
+          <p:cNvPr id="25" name="文本框 24">
+            <a:extLst>
+              <a:ext uri="{FF2B5EF4-FFF2-40B4-BE49-F238E27FC236}">
+                <a16:creationId xmlns:a16="http://schemas.microsoft.com/office/drawing/2014/main" id="{C2D17046-B6C1-C8DE-6D36-6C648588E667}"/>
+              </a:ext>
+            </a:extLst>
+          </p:cNvPr>
+          <p:cNvSpPr txBox="1"/>
+          <p:nvPr/>
+        </p:nvSpPr>
+        <p:spPr>
+          <a:xfrm>
+            <a:off x="1263976" y="4605263"/>
+            <a:ext cx="1117066" cy="369332"/>
+          </a:xfrm>
+          <a:prstGeom prst="rect">
+            <a:avLst/>
+          </a:prstGeom>
+          <a:noFill/>
+        </p:spPr>
+        <p:txBody>
+          <a:bodyPr wrap="square" rtlCol="0">
+            <a:spAutoFit/>
+          </a:bodyPr>
+          <a:lstStyle/>
+          <a:p>
+            <a:r>
+              <a:rPr lang="en-US" altLang="zh-CN" i="1" dirty="0">
+                <a:latin typeface="Bahnschrift SemiCondensed" panose="020B0502040204020203" pitchFamily="34" charset="0"/>
+              </a:rPr>
+              <a:t>S</a:t>
+            </a:r>
+            <a:r>
+              <a:rPr lang="en-US" altLang="zh-CN" i="1" baseline="-25000" dirty="0">
+                <a:latin typeface="Bahnschrift SemiCondensed" panose="020B0502040204020203" pitchFamily="34" charset="0"/>
+              </a:rPr>
+              <a:t>low</a:t>
+            </a:r>
+            <a:endParaRPr lang="zh-CN" altLang="en-US" dirty="0"/>
+          </a:p>
+        </p:txBody>
+      </p:sp>
+      <p:sp>
+        <p:nvSpPr>
+          <p:cNvPr id="27" name="文本框 26">
+            <a:extLst>
+              <a:ext uri="{FF2B5EF4-FFF2-40B4-BE49-F238E27FC236}">
+                <a16:creationId xmlns:a16="http://schemas.microsoft.com/office/drawing/2014/main" id="{02E8D028-74D9-3BDF-A1D9-3C2575F67DB4}"/>
+              </a:ext>
+            </a:extLst>
+          </p:cNvPr>
+          <p:cNvSpPr txBox="1"/>
+          <p:nvPr/>
+        </p:nvSpPr>
+        <p:spPr>
+          <a:xfrm>
+            <a:off x="10032037" y="1144210"/>
+            <a:ext cx="1117066" cy="369332"/>
+          </a:xfrm>
+          <a:prstGeom prst="rect">
+            <a:avLst/>
+          </a:prstGeom>
+          <a:noFill/>
+        </p:spPr>
+        <p:txBody>
+          <a:bodyPr wrap="square" rtlCol="0">
+            <a:spAutoFit/>
+          </a:bodyPr>
+          <a:lstStyle/>
+          <a:p>
+            <a:r>
+              <a:rPr lang="en-US" altLang="zh-CN" i="1" dirty="0" err="1">
+                <a:latin typeface="Bahnschrift SemiCondensed" panose="020B0502040204020203" pitchFamily="34" charset="0"/>
+              </a:rPr>
+              <a:t>R</a:t>
+            </a:r>
+            <a:r>
+              <a:rPr lang="en-US" altLang="zh-CN" i="1" baseline="-25000" dirty="0" err="1">
+                <a:latin typeface="Bahnschrift SemiCondensed" panose="020B0502040204020203" pitchFamily="34" charset="0"/>
+              </a:rPr>
+              <a:t>normal</a:t>
+            </a:r>
+            <a:endParaRPr lang="zh-CN" altLang="en-US" dirty="0"/>
+          </a:p>
+        </p:txBody>
+      </p:sp>
+      <p:sp>
+        <p:nvSpPr>
+          <p:cNvPr id="29" name="文本框 28">
+            <a:extLst>
+              <a:ext uri="{FF2B5EF4-FFF2-40B4-BE49-F238E27FC236}">
+                <a16:creationId xmlns:a16="http://schemas.microsoft.com/office/drawing/2014/main" id="{BEA62FF9-4A4C-A3F3-0B03-BE4BB7E392A0}"/>
+              </a:ext>
+            </a:extLst>
+          </p:cNvPr>
+          <p:cNvSpPr txBox="1"/>
+          <p:nvPr/>
+        </p:nvSpPr>
+        <p:spPr>
+          <a:xfrm>
+            <a:off x="10061046" y="2400280"/>
+            <a:ext cx="1117066" cy="369332"/>
+          </a:xfrm>
+          <a:prstGeom prst="rect">
+            <a:avLst/>
+          </a:prstGeom>
+          <a:noFill/>
+        </p:spPr>
+        <p:txBody>
+          <a:bodyPr wrap="square" rtlCol="0">
+            <a:spAutoFit/>
+          </a:bodyPr>
+          <a:lstStyle/>
+          <a:p>
+            <a:r>
+              <a:rPr lang="en-US" altLang="zh-CN" i="1" dirty="0" err="1">
+                <a:latin typeface="Bahnschrift SemiCondensed" panose="020B0502040204020203" pitchFamily="34" charset="0"/>
+              </a:rPr>
+              <a:t>I</a:t>
+            </a:r>
+            <a:r>
+              <a:rPr lang="en-US" altLang="zh-CN" i="1" baseline="-25000" dirty="0" err="1">
+                <a:latin typeface="Bahnschrift SemiCondensed" panose="020B0502040204020203" pitchFamily="34" charset="0"/>
+              </a:rPr>
+              <a:t>normal</a:t>
+            </a:r>
+            <a:endParaRPr lang="zh-CN" altLang="en-US" dirty="0"/>
+          </a:p>
+        </p:txBody>
+      </p:sp>
+      <p:sp>
+        <p:nvSpPr>
+          <p:cNvPr id="30" name="文本框 29">
+            <a:extLst>
+              <a:ext uri="{FF2B5EF4-FFF2-40B4-BE49-F238E27FC236}">
+                <a16:creationId xmlns:a16="http://schemas.microsoft.com/office/drawing/2014/main" id="{286EB982-2565-E5DE-8D4D-8237DD784311}"/>
+              </a:ext>
+            </a:extLst>
+          </p:cNvPr>
+          <p:cNvSpPr txBox="1"/>
+          <p:nvPr/>
+        </p:nvSpPr>
+        <p:spPr>
+          <a:xfrm>
+            <a:off x="10049242" y="3355818"/>
+            <a:ext cx="1117066" cy="369332"/>
+          </a:xfrm>
+          <a:prstGeom prst="rect">
+            <a:avLst/>
+          </a:prstGeom>
+          <a:noFill/>
+        </p:spPr>
+        <p:txBody>
+          <a:bodyPr wrap="square" rtlCol="0">
+            <a:spAutoFit/>
+          </a:bodyPr>
+          <a:lstStyle/>
+          <a:p>
+            <a:r>
+              <a:rPr lang="en-US" altLang="zh-CN" i="1" dirty="0" err="1">
+                <a:latin typeface="Bahnschrift SemiCondensed" panose="020B0502040204020203" pitchFamily="34" charset="0"/>
+              </a:rPr>
+              <a:t>R</a:t>
+            </a:r>
+            <a:r>
+              <a:rPr lang="en-US" altLang="zh-CN" i="1" baseline="-25000" dirty="0" err="1">
+                <a:latin typeface="Bahnschrift SemiCondensed" panose="020B0502040204020203" pitchFamily="34" charset="0"/>
+              </a:rPr>
+              <a:t>low</a:t>
+            </a:r>
+            <a:endParaRPr lang="zh-CN" altLang="en-US" dirty="0"/>
+          </a:p>
+        </p:txBody>
+      </p:sp>
+      <p:sp>
+        <p:nvSpPr>
+          <p:cNvPr id="31" name="文本框 30">
+            <a:extLst>
+              <a:ext uri="{FF2B5EF4-FFF2-40B4-BE49-F238E27FC236}">
+                <a16:creationId xmlns:a16="http://schemas.microsoft.com/office/drawing/2014/main" id="{2A31B17E-2FEF-7CF1-657C-D02F7D4B3C95}"/>
+              </a:ext>
+            </a:extLst>
+          </p:cNvPr>
+          <p:cNvSpPr txBox="1"/>
+          <p:nvPr/>
+        </p:nvSpPr>
+        <p:spPr>
+          <a:xfrm>
+            <a:off x="10049242" y="4551290"/>
+            <a:ext cx="1117066" cy="369332"/>
+          </a:xfrm>
+          <a:prstGeom prst="rect">
+            <a:avLst/>
+          </a:prstGeom>
+          <a:noFill/>
+        </p:spPr>
+        <p:txBody>
+          <a:bodyPr wrap="square" rtlCol="0">
+            <a:spAutoFit/>
+          </a:bodyPr>
+          <a:lstStyle/>
+          <a:p>
+            <a:r>
+              <a:rPr lang="en-US" altLang="zh-CN" i="1" dirty="0" err="1">
+                <a:latin typeface="Bahnschrift SemiCondensed" panose="020B0502040204020203" pitchFamily="34" charset="0"/>
+              </a:rPr>
+              <a:t>I</a:t>
+            </a:r>
+            <a:r>
+              <a:rPr lang="en-US" altLang="zh-CN" i="1" baseline="-25000" dirty="0" err="1">
+                <a:latin typeface="Bahnschrift SemiCondensed" panose="020B0502040204020203" pitchFamily="34" charset="0"/>
+              </a:rPr>
+              <a:t>normal</a:t>
+            </a:r>
+            <a:endParaRPr lang="zh-CN" altLang="en-US" dirty="0"/>
+          </a:p>
+        </p:txBody>
+      </p:sp>
+      <p:sp>
+        <p:nvSpPr>
+          <p:cNvPr id="4" name="文本框 3">
+            <a:extLst>
+              <a:ext uri="{FF2B5EF4-FFF2-40B4-BE49-F238E27FC236}">
+                <a16:creationId xmlns:a16="http://schemas.microsoft.com/office/drawing/2014/main" id="{FA3388C8-0FB6-0A73-995D-710D6F071E82}"/>
+              </a:ext>
+            </a:extLst>
+          </p:cNvPr>
+          <p:cNvSpPr txBox="1"/>
+          <p:nvPr/>
+        </p:nvSpPr>
+        <p:spPr>
+          <a:xfrm>
+            <a:off x="3416133" y="5342012"/>
+            <a:ext cx="3272202" cy="369332"/>
+          </a:xfrm>
+          <a:prstGeom prst="rect">
+            <a:avLst/>
+          </a:prstGeom>
+          <a:noFill/>
+        </p:spPr>
+        <p:txBody>
+          <a:bodyPr wrap="square" rtlCol="0">
+            <a:spAutoFit/>
+          </a:bodyPr>
+          <a:lstStyle/>
+          <a:p>
+            <a:pPr algn="ctr"/>
+            <a:r>
+              <a:rPr lang="en-US" altLang="zh-CN" dirty="0">
+                <a:latin typeface="Bahnschrift SemiBold" panose="020B0502040204020203" pitchFamily="34" charset="0"/>
+              </a:rPr>
+              <a:t>testing</a:t>
+            </a:r>
+            <a:endParaRPr lang="zh-CN" altLang="en-US" dirty="0">
+              <a:latin typeface="Bahnschrift SemiBold" panose="020B0502040204020203" pitchFamily="34" charset="0"/>
+            </a:endParaRPr>
+          </a:p>
+        </p:txBody>
+      </p:sp>
+    </p:spTree>
+    <p:extLst>
+      <p:ext uri="{BB962C8B-B14F-4D97-AF65-F5344CB8AC3E}">
+        <p14:creationId xmlns:p14="http://schemas.microsoft.com/office/powerpoint/2010/main" val="2934105088"/>
+      </p:ext>
+    </p:extLst>
+  </p:cSld>
+  <p:clrMapOvr>
+    <a:masterClrMapping/>
+  </p:clrMapOvr>
+</p:sld>
+</file>
+
+<file path=ppt/slides/slide3.xml><?xml version="1.0" encoding="utf-8"?>
 <p:sld xmlns:a="http://schemas.openxmlformats.org/drawingml/2006/main" xmlns:r="http://schemas.openxmlformats.org/officeDocument/2006/relationships" xmlns:p="http://schemas.openxmlformats.org/presentationml/2006/main">
   <p:cSld>
     <p:spTree>
@@ -7182,6 +10192,369 @@
           </a:fontRef>
         </p:style>
       </p:cxnSp>
+      <p:pic>
+        <p:nvPicPr>
+          <p:cNvPr id="2" name="图片 1">
+            <a:extLst>
+              <a:ext uri="{FF2B5EF4-FFF2-40B4-BE49-F238E27FC236}">
+                <a16:creationId xmlns:a16="http://schemas.microsoft.com/office/drawing/2014/main" id="{0D883443-8E8F-47E6-3112-179F1DDDD3B2}"/>
+              </a:ext>
+            </a:extLst>
+          </p:cNvPr>
+          <p:cNvPicPr>
+            <a:picLocks noChangeAspect="1"/>
+          </p:cNvPicPr>
+          <p:nvPr/>
+        </p:nvPicPr>
+        <p:blipFill>
+          <a:blip r:embed="rId5">
+            <a:extLst>
+              <a:ext uri="{28A0092B-C50C-407E-A947-70E740481C1C}">
+                <a14:useLocalDpi xmlns:a14="http://schemas.microsoft.com/office/drawing/2010/main" val="0"/>
+              </a:ext>
+            </a:extLst>
+          </a:blip>
+          <a:stretch>
+            <a:fillRect/>
+          </a:stretch>
+        </p:blipFill>
+        <p:spPr>
+          <a:xfrm>
+            <a:off x="5808208" y="1146499"/>
+            <a:ext cx="1148843" cy="773758"/>
+          </a:xfrm>
+          <a:prstGeom prst="rect">
+            <a:avLst/>
+          </a:prstGeom>
+        </p:spPr>
+      </p:pic>
+      <p:pic>
+        <p:nvPicPr>
+          <p:cNvPr id="3" name="图片 2">
+            <a:extLst>
+              <a:ext uri="{FF2B5EF4-FFF2-40B4-BE49-F238E27FC236}">
+                <a16:creationId xmlns:a16="http://schemas.microsoft.com/office/drawing/2014/main" id="{3EA6A710-5BCB-E4F0-A0E5-F41BF7C815F9}"/>
+              </a:ext>
+            </a:extLst>
+          </p:cNvPr>
+          <p:cNvPicPr>
+            <a:picLocks noChangeAspect="1"/>
+          </p:cNvPicPr>
+          <p:nvPr/>
+        </p:nvPicPr>
+        <p:blipFill>
+          <a:blip r:embed="rId6">
+            <a:extLst>
+              <a:ext uri="{28A0092B-C50C-407E-A947-70E740481C1C}">
+                <a14:useLocalDpi xmlns:a14="http://schemas.microsoft.com/office/drawing/2010/main" val="0"/>
+              </a:ext>
+            </a:extLst>
+          </a:blip>
+          <a:stretch>
+            <a:fillRect/>
+          </a:stretch>
+        </p:blipFill>
+        <p:spPr>
+          <a:xfrm>
+            <a:off x="5795264" y="4486335"/>
+            <a:ext cx="1174730" cy="738801"/>
+          </a:xfrm>
+          <a:prstGeom prst="rect">
+            <a:avLst/>
+          </a:prstGeom>
+        </p:spPr>
+      </p:pic>
+      <p:cxnSp>
+        <p:nvCxnSpPr>
+          <p:cNvPr id="5" name="直接箭头连接符 4">
+            <a:extLst>
+              <a:ext uri="{FF2B5EF4-FFF2-40B4-BE49-F238E27FC236}">
+                <a16:creationId xmlns:a16="http://schemas.microsoft.com/office/drawing/2014/main" id="{6B8858E0-530F-2ECC-ABB3-33EF4525740C}"/>
+              </a:ext>
+            </a:extLst>
+          </p:cNvPr>
+          <p:cNvCxnSpPr>
+            <a:endCxn id="80" idx="0"/>
+          </p:cNvCxnSpPr>
+          <p:nvPr/>
+        </p:nvCxnSpPr>
+        <p:spPr>
+          <a:xfrm>
+            <a:off x="6448528" y="1916493"/>
+            <a:ext cx="1" cy="332271"/>
+          </a:xfrm>
+          <a:prstGeom prst="straightConnector1">
+            <a:avLst/>
+          </a:prstGeom>
+          <a:ln>
+            <a:tailEnd type="triangle"/>
+          </a:ln>
+        </p:spPr>
+        <p:style>
+          <a:lnRef idx="2">
+            <a:schemeClr val="dk1"/>
+          </a:lnRef>
+          <a:fillRef idx="0">
+            <a:schemeClr val="dk1"/>
+          </a:fillRef>
+          <a:effectRef idx="1">
+            <a:schemeClr val="dk1"/>
+          </a:effectRef>
+          <a:fontRef idx="minor">
+            <a:schemeClr val="tx1"/>
+          </a:fontRef>
+        </p:style>
+      </p:cxnSp>
+      <p:cxnSp>
+        <p:nvCxnSpPr>
+          <p:cNvPr id="8" name="直接箭头连接符 7">
+            <a:extLst>
+              <a:ext uri="{FF2B5EF4-FFF2-40B4-BE49-F238E27FC236}">
+                <a16:creationId xmlns:a16="http://schemas.microsoft.com/office/drawing/2014/main" id="{90846AEB-92E1-3D87-A48B-287EAED118EC}"/>
+              </a:ext>
+            </a:extLst>
+          </p:cNvPr>
+          <p:cNvCxnSpPr>
+            <a:cxnSpLocks/>
+          </p:cNvCxnSpPr>
+          <p:nvPr/>
+        </p:nvCxnSpPr>
+        <p:spPr>
+          <a:xfrm flipV="1">
+            <a:off x="6430816" y="4094914"/>
+            <a:ext cx="0" cy="350710"/>
+          </a:xfrm>
+          <a:prstGeom prst="straightConnector1">
+            <a:avLst/>
+          </a:prstGeom>
+          <a:ln>
+            <a:tailEnd type="triangle"/>
+          </a:ln>
+        </p:spPr>
+        <p:style>
+          <a:lnRef idx="2">
+            <a:schemeClr val="dk1"/>
+          </a:lnRef>
+          <a:fillRef idx="0">
+            <a:schemeClr val="dk1"/>
+          </a:fillRef>
+          <a:effectRef idx="1">
+            <a:schemeClr val="dk1"/>
+          </a:effectRef>
+          <a:fontRef idx="minor">
+            <a:schemeClr val="tx1"/>
+          </a:fontRef>
+        </p:style>
+      </p:cxnSp>
+      <p:cxnSp>
+        <p:nvCxnSpPr>
+          <p:cNvPr id="22" name="直接连接符 21">
+            <a:extLst>
+              <a:ext uri="{FF2B5EF4-FFF2-40B4-BE49-F238E27FC236}">
+                <a16:creationId xmlns:a16="http://schemas.microsoft.com/office/drawing/2014/main" id="{997BE773-F5A6-057D-F249-5D01BA1CB679}"/>
+              </a:ext>
+            </a:extLst>
+          </p:cNvPr>
+          <p:cNvCxnSpPr/>
+          <p:nvPr/>
+        </p:nvCxnSpPr>
+        <p:spPr>
+          <a:xfrm>
+            <a:off x="7652309" y="2602706"/>
+            <a:ext cx="0" cy="1138266"/>
+          </a:xfrm>
+          <a:prstGeom prst="line">
+            <a:avLst/>
+          </a:prstGeom>
+        </p:spPr>
+        <p:style>
+          <a:lnRef idx="2">
+            <a:schemeClr val="dk1"/>
+          </a:lnRef>
+          <a:fillRef idx="0">
+            <a:schemeClr val="dk1"/>
+          </a:fillRef>
+          <a:effectRef idx="1">
+            <a:schemeClr val="dk1"/>
+          </a:effectRef>
+          <a:fontRef idx="minor">
+            <a:schemeClr val="tx1"/>
+          </a:fontRef>
+        </p:style>
+      </p:cxnSp>
+      <p:cxnSp>
+        <p:nvCxnSpPr>
+          <p:cNvPr id="24" name="直接箭头连接符 23">
+            <a:extLst>
+              <a:ext uri="{FF2B5EF4-FFF2-40B4-BE49-F238E27FC236}">
+                <a16:creationId xmlns:a16="http://schemas.microsoft.com/office/drawing/2014/main" id="{BADAC301-59E7-01F1-DB44-DC2DE5345C3F}"/>
+              </a:ext>
+            </a:extLst>
+          </p:cNvPr>
+          <p:cNvCxnSpPr>
+            <a:endCxn id="34" idx="1"/>
+          </p:cNvCxnSpPr>
+          <p:nvPr/>
+        </p:nvCxnSpPr>
+        <p:spPr>
+          <a:xfrm>
+            <a:off x="7652309" y="3152414"/>
+            <a:ext cx="457718" cy="0"/>
+          </a:xfrm>
+          <a:prstGeom prst="straightConnector1">
+            <a:avLst/>
+          </a:prstGeom>
+          <a:ln>
+            <a:tailEnd type="triangle"/>
+          </a:ln>
+        </p:spPr>
+        <p:style>
+          <a:lnRef idx="2">
+            <a:schemeClr val="dk1"/>
+          </a:lnRef>
+          <a:fillRef idx="0">
+            <a:schemeClr val="dk1"/>
+          </a:fillRef>
+          <a:effectRef idx="1">
+            <a:schemeClr val="dk1"/>
+          </a:effectRef>
+          <a:fontRef idx="minor">
+            <a:schemeClr val="tx1"/>
+          </a:fontRef>
+        </p:style>
+      </p:cxnSp>
+      <p:sp>
+        <p:nvSpPr>
+          <p:cNvPr id="25" name="文本框 24">
+            <a:extLst>
+              <a:ext uri="{FF2B5EF4-FFF2-40B4-BE49-F238E27FC236}">
+                <a16:creationId xmlns:a16="http://schemas.microsoft.com/office/drawing/2014/main" id="{855CAEE4-EC93-9681-73FF-D53CCA7D7D7F}"/>
+              </a:ext>
+            </a:extLst>
+          </p:cNvPr>
+          <p:cNvSpPr txBox="1"/>
+          <p:nvPr/>
+        </p:nvSpPr>
+        <p:spPr>
+          <a:xfrm>
+            <a:off x="6923580" y="4682460"/>
+            <a:ext cx="1117066" cy="369332"/>
+          </a:xfrm>
+          <a:prstGeom prst="rect">
+            <a:avLst/>
+          </a:prstGeom>
+          <a:noFill/>
+        </p:spPr>
+        <p:txBody>
+          <a:bodyPr wrap="square" rtlCol="0">
+            <a:spAutoFit/>
+          </a:bodyPr>
+          <a:lstStyle/>
+          <a:p>
+            <a:r>
+              <a:rPr lang="en-US" altLang="zh-CN" i="1" dirty="0" err="1">
+                <a:latin typeface="Bahnschrift SemiCondensed" panose="020B0502040204020203" pitchFamily="34" charset="0"/>
+              </a:rPr>
+              <a:t>I</a:t>
+            </a:r>
+            <a:r>
+              <a:rPr lang="en-US" altLang="zh-CN" i="1" baseline="-25000" dirty="0" err="1">
+                <a:latin typeface="Bahnschrift SemiCondensed" panose="020B0502040204020203" pitchFamily="34" charset="0"/>
+              </a:rPr>
+              <a:t>low</a:t>
+            </a:r>
+            <a:endParaRPr lang="zh-CN" altLang="en-US" dirty="0"/>
+          </a:p>
+        </p:txBody>
+      </p:sp>
+      <p:sp>
+        <p:nvSpPr>
+          <p:cNvPr id="27" name="文本框 26">
+            <a:extLst>
+              <a:ext uri="{FF2B5EF4-FFF2-40B4-BE49-F238E27FC236}">
+                <a16:creationId xmlns:a16="http://schemas.microsoft.com/office/drawing/2014/main" id="{C5FC3183-A1CF-B4A1-1193-5BFD11B51B77}"/>
+              </a:ext>
+            </a:extLst>
+          </p:cNvPr>
+          <p:cNvSpPr txBox="1"/>
+          <p:nvPr/>
+        </p:nvSpPr>
+        <p:spPr>
+          <a:xfrm>
+            <a:off x="6933878" y="1373415"/>
+            <a:ext cx="1117066" cy="369332"/>
+          </a:xfrm>
+          <a:prstGeom prst="rect">
+            <a:avLst/>
+          </a:prstGeom>
+          <a:noFill/>
+        </p:spPr>
+        <p:txBody>
+          <a:bodyPr wrap="square" rtlCol="0">
+            <a:spAutoFit/>
+          </a:bodyPr>
+          <a:lstStyle/>
+          <a:p>
+            <a:r>
+              <a:rPr lang="en-US" altLang="zh-CN" i="1" dirty="0" err="1">
+                <a:latin typeface="Bahnschrift SemiCondensed" panose="020B0502040204020203" pitchFamily="34" charset="0"/>
+              </a:rPr>
+              <a:t>R</a:t>
+            </a:r>
+            <a:r>
+              <a:rPr lang="en-US" altLang="zh-CN" i="1" baseline="-25000" dirty="0" err="1">
+                <a:latin typeface="Bahnschrift SemiCondensed" panose="020B0502040204020203" pitchFamily="34" charset="0"/>
+              </a:rPr>
+              <a:t>low</a:t>
+            </a:r>
+            <a:endParaRPr lang="zh-CN" altLang="en-US" dirty="0"/>
+          </a:p>
+        </p:txBody>
+      </p:sp>
+      <p:sp>
+        <p:nvSpPr>
+          <p:cNvPr id="29" name="文本框 28">
+            <a:extLst>
+              <a:ext uri="{FF2B5EF4-FFF2-40B4-BE49-F238E27FC236}">
+                <a16:creationId xmlns:a16="http://schemas.microsoft.com/office/drawing/2014/main" id="{D6B133BB-9632-7ED3-4DDA-BB1C8BD9C6EF}"/>
+              </a:ext>
+            </a:extLst>
+          </p:cNvPr>
+          <p:cNvSpPr txBox="1"/>
+          <p:nvPr/>
+        </p:nvSpPr>
+        <p:spPr>
+          <a:xfrm>
+            <a:off x="8459516" y="3584074"/>
+            <a:ext cx="1117066" cy="369332"/>
+          </a:xfrm>
+          <a:prstGeom prst="rect">
+            <a:avLst/>
+          </a:prstGeom>
+          <a:noFill/>
+        </p:spPr>
+        <p:txBody>
+          <a:bodyPr wrap="square" rtlCol="0">
+            <a:spAutoFit/>
+          </a:bodyPr>
+          <a:lstStyle/>
+          <a:p>
+            <a:r>
+              <a:rPr lang="en-US" altLang="zh-CN" i="1" dirty="0" err="1">
+                <a:latin typeface="Bahnschrift SemiCondensed" panose="020B0502040204020203" pitchFamily="34" charset="0"/>
+              </a:rPr>
+              <a:t>Ŝ</a:t>
+            </a:r>
+            <a:r>
+              <a:rPr lang="en-US" altLang="zh-CN" i="1" baseline="-25000" dirty="0" err="1">
+                <a:latin typeface="Bahnschrift SemiCondensed" panose="020B0502040204020203" pitchFamily="34" charset="0"/>
+              </a:rPr>
+              <a:t>low</a:t>
+            </a:r>
+            <a:endParaRPr lang="zh-CN" altLang="en-US" dirty="0"/>
+          </a:p>
+        </p:txBody>
+      </p:sp>
     </p:spTree>
     <p:extLst>
       <p:ext uri="{BB962C8B-B14F-4D97-AF65-F5344CB8AC3E}">
@@ -7195,7 +10568,7 @@
 </p:sld>
 </file>
 
-<file path=ppt/slides/slide3.xml><?xml version="1.0" encoding="utf-8"?>
+<file path=ppt/slides/slide4.xml><?xml version="1.0" encoding="utf-8"?>
 <p:sld xmlns:a="http://schemas.openxmlformats.org/drawingml/2006/main" xmlns:r="http://schemas.openxmlformats.org/officeDocument/2006/relationships" xmlns:p="http://schemas.openxmlformats.org/presentationml/2006/main">
   <p:cSld>
     <p:spTree>

--- a/My_papers/演示文稿1.pptx
+++ b/My_papers/演示文稿1.pptx
@@ -200,7 +200,7 @@
           <a:p>
             <a:fld id="{32806C0A-9DD8-4FC8-8A1C-01C3D672596F}" type="datetimeFigureOut">
               <a:rPr lang="zh-CN" altLang="en-US" smtClean="0"/>
-              <a:t>2025/5/3</a:t>
+              <a:t>2025/5/4</a:t>
             </a:fld>
             <a:endParaRPr lang="zh-CN" altLang="en-US"/>
           </a:p>
@@ -718,7 +718,7 @@
           <a:p>
             <a:fld id="{F0E1B140-414D-483B-9E35-1EBB8D8406BF}" type="datetimeFigureOut">
               <a:rPr lang="zh-CN" altLang="en-US" smtClean="0"/>
-              <a:t>2025/5/3</a:t>
+              <a:t>2025/5/4</a:t>
             </a:fld>
             <a:endParaRPr lang="zh-CN" altLang="en-US"/>
           </a:p>
@@ -916,7 +916,7 @@
           <a:p>
             <a:fld id="{F0E1B140-414D-483B-9E35-1EBB8D8406BF}" type="datetimeFigureOut">
               <a:rPr lang="zh-CN" altLang="en-US" smtClean="0"/>
-              <a:t>2025/5/3</a:t>
+              <a:t>2025/5/4</a:t>
             </a:fld>
             <a:endParaRPr lang="zh-CN" altLang="en-US"/>
           </a:p>
@@ -1124,7 +1124,7 @@
           <a:p>
             <a:fld id="{F0E1B140-414D-483B-9E35-1EBB8D8406BF}" type="datetimeFigureOut">
               <a:rPr lang="zh-CN" altLang="en-US" smtClean="0"/>
-              <a:t>2025/5/3</a:t>
+              <a:t>2025/5/4</a:t>
             </a:fld>
             <a:endParaRPr lang="zh-CN" altLang="en-US"/>
           </a:p>
@@ -1322,7 +1322,7 @@
           <a:p>
             <a:fld id="{F0E1B140-414D-483B-9E35-1EBB8D8406BF}" type="datetimeFigureOut">
               <a:rPr lang="zh-CN" altLang="en-US" smtClean="0"/>
-              <a:t>2025/5/3</a:t>
+              <a:t>2025/5/4</a:t>
             </a:fld>
             <a:endParaRPr lang="zh-CN" altLang="en-US"/>
           </a:p>
@@ -1597,7 +1597,7 @@
           <a:p>
             <a:fld id="{F0E1B140-414D-483B-9E35-1EBB8D8406BF}" type="datetimeFigureOut">
               <a:rPr lang="zh-CN" altLang="en-US" smtClean="0"/>
-              <a:t>2025/5/3</a:t>
+              <a:t>2025/5/4</a:t>
             </a:fld>
             <a:endParaRPr lang="zh-CN" altLang="en-US"/>
           </a:p>
@@ -1862,7 +1862,7 @@
           <a:p>
             <a:fld id="{F0E1B140-414D-483B-9E35-1EBB8D8406BF}" type="datetimeFigureOut">
               <a:rPr lang="zh-CN" altLang="en-US" smtClean="0"/>
-              <a:t>2025/5/3</a:t>
+              <a:t>2025/5/4</a:t>
             </a:fld>
             <a:endParaRPr lang="zh-CN" altLang="en-US"/>
           </a:p>
@@ -2274,7 +2274,7 @@
           <a:p>
             <a:fld id="{F0E1B140-414D-483B-9E35-1EBB8D8406BF}" type="datetimeFigureOut">
               <a:rPr lang="zh-CN" altLang="en-US" smtClean="0"/>
-              <a:t>2025/5/3</a:t>
+              <a:t>2025/5/4</a:t>
             </a:fld>
             <a:endParaRPr lang="zh-CN" altLang="en-US"/>
           </a:p>
@@ -2415,7 +2415,7 @@
           <a:p>
             <a:fld id="{F0E1B140-414D-483B-9E35-1EBB8D8406BF}" type="datetimeFigureOut">
               <a:rPr lang="zh-CN" altLang="en-US" smtClean="0"/>
-              <a:t>2025/5/3</a:t>
+              <a:t>2025/5/4</a:t>
             </a:fld>
             <a:endParaRPr lang="zh-CN" altLang="en-US"/>
           </a:p>
@@ -2528,7 +2528,7 @@
           <a:p>
             <a:fld id="{F0E1B140-414D-483B-9E35-1EBB8D8406BF}" type="datetimeFigureOut">
               <a:rPr lang="zh-CN" altLang="en-US" smtClean="0"/>
-              <a:t>2025/5/3</a:t>
+              <a:t>2025/5/4</a:t>
             </a:fld>
             <a:endParaRPr lang="zh-CN" altLang="en-US"/>
           </a:p>
@@ -2839,7 +2839,7 @@
           <a:p>
             <a:fld id="{F0E1B140-414D-483B-9E35-1EBB8D8406BF}" type="datetimeFigureOut">
               <a:rPr lang="zh-CN" altLang="en-US" smtClean="0"/>
-              <a:t>2025/5/3</a:t>
+              <a:t>2025/5/4</a:t>
             </a:fld>
             <a:endParaRPr lang="zh-CN" altLang="en-US"/>
           </a:p>
@@ -3127,7 +3127,7 @@
           <a:p>
             <a:fld id="{F0E1B140-414D-483B-9E35-1EBB8D8406BF}" type="datetimeFigureOut">
               <a:rPr lang="zh-CN" altLang="en-US" smtClean="0"/>
-              <a:t>2025/5/3</a:t>
+              <a:t>2025/5/4</a:t>
             </a:fld>
             <a:endParaRPr lang="zh-CN" altLang="en-US"/>
           </a:p>
@@ -3368,7 +3368,7 @@
           <a:p>
             <a:fld id="{F0E1B140-414D-483B-9E35-1EBB8D8406BF}" type="datetimeFigureOut">
               <a:rPr lang="zh-CN" altLang="en-US" smtClean="0"/>
-              <a:t>2025/5/3</a:t>
+              <a:t>2025/5/4</a:t>
             </a:fld>
             <a:endParaRPr lang="zh-CN" altLang="en-US"/>
           </a:p>
@@ -10673,6 +10673,7 @@
         <p:nvCxnSpPr>
           <p:cNvPr id="10336" name="Google Shape;10336;p131"/>
           <p:cNvCxnSpPr>
+            <a:cxnSpLocks/>
             <a:stCxn id="10337" idx="0"/>
             <a:endCxn id="10335" idx="2"/>
           </p:cNvCxnSpPr>
@@ -10702,6 +10703,7 @@
         <p:nvCxnSpPr>
           <p:cNvPr id="10338" name="Google Shape;10338;p131"/>
           <p:cNvCxnSpPr>
+            <a:cxnSpLocks/>
             <a:stCxn id="10335" idx="0"/>
             <a:endCxn id="10334" idx="2"/>
           </p:cNvCxnSpPr>
@@ -11067,6 +11069,7 @@
         <p:nvCxnSpPr>
           <p:cNvPr id="10346" name="Google Shape;10346;p131"/>
           <p:cNvCxnSpPr>
+            <a:cxnSpLocks/>
             <a:stCxn id="10337" idx="2"/>
             <a:endCxn id="10339" idx="0"/>
           </p:cNvCxnSpPr>
@@ -11096,6 +11099,7 @@
         <p:nvCxnSpPr>
           <p:cNvPr id="10347" name="Google Shape;10347;p131"/>
           <p:cNvCxnSpPr>
+            <a:cxnSpLocks/>
             <a:stCxn id="10339" idx="2"/>
             <a:endCxn id="10340" idx="0"/>
           </p:cNvCxnSpPr>
@@ -11125,6 +11129,7 @@
         <p:nvCxnSpPr>
           <p:cNvPr id="10348" name="Google Shape;10348;p131"/>
           <p:cNvCxnSpPr>
+            <a:cxnSpLocks/>
             <a:stCxn id="10349" idx="2"/>
             <a:endCxn id="10341" idx="0"/>
           </p:cNvCxnSpPr>
@@ -11154,6 +11159,7 @@
         <p:nvCxnSpPr>
           <p:cNvPr id="10350" name="Google Shape;10350;p131"/>
           <p:cNvCxnSpPr>
+            <a:cxnSpLocks/>
             <a:stCxn id="10341" idx="2"/>
             <a:endCxn id="10342" idx="0"/>
           </p:cNvCxnSpPr>
@@ -11183,6 +11189,7 @@
         <p:nvCxnSpPr>
           <p:cNvPr id="10351" name="Google Shape;10351;p131"/>
           <p:cNvCxnSpPr>
+            <a:cxnSpLocks/>
             <a:stCxn id="10342" idx="2"/>
             <a:endCxn id="10343" idx="0"/>
           </p:cNvCxnSpPr>
@@ -11212,6 +11219,7 @@
         <p:nvCxnSpPr>
           <p:cNvPr id="10352" name="Google Shape;10352;p131"/>
           <p:cNvCxnSpPr>
+            <a:cxnSpLocks/>
             <a:stCxn id="10343" idx="2"/>
             <a:endCxn id="10344" idx="0"/>
           </p:cNvCxnSpPr>
@@ -11241,6 +11249,7 @@
         <p:nvCxnSpPr>
           <p:cNvPr id="10353" name="Google Shape;10353;p131"/>
           <p:cNvCxnSpPr>
+            <a:cxnSpLocks/>
             <a:stCxn id="10344" idx="2"/>
             <a:endCxn id="10345" idx="0"/>
           </p:cNvCxnSpPr>
@@ -11354,6 +11363,7 @@
         <p:nvCxnSpPr>
           <p:cNvPr id="10355" name="Google Shape;10355;p131"/>
           <p:cNvCxnSpPr>
+            <a:cxnSpLocks/>
             <a:stCxn id="10340" idx="2"/>
             <a:endCxn id="10354" idx="0"/>
           </p:cNvCxnSpPr>
@@ -11383,6 +11393,7 @@
         <p:nvCxnSpPr>
           <p:cNvPr id="10356" name="Google Shape;10356;p131"/>
           <p:cNvCxnSpPr>
+            <a:cxnSpLocks/>
             <a:stCxn id="10354" idx="2"/>
             <a:endCxn id="10349" idx="0"/>
           </p:cNvCxnSpPr>
@@ -11617,7 +11628,7 @@
         </p:nvSpPr>
         <p:spPr>
           <a:xfrm rot="5400000">
-            <a:off x="1198233" y="3168251"/>
+            <a:off x="1198233" y="3180204"/>
             <a:ext cx="1400000" cy="366800"/>
           </a:xfrm>
           <a:prstGeom prst="rect">
@@ -11642,7 +11653,15 @@
           </a:bodyPr>
           <a:lstStyle/>
           <a:p>
-            <a:endParaRPr sz="1467"/>
+            <a:pPr algn="ctr"/>
+            <a:r>
+              <a:rPr lang="en-US" sz="1467" dirty="0"/>
+              <a:t>Input</a:t>
+            </a:r>
+          </a:p>
+          <a:p>
+            <a:pPr algn="ctr"/>
+            <a:endParaRPr sz="1467" dirty="0"/>
           </a:p>
         </p:txBody>
       </p:sp>

--- a/My_papers/演示文稿1.pptx
+++ b/My_papers/演示文稿1.pptx
@@ -5,13 +5,15 @@
     <p:sldMasterId id="2147483648" r:id="rId1"/>
   </p:sldMasterIdLst>
   <p:notesMasterIdLst>
-    <p:notesMasterId r:id="rId6"/>
+    <p:notesMasterId r:id="rId8"/>
   </p:notesMasterIdLst>
   <p:sldIdLst>
     <p:sldId id="256" r:id="rId2"/>
     <p:sldId id="376" r:id="rId3"/>
     <p:sldId id="375" r:id="rId4"/>
     <p:sldId id="374" r:id="rId5"/>
+    <p:sldId id="377" r:id="rId6"/>
+    <p:sldId id="378" r:id="rId7"/>
   </p:sldIdLst>
   <p:sldSz cx="12192000" cy="6858000"/>
   <p:notesSz cx="6858000" cy="9144000"/>
@@ -200,7 +202,7 @@
           <a:p>
             <a:fld id="{32806C0A-9DD8-4FC8-8A1C-01C3D672596F}" type="datetimeFigureOut">
               <a:rPr lang="zh-CN" altLang="en-US" smtClean="0"/>
-              <a:t>2025/5/4</a:t>
+              <a:t>2025/5/7</a:t>
             </a:fld>
             <a:endParaRPr lang="zh-CN" altLang="en-US"/>
           </a:p>
@@ -718,7 +720,7 @@
           <a:p>
             <a:fld id="{F0E1B140-414D-483B-9E35-1EBB8D8406BF}" type="datetimeFigureOut">
               <a:rPr lang="zh-CN" altLang="en-US" smtClean="0"/>
-              <a:t>2025/5/4</a:t>
+              <a:t>2025/5/7</a:t>
             </a:fld>
             <a:endParaRPr lang="zh-CN" altLang="en-US"/>
           </a:p>
@@ -916,7 +918,7 @@
           <a:p>
             <a:fld id="{F0E1B140-414D-483B-9E35-1EBB8D8406BF}" type="datetimeFigureOut">
               <a:rPr lang="zh-CN" altLang="en-US" smtClean="0"/>
-              <a:t>2025/5/4</a:t>
+              <a:t>2025/5/7</a:t>
             </a:fld>
             <a:endParaRPr lang="zh-CN" altLang="en-US"/>
           </a:p>
@@ -1124,7 +1126,7 @@
           <a:p>
             <a:fld id="{F0E1B140-414D-483B-9E35-1EBB8D8406BF}" type="datetimeFigureOut">
               <a:rPr lang="zh-CN" altLang="en-US" smtClean="0"/>
-              <a:t>2025/5/4</a:t>
+              <a:t>2025/5/7</a:t>
             </a:fld>
             <a:endParaRPr lang="zh-CN" altLang="en-US"/>
           </a:p>
@@ -1322,7 +1324,7 @@
           <a:p>
             <a:fld id="{F0E1B140-414D-483B-9E35-1EBB8D8406BF}" type="datetimeFigureOut">
               <a:rPr lang="zh-CN" altLang="en-US" smtClean="0"/>
-              <a:t>2025/5/4</a:t>
+              <a:t>2025/5/7</a:t>
             </a:fld>
             <a:endParaRPr lang="zh-CN" altLang="en-US"/>
           </a:p>
@@ -1597,7 +1599,7 @@
           <a:p>
             <a:fld id="{F0E1B140-414D-483B-9E35-1EBB8D8406BF}" type="datetimeFigureOut">
               <a:rPr lang="zh-CN" altLang="en-US" smtClean="0"/>
-              <a:t>2025/5/4</a:t>
+              <a:t>2025/5/7</a:t>
             </a:fld>
             <a:endParaRPr lang="zh-CN" altLang="en-US"/>
           </a:p>
@@ -1862,7 +1864,7 @@
           <a:p>
             <a:fld id="{F0E1B140-414D-483B-9E35-1EBB8D8406BF}" type="datetimeFigureOut">
               <a:rPr lang="zh-CN" altLang="en-US" smtClean="0"/>
-              <a:t>2025/5/4</a:t>
+              <a:t>2025/5/7</a:t>
             </a:fld>
             <a:endParaRPr lang="zh-CN" altLang="en-US"/>
           </a:p>
@@ -2274,7 +2276,7 @@
           <a:p>
             <a:fld id="{F0E1B140-414D-483B-9E35-1EBB8D8406BF}" type="datetimeFigureOut">
               <a:rPr lang="zh-CN" altLang="en-US" smtClean="0"/>
-              <a:t>2025/5/4</a:t>
+              <a:t>2025/5/7</a:t>
             </a:fld>
             <a:endParaRPr lang="zh-CN" altLang="en-US"/>
           </a:p>
@@ -2415,7 +2417,7 @@
           <a:p>
             <a:fld id="{F0E1B140-414D-483B-9E35-1EBB8D8406BF}" type="datetimeFigureOut">
               <a:rPr lang="zh-CN" altLang="en-US" smtClean="0"/>
-              <a:t>2025/5/4</a:t>
+              <a:t>2025/5/7</a:t>
             </a:fld>
             <a:endParaRPr lang="zh-CN" altLang="en-US"/>
           </a:p>
@@ -2528,7 +2530,7 @@
           <a:p>
             <a:fld id="{F0E1B140-414D-483B-9E35-1EBB8D8406BF}" type="datetimeFigureOut">
               <a:rPr lang="zh-CN" altLang="en-US" smtClean="0"/>
-              <a:t>2025/5/4</a:t>
+              <a:t>2025/5/7</a:t>
             </a:fld>
             <a:endParaRPr lang="zh-CN" altLang="en-US"/>
           </a:p>
@@ -2839,7 +2841,7 @@
           <a:p>
             <a:fld id="{F0E1B140-414D-483B-9E35-1EBB8D8406BF}" type="datetimeFigureOut">
               <a:rPr lang="zh-CN" altLang="en-US" smtClean="0"/>
-              <a:t>2025/5/4</a:t>
+              <a:t>2025/5/7</a:t>
             </a:fld>
             <a:endParaRPr lang="zh-CN" altLang="en-US"/>
           </a:p>
@@ -3127,7 +3129,7 @@
           <a:p>
             <a:fld id="{F0E1B140-414D-483B-9E35-1EBB8D8406BF}" type="datetimeFigureOut">
               <a:rPr lang="zh-CN" altLang="en-US" smtClean="0"/>
-              <a:t>2025/5/4</a:t>
+              <a:t>2025/5/7</a:t>
             </a:fld>
             <a:endParaRPr lang="zh-CN" altLang="en-US"/>
           </a:p>
@@ -3368,7 +3370,7 @@
           <a:p>
             <a:fld id="{F0E1B140-414D-483B-9E35-1EBB8D8406BF}" type="datetimeFigureOut">
               <a:rPr lang="zh-CN" altLang="en-US" smtClean="0"/>
-              <a:t>2025/5/4</a:t>
+              <a:t>2025/5/7</a:t>
             </a:fld>
             <a:endParaRPr lang="zh-CN" altLang="en-US"/>
           </a:p>
@@ -11666,6 +11668,1115 @@
         </p:txBody>
       </p:sp>
     </p:spTree>
+  </p:cSld>
+  <p:clrMapOvr>
+    <a:masterClrMapping/>
+  </p:clrMapOvr>
+</p:sld>
+</file>
+
+<file path=ppt/slides/slide5.xml><?xml version="1.0" encoding="utf-8"?>
+<p:sld xmlns:a="http://schemas.openxmlformats.org/drawingml/2006/main" xmlns:r="http://schemas.openxmlformats.org/officeDocument/2006/relationships" xmlns:p="http://schemas.openxmlformats.org/presentationml/2006/main">
+  <p:cSld>
+    <p:spTree>
+      <p:nvGrpSpPr>
+        <p:cNvPr id="1" name=""/>
+        <p:cNvGrpSpPr/>
+        <p:nvPr/>
+      </p:nvGrpSpPr>
+      <p:grpSpPr>
+        <a:xfrm>
+          <a:off x="0" y="0"/>
+          <a:ext cx="0" cy="0"/>
+          <a:chOff x="0" y="0"/>
+          <a:chExt cx="0" cy="0"/>
+        </a:xfrm>
+      </p:grpSpPr>
+      <p:sp>
+        <p:nvSpPr>
+          <p:cNvPr id="4" name="矩形 3">
+            <a:extLst>
+              <a:ext uri="{FF2B5EF4-FFF2-40B4-BE49-F238E27FC236}">
+                <a16:creationId xmlns:a16="http://schemas.microsoft.com/office/drawing/2014/main" id="{A50B9F00-AFB3-B3FB-C787-8575F5DD764C}"/>
+              </a:ext>
+            </a:extLst>
+          </p:cNvPr>
+          <p:cNvSpPr/>
+          <p:nvPr/>
+        </p:nvSpPr>
+        <p:spPr>
+          <a:xfrm>
+            <a:off x="3233530" y="69898"/>
+            <a:ext cx="1504123" cy="359385"/>
+          </a:xfrm>
+          <a:prstGeom prst="rect">
+            <a:avLst/>
+          </a:prstGeom>
+          <a:solidFill>
+            <a:schemeClr val="bg1"/>
+          </a:solidFill>
+          <a:ln>
+            <a:solidFill>
+              <a:schemeClr val="tx1"/>
+            </a:solidFill>
+          </a:ln>
+        </p:spPr>
+        <p:style>
+          <a:lnRef idx="2">
+            <a:schemeClr val="accent1">
+              <a:shade val="15000"/>
+            </a:schemeClr>
+          </a:lnRef>
+          <a:fillRef idx="1">
+            <a:schemeClr val="accent1"/>
+          </a:fillRef>
+          <a:effectRef idx="0">
+            <a:schemeClr val="accent1"/>
+          </a:effectRef>
+          <a:fontRef idx="minor">
+            <a:schemeClr val="lt1"/>
+          </a:fontRef>
+        </p:style>
+        <p:txBody>
+          <a:bodyPr rtlCol="0" anchor="ctr"/>
+          <a:lstStyle/>
+          <a:p>
+            <a:pPr algn="ctr"/>
+            <a:r>
+              <a:rPr lang="en-US" altLang="zh-CN" sz="1100" dirty="0">
+                <a:solidFill>
+                  <a:schemeClr val="tx1"/>
+                </a:solidFill>
+                <a:latin typeface="Bahnschrift SemiBold" panose="020B0502040204020203" pitchFamily="34" charset="0"/>
+              </a:rPr>
+              <a:t>Start</a:t>
+            </a:r>
+            <a:endParaRPr lang="zh-CN" altLang="en-US" sz="1100" dirty="0">
+              <a:solidFill>
+                <a:schemeClr val="tx1"/>
+              </a:solidFill>
+              <a:latin typeface="Bahnschrift SemiBold" panose="020B0502040204020203" pitchFamily="34" charset="0"/>
+            </a:endParaRPr>
+          </a:p>
+        </p:txBody>
+      </p:sp>
+      <p:sp>
+        <p:nvSpPr>
+          <p:cNvPr id="5" name="矩形 4">
+            <a:extLst>
+              <a:ext uri="{FF2B5EF4-FFF2-40B4-BE49-F238E27FC236}">
+                <a16:creationId xmlns:a16="http://schemas.microsoft.com/office/drawing/2014/main" id="{10F7472E-F7B2-1A0B-D454-4D35D5B79C41}"/>
+              </a:ext>
+            </a:extLst>
+          </p:cNvPr>
+          <p:cNvSpPr/>
+          <p:nvPr/>
+        </p:nvSpPr>
+        <p:spPr>
+          <a:xfrm>
+            <a:off x="3230539" y="789647"/>
+            <a:ext cx="1504123" cy="390485"/>
+          </a:xfrm>
+          <a:prstGeom prst="rect">
+            <a:avLst/>
+          </a:prstGeom>
+        </p:spPr>
+        <p:style>
+          <a:lnRef idx="2">
+            <a:schemeClr val="dk1"/>
+          </a:lnRef>
+          <a:fillRef idx="1">
+            <a:schemeClr val="lt1"/>
+          </a:fillRef>
+          <a:effectRef idx="0">
+            <a:schemeClr val="dk1"/>
+          </a:effectRef>
+          <a:fontRef idx="minor">
+            <a:schemeClr val="dk1"/>
+          </a:fontRef>
+        </p:style>
+        <p:txBody>
+          <a:bodyPr rtlCol="0" anchor="ctr"/>
+          <a:lstStyle/>
+          <a:p>
+            <a:pPr algn="ctr"/>
+            <a:r>
+              <a:rPr lang="en-US" altLang="zh-CN" sz="1100" dirty="0">
+                <a:solidFill>
+                  <a:schemeClr val="tx1"/>
+                </a:solidFill>
+                <a:latin typeface="Bahnschrift SemiBold" panose="020B0502040204020203" pitchFamily="34" charset="0"/>
+              </a:rPr>
+              <a:t>System Initialization</a:t>
+            </a:r>
+            <a:endParaRPr lang="zh-CN" altLang="en-US" sz="1100" dirty="0">
+              <a:solidFill>
+                <a:schemeClr val="tx1"/>
+              </a:solidFill>
+              <a:latin typeface="Bahnschrift SemiBold" panose="020B0502040204020203" pitchFamily="34" charset="0"/>
+            </a:endParaRPr>
+          </a:p>
+        </p:txBody>
+      </p:sp>
+      <p:sp>
+        <p:nvSpPr>
+          <p:cNvPr id="6" name="矩形 5">
+            <a:extLst>
+              <a:ext uri="{FF2B5EF4-FFF2-40B4-BE49-F238E27FC236}">
+                <a16:creationId xmlns:a16="http://schemas.microsoft.com/office/drawing/2014/main" id="{F716F464-6898-82A8-0519-58998D689270}"/>
+              </a:ext>
+            </a:extLst>
+          </p:cNvPr>
+          <p:cNvSpPr/>
+          <p:nvPr/>
+        </p:nvSpPr>
+        <p:spPr>
+          <a:xfrm>
+            <a:off x="3230538" y="1410046"/>
+            <a:ext cx="1504123" cy="390485"/>
+          </a:xfrm>
+          <a:prstGeom prst="rect">
+            <a:avLst/>
+          </a:prstGeom>
+          <a:solidFill>
+            <a:schemeClr val="bg1"/>
+          </a:solidFill>
+        </p:spPr>
+        <p:style>
+          <a:lnRef idx="2">
+            <a:schemeClr val="accent1">
+              <a:shade val="15000"/>
+            </a:schemeClr>
+          </a:lnRef>
+          <a:fillRef idx="1">
+            <a:schemeClr val="accent1"/>
+          </a:fillRef>
+          <a:effectRef idx="0">
+            <a:schemeClr val="accent1"/>
+          </a:effectRef>
+          <a:fontRef idx="minor">
+            <a:schemeClr val="lt1"/>
+          </a:fontRef>
+        </p:style>
+        <p:txBody>
+          <a:bodyPr rtlCol="0" anchor="ctr"/>
+          <a:lstStyle/>
+          <a:p>
+            <a:pPr algn="ctr"/>
+            <a:r>
+              <a:rPr lang="en-US" altLang="zh-CN" sz="1100" dirty="0">
+                <a:solidFill>
+                  <a:schemeClr val="tx1"/>
+                </a:solidFill>
+                <a:latin typeface="Bahnschrift SemiBold" panose="020B0502040204020203" pitchFamily="34" charset="0"/>
+              </a:rPr>
+              <a:t>Sensor Data Acquisition </a:t>
+            </a:r>
+            <a:endParaRPr lang="zh-CN" altLang="en-US" sz="1100" dirty="0">
+              <a:solidFill>
+                <a:schemeClr val="tx1"/>
+              </a:solidFill>
+              <a:latin typeface="Bahnschrift SemiBold" panose="020B0502040204020203" pitchFamily="34" charset="0"/>
+            </a:endParaRPr>
+          </a:p>
+        </p:txBody>
+      </p:sp>
+      <p:sp>
+        <p:nvSpPr>
+          <p:cNvPr id="7" name="矩形 6">
+            <a:extLst>
+              <a:ext uri="{FF2B5EF4-FFF2-40B4-BE49-F238E27FC236}">
+                <a16:creationId xmlns:a16="http://schemas.microsoft.com/office/drawing/2014/main" id="{28DCB742-698A-D2C4-C9D5-7924A4373DA8}"/>
+              </a:ext>
+            </a:extLst>
+          </p:cNvPr>
+          <p:cNvSpPr/>
+          <p:nvPr/>
+        </p:nvSpPr>
+        <p:spPr>
+          <a:xfrm>
+            <a:off x="2202586" y="2313479"/>
+            <a:ext cx="1504123" cy="390485"/>
+          </a:xfrm>
+          <a:prstGeom prst="rect">
+            <a:avLst/>
+          </a:prstGeom>
+          <a:solidFill>
+            <a:schemeClr val="bg1"/>
+          </a:solidFill>
+        </p:spPr>
+        <p:style>
+          <a:lnRef idx="2">
+            <a:schemeClr val="accent1">
+              <a:shade val="15000"/>
+            </a:schemeClr>
+          </a:lnRef>
+          <a:fillRef idx="1">
+            <a:schemeClr val="accent1"/>
+          </a:fillRef>
+          <a:effectRef idx="0">
+            <a:schemeClr val="accent1"/>
+          </a:effectRef>
+          <a:fontRef idx="minor">
+            <a:schemeClr val="lt1"/>
+          </a:fontRef>
+        </p:style>
+        <p:txBody>
+          <a:bodyPr rtlCol="0" anchor="ctr"/>
+          <a:lstStyle/>
+          <a:p>
+            <a:pPr algn="ctr"/>
+            <a:r>
+              <a:rPr lang="en-US" altLang="zh-CN" sz="1100" dirty="0">
+                <a:solidFill>
+                  <a:schemeClr val="tx1"/>
+                </a:solidFill>
+                <a:latin typeface="Bahnschrift SemiBold" panose="020B0502040204020203" pitchFamily="34" charset="0"/>
+              </a:rPr>
+              <a:t>Low light enhancement</a:t>
+            </a:r>
+            <a:r>
+              <a:rPr lang="en-US" altLang="zh-CN" dirty="0">
+                <a:solidFill>
+                  <a:schemeClr val="tx1"/>
+                </a:solidFill>
+              </a:rPr>
+              <a:t> </a:t>
+            </a:r>
+            <a:endParaRPr lang="zh-CN" altLang="en-US" dirty="0">
+              <a:solidFill>
+                <a:schemeClr val="tx1"/>
+              </a:solidFill>
+            </a:endParaRPr>
+          </a:p>
+        </p:txBody>
+      </p:sp>
+      <p:sp>
+        <p:nvSpPr>
+          <p:cNvPr id="8" name="矩形 7">
+            <a:extLst>
+              <a:ext uri="{FF2B5EF4-FFF2-40B4-BE49-F238E27FC236}">
+                <a16:creationId xmlns:a16="http://schemas.microsoft.com/office/drawing/2014/main" id="{C5A2FCEB-3964-2720-B831-8AB097473C63}"/>
+              </a:ext>
+            </a:extLst>
+          </p:cNvPr>
+          <p:cNvSpPr/>
+          <p:nvPr/>
+        </p:nvSpPr>
+        <p:spPr>
+          <a:xfrm>
+            <a:off x="2192965" y="3135046"/>
+            <a:ext cx="1513742" cy="390485"/>
+          </a:xfrm>
+          <a:prstGeom prst="rect">
+            <a:avLst/>
+          </a:prstGeom>
+          <a:solidFill>
+            <a:schemeClr val="bg1"/>
+          </a:solidFill>
+        </p:spPr>
+        <p:style>
+          <a:lnRef idx="2">
+            <a:schemeClr val="accent1">
+              <a:shade val="15000"/>
+            </a:schemeClr>
+          </a:lnRef>
+          <a:fillRef idx="1">
+            <a:schemeClr val="accent1"/>
+          </a:fillRef>
+          <a:effectRef idx="0">
+            <a:schemeClr val="accent1"/>
+          </a:effectRef>
+          <a:fontRef idx="minor">
+            <a:schemeClr val="lt1"/>
+          </a:fontRef>
+        </p:style>
+        <p:txBody>
+          <a:bodyPr rtlCol="0" anchor="ctr"/>
+          <a:lstStyle/>
+          <a:p>
+            <a:pPr algn="ctr"/>
+            <a:r>
+              <a:rPr lang="en-US" altLang="zh-CN" sz="1100" dirty="0">
+                <a:solidFill>
+                  <a:schemeClr val="tx1"/>
+                </a:solidFill>
+                <a:latin typeface="Bahnschrift SemiBold" panose="020B0502040204020203" pitchFamily="34" charset="0"/>
+              </a:rPr>
+              <a:t>Weld Seam Recognition</a:t>
+            </a:r>
+            <a:endParaRPr lang="zh-CN" altLang="en-US" sz="1100" dirty="0">
+              <a:solidFill>
+                <a:schemeClr val="tx1"/>
+              </a:solidFill>
+              <a:latin typeface="Bahnschrift SemiBold" panose="020B0502040204020203" pitchFamily="34" charset="0"/>
+            </a:endParaRPr>
+          </a:p>
+        </p:txBody>
+      </p:sp>
+      <p:cxnSp>
+        <p:nvCxnSpPr>
+          <p:cNvPr id="10" name="直接箭头连接符 9">
+            <a:extLst>
+              <a:ext uri="{FF2B5EF4-FFF2-40B4-BE49-F238E27FC236}">
+                <a16:creationId xmlns:a16="http://schemas.microsoft.com/office/drawing/2014/main" id="{A709609F-527D-8792-7808-A6C1F303A982}"/>
+              </a:ext>
+            </a:extLst>
+          </p:cNvPr>
+          <p:cNvCxnSpPr>
+            <a:stCxn id="4" idx="2"/>
+            <a:endCxn id="5" idx="0"/>
+          </p:cNvCxnSpPr>
+          <p:nvPr/>
+        </p:nvCxnSpPr>
+        <p:spPr>
+          <a:xfrm flipH="1">
+            <a:off x="3982601" y="429283"/>
+            <a:ext cx="2991" cy="360364"/>
+          </a:xfrm>
+          <a:prstGeom prst="straightConnector1">
+            <a:avLst/>
+          </a:prstGeom>
+          <a:ln>
+            <a:tailEnd type="triangle"/>
+          </a:ln>
+        </p:spPr>
+        <p:style>
+          <a:lnRef idx="3">
+            <a:schemeClr val="dk1"/>
+          </a:lnRef>
+          <a:fillRef idx="0">
+            <a:schemeClr val="dk1"/>
+          </a:fillRef>
+          <a:effectRef idx="2">
+            <a:schemeClr val="dk1"/>
+          </a:effectRef>
+          <a:fontRef idx="minor">
+            <a:schemeClr val="tx1"/>
+          </a:fontRef>
+        </p:style>
+      </p:cxnSp>
+      <p:cxnSp>
+        <p:nvCxnSpPr>
+          <p:cNvPr id="12" name="直接箭头连接符 11">
+            <a:extLst>
+              <a:ext uri="{FF2B5EF4-FFF2-40B4-BE49-F238E27FC236}">
+                <a16:creationId xmlns:a16="http://schemas.microsoft.com/office/drawing/2014/main" id="{8B4E2D52-8D98-37AC-598B-C0C30D3CCA22}"/>
+              </a:ext>
+            </a:extLst>
+          </p:cNvPr>
+          <p:cNvCxnSpPr>
+            <a:stCxn id="5" idx="2"/>
+            <a:endCxn id="6" idx="0"/>
+          </p:cNvCxnSpPr>
+          <p:nvPr/>
+        </p:nvCxnSpPr>
+        <p:spPr>
+          <a:xfrm flipH="1">
+            <a:off x="3982600" y="1180132"/>
+            <a:ext cx="1" cy="229914"/>
+          </a:xfrm>
+          <a:prstGeom prst="straightConnector1">
+            <a:avLst/>
+          </a:prstGeom>
+          <a:ln>
+            <a:tailEnd type="triangle"/>
+          </a:ln>
+        </p:spPr>
+        <p:style>
+          <a:lnRef idx="3">
+            <a:schemeClr val="dk1"/>
+          </a:lnRef>
+          <a:fillRef idx="0">
+            <a:schemeClr val="dk1"/>
+          </a:fillRef>
+          <a:effectRef idx="2">
+            <a:schemeClr val="dk1"/>
+          </a:effectRef>
+          <a:fontRef idx="minor">
+            <a:schemeClr val="tx1"/>
+          </a:fontRef>
+        </p:style>
+      </p:cxnSp>
+      <p:cxnSp>
+        <p:nvCxnSpPr>
+          <p:cNvPr id="24" name="直接箭头连接符 23">
+            <a:extLst>
+              <a:ext uri="{FF2B5EF4-FFF2-40B4-BE49-F238E27FC236}">
+                <a16:creationId xmlns:a16="http://schemas.microsoft.com/office/drawing/2014/main" id="{5F9D8953-FF27-4581-3371-2D6F21474200}"/>
+              </a:ext>
+            </a:extLst>
+          </p:cNvPr>
+          <p:cNvCxnSpPr>
+            <a:cxnSpLocks/>
+            <a:stCxn id="7" idx="2"/>
+            <a:endCxn id="8" idx="0"/>
+          </p:cNvCxnSpPr>
+          <p:nvPr/>
+        </p:nvCxnSpPr>
+        <p:spPr>
+          <a:xfrm flipH="1">
+            <a:off x="2949836" y="2703964"/>
+            <a:ext cx="4812" cy="431082"/>
+          </a:xfrm>
+          <a:prstGeom prst="straightConnector1">
+            <a:avLst/>
+          </a:prstGeom>
+          <a:ln>
+            <a:tailEnd type="triangle"/>
+          </a:ln>
+        </p:spPr>
+        <p:style>
+          <a:lnRef idx="3">
+            <a:schemeClr val="dk1"/>
+          </a:lnRef>
+          <a:fillRef idx="0">
+            <a:schemeClr val="dk1"/>
+          </a:fillRef>
+          <a:effectRef idx="2">
+            <a:schemeClr val="dk1"/>
+          </a:effectRef>
+          <a:fontRef idx="minor">
+            <a:schemeClr val="tx1"/>
+          </a:fontRef>
+        </p:style>
+      </p:cxnSp>
+      <p:sp>
+        <p:nvSpPr>
+          <p:cNvPr id="25" name="矩形 24">
+            <a:extLst>
+              <a:ext uri="{FF2B5EF4-FFF2-40B4-BE49-F238E27FC236}">
+                <a16:creationId xmlns:a16="http://schemas.microsoft.com/office/drawing/2014/main" id="{2AB15200-238B-B7DC-B23D-3D763D5B60CF}"/>
+              </a:ext>
+            </a:extLst>
+          </p:cNvPr>
+          <p:cNvSpPr/>
+          <p:nvPr/>
+        </p:nvSpPr>
+        <p:spPr>
+          <a:xfrm>
+            <a:off x="2202586" y="3887070"/>
+            <a:ext cx="1504123" cy="390485"/>
+          </a:xfrm>
+          <a:prstGeom prst="rect">
+            <a:avLst/>
+          </a:prstGeom>
+          <a:solidFill>
+            <a:schemeClr val="bg1"/>
+          </a:solidFill>
+        </p:spPr>
+        <p:style>
+          <a:lnRef idx="2">
+            <a:schemeClr val="accent1">
+              <a:shade val="15000"/>
+            </a:schemeClr>
+          </a:lnRef>
+          <a:fillRef idx="1">
+            <a:schemeClr val="accent1"/>
+          </a:fillRef>
+          <a:effectRef idx="0">
+            <a:schemeClr val="accent1"/>
+          </a:effectRef>
+          <a:fontRef idx="minor">
+            <a:schemeClr val="lt1"/>
+          </a:fontRef>
+        </p:style>
+        <p:txBody>
+          <a:bodyPr rtlCol="0" anchor="ctr"/>
+          <a:lstStyle/>
+          <a:p>
+            <a:pPr algn="ctr"/>
+            <a:r>
+              <a:rPr lang="en-US" altLang="zh-CN" sz="1100" dirty="0">
+                <a:solidFill>
+                  <a:schemeClr val="tx1"/>
+                </a:solidFill>
+                <a:latin typeface="Bahnschrift SemiBold" panose="020B0502040204020203" pitchFamily="34" charset="0"/>
+              </a:rPr>
+              <a:t>Weld Seam Feature Extraction </a:t>
+            </a:r>
+            <a:endParaRPr lang="zh-CN" altLang="en-US" sz="1100" dirty="0">
+              <a:solidFill>
+                <a:schemeClr val="tx1"/>
+              </a:solidFill>
+              <a:latin typeface="Bahnschrift SemiBold" panose="020B0502040204020203" pitchFamily="34" charset="0"/>
+            </a:endParaRPr>
+          </a:p>
+        </p:txBody>
+      </p:sp>
+      <p:cxnSp>
+        <p:nvCxnSpPr>
+          <p:cNvPr id="56" name="直接箭头连接符 55">
+            <a:extLst>
+              <a:ext uri="{FF2B5EF4-FFF2-40B4-BE49-F238E27FC236}">
+                <a16:creationId xmlns:a16="http://schemas.microsoft.com/office/drawing/2014/main" id="{F27256A7-A188-B753-6AA7-9553DDE899E7}"/>
+              </a:ext>
+            </a:extLst>
+          </p:cNvPr>
+          <p:cNvCxnSpPr>
+            <a:stCxn id="8" idx="2"/>
+            <a:endCxn id="25" idx="0"/>
+          </p:cNvCxnSpPr>
+          <p:nvPr/>
+        </p:nvCxnSpPr>
+        <p:spPr>
+          <a:xfrm>
+            <a:off x="2949836" y="3525531"/>
+            <a:ext cx="4812" cy="361539"/>
+          </a:xfrm>
+          <a:prstGeom prst="straightConnector1">
+            <a:avLst/>
+          </a:prstGeom>
+          <a:ln>
+            <a:tailEnd type="triangle"/>
+          </a:ln>
+        </p:spPr>
+        <p:style>
+          <a:lnRef idx="3">
+            <a:schemeClr val="dk1"/>
+          </a:lnRef>
+          <a:fillRef idx="0">
+            <a:schemeClr val="dk1"/>
+          </a:fillRef>
+          <a:effectRef idx="2">
+            <a:schemeClr val="dk1"/>
+          </a:effectRef>
+          <a:fontRef idx="minor">
+            <a:schemeClr val="tx1"/>
+          </a:fontRef>
+        </p:style>
+      </p:cxnSp>
+      <p:cxnSp>
+        <p:nvCxnSpPr>
+          <p:cNvPr id="81" name="连接符: 曲线 80">
+            <a:extLst>
+              <a:ext uri="{FF2B5EF4-FFF2-40B4-BE49-F238E27FC236}">
+                <a16:creationId xmlns:a16="http://schemas.microsoft.com/office/drawing/2014/main" id="{55BD0E33-86A7-8DC2-43BE-C7BA02461E7E}"/>
+              </a:ext>
+            </a:extLst>
+          </p:cNvPr>
+          <p:cNvCxnSpPr>
+            <a:cxnSpLocks/>
+            <a:stCxn id="6" idx="1"/>
+            <a:endCxn id="7" idx="0"/>
+          </p:cNvCxnSpPr>
+          <p:nvPr/>
+        </p:nvCxnSpPr>
+        <p:spPr>
+          <a:xfrm rot="10800000" flipV="1">
+            <a:off x="2954648" y="1605289"/>
+            <a:ext cx="275890" cy="708190"/>
+          </a:xfrm>
+          <a:prstGeom prst="curvedConnector2">
+            <a:avLst/>
+          </a:prstGeom>
+          <a:ln>
+            <a:tailEnd type="triangle"/>
+          </a:ln>
+        </p:spPr>
+        <p:style>
+          <a:lnRef idx="3">
+            <a:schemeClr val="dk1"/>
+          </a:lnRef>
+          <a:fillRef idx="0">
+            <a:schemeClr val="dk1"/>
+          </a:fillRef>
+          <a:effectRef idx="2">
+            <a:schemeClr val="dk1"/>
+          </a:effectRef>
+          <a:fontRef idx="minor">
+            <a:schemeClr val="tx1"/>
+          </a:fontRef>
+        </p:style>
+      </p:cxnSp>
+      <p:cxnSp>
+        <p:nvCxnSpPr>
+          <p:cNvPr id="87" name="连接符: 曲线 86">
+            <a:extLst>
+              <a:ext uri="{FF2B5EF4-FFF2-40B4-BE49-F238E27FC236}">
+                <a16:creationId xmlns:a16="http://schemas.microsoft.com/office/drawing/2014/main" id="{8F2FBA40-963E-FD50-98C1-10D47711957D}"/>
+              </a:ext>
+            </a:extLst>
+          </p:cNvPr>
+          <p:cNvCxnSpPr>
+            <a:cxnSpLocks/>
+            <a:stCxn id="25" idx="2"/>
+            <a:endCxn id="88" idx="1"/>
+          </p:cNvCxnSpPr>
+          <p:nvPr/>
+        </p:nvCxnSpPr>
+        <p:spPr>
+          <a:xfrm rot="16200000" flipH="1">
+            <a:off x="2741872" y="4490331"/>
+            <a:ext cx="518021" cy="92468"/>
+          </a:xfrm>
+          <a:prstGeom prst="curvedConnector2">
+            <a:avLst/>
+          </a:prstGeom>
+          <a:ln>
+            <a:tailEnd type="triangle"/>
+          </a:ln>
+        </p:spPr>
+        <p:style>
+          <a:lnRef idx="3">
+            <a:schemeClr val="dk1"/>
+          </a:lnRef>
+          <a:fillRef idx="0">
+            <a:schemeClr val="dk1"/>
+          </a:fillRef>
+          <a:effectRef idx="2">
+            <a:schemeClr val="dk1"/>
+          </a:effectRef>
+          <a:fontRef idx="minor">
+            <a:schemeClr val="tx1"/>
+          </a:fontRef>
+        </p:style>
+      </p:cxnSp>
+      <p:sp>
+        <p:nvSpPr>
+          <p:cNvPr id="88" name="菱形 87">
+            <a:extLst>
+              <a:ext uri="{FF2B5EF4-FFF2-40B4-BE49-F238E27FC236}">
+                <a16:creationId xmlns:a16="http://schemas.microsoft.com/office/drawing/2014/main" id="{F529BF29-3CB9-0691-E274-C41B20CACDE8}"/>
+              </a:ext>
+            </a:extLst>
+          </p:cNvPr>
+          <p:cNvSpPr/>
+          <p:nvPr/>
+        </p:nvSpPr>
+        <p:spPr>
+          <a:xfrm>
+            <a:off x="3047116" y="4520976"/>
+            <a:ext cx="1870966" cy="549200"/>
+          </a:xfrm>
+          <a:prstGeom prst="diamond">
+            <a:avLst/>
+          </a:prstGeom>
+          <a:ln/>
+        </p:spPr>
+        <p:style>
+          <a:lnRef idx="2">
+            <a:schemeClr val="dk1"/>
+          </a:lnRef>
+          <a:fillRef idx="1">
+            <a:schemeClr val="lt1"/>
+          </a:fillRef>
+          <a:effectRef idx="0">
+            <a:schemeClr val="dk1"/>
+          </a:effectRef>
+          <a:fontRef idx="minor">
+            <a:schemeClr val="dk1"/>
+          </a:fontRef>
+        </p:style>
+        <p:txBody>
+          <a:bodyPr rtlCol="0" anchor="ctr"/>
+          <a:lstStyle/>
+          <a:p>
+            <a:pPr algn="ctr"/>
+            <a:r>
+              <a:rPr lang="en-US" altLang="zh-CN" sz="1100" dirty="0">
+                <a:solidFill>
+                  <a:schemeClr val="tx1"/>
+                </a:solidFill>
+                <a:latin typeface="Bahnschrift SemiBold" panose="020B0502040204020203" pitchFamily="34" charset="0"/>
+              </a:rPr>
+              <a:t>Task Completed?</a:t>
+            </a:r>
+            <a:endParaRPr lang="zh-CN" altLang="en-US" sz="1100" dirty="0">
+              <a:solidFill>
+                <a:schemeClr val="tx1"/>
+              </a:solidFill>
+              <a:latin typeface="Bahnschrift SemiBold" panose="020B0502040204020203" pitchFamily="34" charset="0"/>
+            </a:endParaRPr>
+          </a:p>
+        </p:txBody>
+      </p:sp>
+      <p:cxnSp>
+        <p:nvCxnSpPr>
+          <p:cNvPr id="108" name="连接符: 曲线 107">
+            <a:extLst>
+              <a:ext uri="{FF2B5EF4-FFF2-40B4-BE49-F238E27FC236}">
+                <a16:creationId xmlns:a16="http://schemas.microsoft.com/office/drawing/2014/main" id="{8B89C8C3-D101-65AF-EA2F-7605BAC6A096}"/>
+              </a:ext>
+            </a:extLst>
+          </p:cNvPr>
+          <p:cNvCxnSpPr>
+            <a:cxnSpLocks/>
+            <a:stCxn id="88" idx="3"/>
+            <a:endCxn id="6" idx="3"/>
+          </p:cNvCxnSpPr>
+          <p:nvPr/>
+        </p:nvCxnSpPr>
+        <p:spPr>
+          <a:xfrm flipH="1" flipV="1">
+            <a:off x="4734661" y="1605289"/>
+            <a:ext cx="183421" cy="3190287"/>
+          </a:xfrm>
+          <a:prstGeom prst="curvedConnector3">
+            <a:avLst>
+              <a:gd name="adj1" fmla="val -124631"/>
+            </a:avLst>
+          </a:prstGeom>
+          <a:ln>
+            <a:tailEnd type="triangle"/>
+          </a:ln>
+        </p:spPr>
+        <p:style>
+          <a:lnRef idx="3">
+            <a:schemeClr val="dk1"/>
+          </a:lnRef>
+          <a:fillRef idx="0">
+            <a:schemeClr val="dk1"/>
+          </a:fillRef>
+          <a:effectRef idx="2">
+            <a:schemeClr val="dk1"/>
+          </a:effectRef>
+          <a:fontRef idx="minor">
+            <a:schemeClr val="tx1"/>
+          </a:fontRef>
+        </p:style>
+      </p:cxnSp>
+      <p:cxnSp>
+        <p:nvCxnSpPr>
+          <p:cNvPr id="115" name="直接箭头连接符 114">
+            <a:extLst>
+              <a:ext uri="{FF2B5EF4-FFF2-40B4-BE49-F238E27FC236}">
+                <a16:creationId xmlns:a16="http://schemas.microsoft.com/office/drawing/2014/main" id="{BBB5D671-C59A-CB21-C068-AFB8AAB7B267}"/>
+              </a:ext>
+            </a:extLst>
+          </p:cNvPr>
+          <p:cNvCxnSpPr>
+            <a:cxnSpLocks/>
+            <a:stCxn id="88" idx="2"/>
+          </p:cNvCxnSpPr>
+          <p:nvPr/>
+        </p:nvCxnSpPr>
+        <p:spPr>
+          <a:xfrm>
+            <a:off x="3982599" y="5070176"/>
+            <a:ext cx="0" cy="377778"/>
+          </a:xfrm>
+          <a:prstGeom prst="straightConnector1">
+            <a:avLst/>
+          </a:prstGeom>
+          <a:ln>
+            <a:tailEnd type="triangle"/>
+          </a:ln>
+        </p:spPr>
+        <p:style>
+          <a:lnRef idx="3">
+            <a:schemeClr val="dk1"/>
+          </a:lnRef>
+          <a:fillRef idx="0">
+            <a:schemeClr val="dk1"/>
+          </a:fillRef>
+          <a:effectRef idx="2">
+            <a:schemeClr val="dk1"/>
+          </a:effectRef>
+          <a:fontRef idx="minor">
+            <a:schemeClr val="tx1"/>
+          </a:fontRef>
+        </p:style>
+      </p:cxnSp>
+      <p:sp>
+        <p:nvSpPr>
+          <p:cNvPr id="117" name="矩形 116">
+            <a:extLst>
+              <a:ext uri="{FF2B5EF4-FFF2-40B4-BE49-F238E27FC236}">
+                <a16:creationId xmlns:a16="http://schemas.microsoft.com/office/drawing/2014/main" id="{4A39CC22-3315-4074-5989-E046EB5568FF}"/>
+              </a:ext>
+            </a:extLst>
+          </p:cNvPr>
+          <p:cNvSpPr/>
+          <p:nvPr/>
+        </p:nvSpPr>
+        <p:spPr>
+          <a:xfrm>
+            <a:off x="2856151" y="5478027"/>
+            <a:ext cx="2252896" cy="327963"/>
+          </a:xfrm>
+          <a:prstGeom prst="rect">
+            <a:avLst/>
+          </a:prstGeom>
+        </p:spPr>
+        <p:style>
+          <a:lnRef idx="2">
+            <a:schemeClr val="dk1"/>
+          </a:lnRef>
+          <a:fillRef idx="1">
+            <a:schemeClr val="lt1"/>
+          </a:fillRef>
+          <a:effectRef idx="0">
+            <a:schemeClr val="dk1"/>
+          </a:effectRef>
+          <a:fontRef idx="minor">
+            <a:schemeClr val="dk1"/>
+          </a:fontRef>
+        </p:style>
+        <p:txBody>
+          <a:bodyPr rtlCol="0" anchor="ctr"/>
+          <a:lstStyle/>
+          <a:p>
+            <a:pPr algn="ctr"/>
+            <a:r>
+              <a:rPr lang="en-US" altLang="zh-CN" sz="1100" dirty="0">
+                <a:solidFill>
+                  <a:schemeClr val="tx1"/>
+                </a:solidFill>
+                <a:latin typeface="Bahnschrift SemiBold" panose="020B0502040204020203" pitchFamily="34" charset="0"/>
+              </a:rPr>
+              <a:t>Data storage/Transmission</a:t>
+            </a:r>
+            <a:endParaRPr lang="zh-CN" altLang="en-US" sz="1100" dirty="0">
+              <a:solidFill>
+                <a:schemeClr val="tx1"/>
+              </a:solidFill>
+              <a:latin typeface="Bahnschrift SemiBold" panose="020B0502040204020203" pitchFamily="34" charset="0"/>
+            </a:endParaRPr>
+          </a:p>
+        </p:txBody>
+      </p:sp>
+      <p:sp>
+        <p:nvSpPr>
+          <p:cNvPr id="119" name="文本框 118">
+            <a:extLst>
+              <a:ext uri="{FF2B5EF4-FFF2-40B4-BE49-F238E27FC236}">
+                <a16:creationId xmlns:a16="http://schemas.microsoft.com/office/drawing/2014/main" id="{F79DF874-D92C-A161-5FAD-8C219CD6AD76}"/>
+              </a:ext>
+            </a:extLst>
+          </p:cNvPr>
+          <p:cNvSpPr txBox="1"/>
+          <p:nvPr/>
+        </p:nvSpPr>
+        <p:spPr>
+          <a:xfrm>
+            <a:off x="3916673" y="5128260"/>
+            <a:ext cx="443292" cy="261610"/>
+          </a:xfrm>
+          <a:prstGeom prst="rect">
+            <a:avLst/>
+          </a:prstGeom>
+          <a:noFill/>
+        </p:spPr>
+        <p:txBody>
+          <a:bodyPr wrap="square" rtlCol="0">
+            <a:spAutoFit/>
+          </a:bodyPr>
+          <a:lstStyle/>
+          <a:p>
+            <a:r>
+              <a:rPr lang="en-US" altLang="zh-CN" sz="1100" dirty="0">
+                <a:latin typeface="Bahnschrift SemiBold" panose="020B0502040204020203" pitchFamily="34" charset="0"/>
+              </a:rPr>
+              <a:t>Yes</a:t>
+            </a:r>
+            <a:endParaRPr lang="zh-CN" altLang="en-US" sz="1100" dirty="0">
+              <a:latin typeface="Bahnschrift SemiBold" panose="020B0502040204020203" pitchFamily="34" charset="0"/>
+            </a:endParaRPr>
+          </a:p>
+        </p:txBody>
+      </p:sp>
+      <p:sp>
+        <p:nvSpPr>
+          <p:cNvPr id="120" name="文本框 119">
+            <a:extLst>
+              <a:ext uri="{FF2B5EF4-FFF2-40B4-BE49-F238E27FC236}">
+                <a16:creationId xmlns:a16="http://schemas.microsoft.com/office/drawing/2014/main" id="{C00905EA-5B81-16FE-1B21-05FD668B3304}"/>
+              </a:ext>
+            </a:extLst>
+          </p:cNvPr>
+          <p:cNvSpPr txBox="1"/>
+          <p:nvPr/>
+        </p:nvSpPr>
+        <p:spPr>
+          <a:xfrm>
+            <a:off x="5124408" y="3004241"/>
+            <a:ext cx="421627" cy="261610"/>
+          </a:xfrm>
+          <a:prstGeom prst="rect">
+            <a:avLst/>
+          </a:prstGeom>
+          <a:noFill/>
+        </p:spPr>
+        <p:txBody>
+          <a:bodyPr wrap="square" rtlCol="0">
+            <a:spAutoFit/>
+          </a:bodyPr>
+          <a:lstStyle/>
+          <a:p>
+            <a:r>
+              <a:rPr lang="en-US" altLang="zh-CN" sz="1100" dirty="0">
+                <a:latin typeface="Bahnschrift SemiBold" panose="020B0502040204020203" pitchFamily="34" charset="0"/>
+              </a:rPr>
+              <a:t>No</a:t>
+            </a:r>
+            <a:endParaRPr lang="zh-CN" altLang="en-US" sz="1100" dirty="0">
+              <a:latin typeface="Bahnschrift SemiBold" panose="020B0502040204020203" pitchFamily="34" charset="0"/>
+            </a:endParaRPr>
+          </a:p>
+        </p:txBody>
+      </p:sp>
+      <p:sp>
+        <p:nvSpPr>
+          <p:cNvPr id="121" name="矩形 120">
+            <a:extLst>
+              <a:ext uri="{FF2B5EF4-FFF2-40B4-BE49-F238E27FC236}">
+                <a16:creationId xmlns:a16="http://schemas.microsoft.com/office/drawing/2014/main" id="{31E1EFBD-5745-8ED7-ED45-47DE75440004}"/>
+              </a:ext>
+            </a:extLst>
+          </p:cNvPr>
+          <p:cNvSpPr/>
+          <p:nvPr/>
+        </p:nvSpPr>
+        <p:spPr>
+          <a:xfrm>
+            <a:off x="3591660" y="6084023"/>
+            <a:ext cx="781878" cy="292960"/>
+          </a:xfrm>
+          <a:prstGeom prst="rect">
+            <a:avLst/>
+          </a:prstGeom>
+        </p:spPr>
+        <p:style>
+          <a:lnRef idx="2">
+            <a:schemeClr val="dk1"/>
+          </a:lnRef>
+          <a:fillRef idx="1">
+            <a:schemeClr val="lt1"/>
+          </a:fillRef>
+          <a:effectRef idx="0">
+            <a:schemeClr val="dk1"/>
+          </a:effectRef>
+          <a:fontRef idx="minor">
+            <a:schemeClr val="dk1"/>
+          </a:fontRef>
+        </p:style>
+        <p:txBody>
+          <a:bodyPr rtlCol="0" anchor="ctr"/>
+          <a:lstStyle/>
+          <a:p>
+            <a:pPr algn="ctr"/>
+            <a:r>
+              <a:rPr lang="en-US" altLang="zh-CN" sz="1100" dirty="0">
+                <a:solidFill>
+                  <a:schemeClr val="tx1"/>
+                </a:solidFill>
+                <a:latin typeface="Bahnschrift SemiBold" panose="020B0502040204020203" pitchFamily="34" charset="0"/>
+              </a:rPr>
+              <a:t>End</a:t>
+            </a:r>
+            <a:endParaRPr lang="zh-CN" altLang="en-US" sz="1100" dirty="0">
+              <a:solidFill>
+                <a:schemeClr val="tx1"/>
+              </a:solidFill>
+              <a:latin typeface="Bahnschrift SemiBold" panose="020B0502040204020203" pitchFamily="34" charset="0"/>
+            </a:endParaRPr>
+          </a:p>
+        </p:txBody>
+      </p:sp>
+      <p:cxnSp>
+        <p:nvCxnSpPr>
+          <p:cNvPr id="123" name="直接箭头连接符 122">
+            <a:extLst>
+              <a:ext uri="{FF2B5EF4-FFF2-40B4-BE49-F238E27FC236}">
+                <a16:creationId xmlns:a16="http://schemas.microsoft.com/office/drawing/2014/main" id="{4AC0083C-162C-A6BB-B47D-D0CAB827A9E7}"/>
+              </a:ext>
+            </a:extLst>
+          </p:cNvPr>
+          <p:cNvCxnSpPr>
+            <a:stCxn id="117" idx="2"/>
+            <a:endCxn id="121" idx="0"/>
+          </p:cNvCxnSpPr>
+          <p:nvPr/>
+        </p:nvCxnSpPr>
+        <p:spPr>
+          <a:xfrm>
+            <a:off x="3982599" y="5805990"/>
+            <a:ext cx="0" cy="278033"/>
+          </a:xfrm>
+          <a:prstGeom prst="straightConnector1">
+            <a:avLst/>
+          </a:prstGeom>
+          <a:ln>
+            <a:tailEnd type="triangle"/>
+          </a:ln>
+        </p:spPr>
+        <p:style>
+          <a:lnRef idx="3">
+            <a:schemeClr val="dk1"/>
+          </a:lnRef>
+          <a:fillRef idx="0">
+            <a:schemeClr val="dk1"/>
+          </a:fillRef>
+          <a:effectRef idx="2">
+            <a:schemeClr val="dk1"/>
+          </a:effectRef>
+          <a:fontRef idx="minor">
+            <a:schemeClr val="tx1"/>
+          </a:fontRef>
+        </p:style>
+      </p:cxnSp>
+    </p:spTree>
+    <p:extLst>
+      <p:ext uri="{BB962C8B-B14F-4D97-AF65-F5344CB8AC3E}">
+        <p14:creationId xmlns:p14="http://schemas.microsoft.com/office/powerpoint/2010/main" val="3593578340"/>
+      </p:ext>
+    </p:extLst>
+  </p:cSld>
+  <p:clrMapOvr>
+    <a:masterClrMapping/>
+  </p:clrMapOvr>
+</p:sld>
+</file>
+
+<file path=ppt/slides/slide6.xml><?xml version="1.0" encoding="utf-8"?>
+<p:sld xmlns:a="http://schemas.openxmlformats.org/drawingml/2006/main" xmlns:r="http://schemas.openxmlformats.org/officeDocument/2006/relationships" xmlns:p="http://schemas.openxmlformats.org/presentationml/2006/main">
+  <p:cSld>
+    <p:spTree>
+      <p:nvGrpSpPr>
+        <p:cNvPr id="1" name=""/>
+        <p:cNvGrpSpPr/>
+        <p:nvPr/>
+      </p:nvGrpSpPr>
+      <p:grpSpPr>
+        <a:xfrm>
+          <a:off x="0" y="0"/>
+          <a:ext cx="0" cy="0"/>
+          <a:chOff x="0" y="0"/>
+          <a:chExt cx="0" cy="0"/>
+        </a:xfrm>
+      </p:grpSpPr>
+      <p:sp>
+        <p:nvSpPr>
+          <p:cNvPr id="2" name="标题 1">
+            <a:extLst>
+              <a:ext uri="{FF2B5EF4-FFF2-40B4-BE49-F238E27FC236}">
+                <a16:creationId xmlns:a16="http://schemas.microsoft.com/office/drawing/2014/main" id="{18B77C73-B6DF-5693-17A8-C62A36DD34E4}"/>
+              </a:ext>
+            </a:extLst>
+          </p:cNvPr>
+          <p:cNvSpPr>
+            <a:spLocks noGrp="1"/>
+          </p:cNvSpPr>
+          <p:nvPr>
+            <p:ph type="title"/>
+          </p:nvPr>
+        </p:nvSpPr>
+        <p:spPr/>
+        <p:txBody>
+          <a:bodyPr/>
+          <a:lstStyle/>
+          <a:p>
+            <a:endParaRPr lang="zh-CN" altLang="en-US" dirty="0"/>
+          </a:p>
+        </p:txBody>
+      </p:sp>
+    </p:spTree>
+    <p:extLst>
+      <p:ext uri="{BB962C8B-B14F-4D97-AF65-F5344CB8AC3E}">
+        <p14:creationId xmlns:p14="http://schemas.microsoft.com/office/powerpoint/2010/main" val="3663948297"/>
+      </p:ext>
+    </p:extLst>
   </p:cSld>
   <p:clrMapOvr>
     <a:masterClrMapping/>

--- a/My_papers/演示文稿1.pptx
+++ b/My_papers/演示文稿1.pptx
@@ -202,7 +202,7 @@
           <a:p>
             <a:fld id="{32806C0A-9DD8-4FC8-8A1C-01C3D672596F}" type="datetimeFigureOut">
               <a:rPr lang="zh-CN" altLang="en-US" smtClean="0"/>
-              <a:t>2025/5/7</a:t>
+              <a:t>2025/5/8</a:t>
             </a:fld>
             <a:endParaRPr lang="zh-CN" altLang="en-US"/>
           </a:p>
@@ -720,7 +720,7 @@
           <a:p>
             <a:fld id="{F0E1B140-414D-483B-9E35-1EBB8D8406BF}" type="datetimeFigureOut">
               <a:rPr lang="zh-CN" altLang="en-US" smtClean="0"/>
-              <a:t>2025/5/7</a:t>
+              <a:t>2025/5/8</a:t>
             </a:fld>
             <a:endParaRPr lang="zh-CN" altLang="en-US"/>
           </a:p>
@@ -918,7 +918,7 @@
           <a:p>
             <a:fld id="{F0E1B140-414D-483B-9E35-1EBB8D8406BF}" type="datetimeFigureOut">
               <a:rPr lang="zh-CN" altLang="en-US" smtClean="0"/>
-              <a:t>2025/5/7</a:t>
+              <a:t>2025/5/8</a:t>
             </a:fld>
             <a:endParaRPr lang="zh-CN" altLang="en-US"/>
           </a:p>
@@ -1126,7 +1126,7 @@
           <a:p>
             <a:fld id="{F0E1B140-414D-483B-9E35-1EBB8D8406BF}" type="datetimeFigureOut">
               <a:rPr lang="zh-CN" altLang="en-US" smtClean="0"/>
-              <a:t>2025/5/7</a:t>
+              <a:t>2025/5/8</a:t>
             </a:fld>
             <a:endParaRPr lang="zh-CN" altLang="en-US"/>
           </a:p>
@@ -1324,7 +1324,7 @@
           <a:p>
             <a:fld id="{F0E1B140-414D-483B-9E35-1EBB8D8406BF}" type="datetimeFigureOut">
               <a:rPr lang="zh-CN" altLang="en-US" smtClean="0"/>
-              <a:t>2025/5/7</a:t>
+              <a:t>2025/5/8</a:t>
             </a:fld>
             <a:endParaRPr lang="zh-CN" altLang="en-US"/>
           </a:p>
@@ -1599,7 +1599,7 @@
           <a:p>
             <a:fld id="{F0E1B140-414D-483B-9E35-1EBB8D8406BF}" type="datetimeFigureOut">
               <a:rPr lang="zh-CN" altLang="en-US" smtClean="0"/>
-              <a:t>2025/5/7</a:t>
+              <a:t>2025/5/8</a:t>
             </a:fld>
             <a:endParaRPr lang="zh-CN" altLang="en-US"/>
           </a:p>
@@ -1864,7 +1864,7 @@
           <a:p>
             <a:fld id="{F0E1B140-414D-483B-9E35-1EBB8D8406BF}" type="datetimeFigureOut">
               <a:rPr lang="zh-CN" altLang="en-US" smtClean="0"/>
-              <a:t>2025/5/7</a:t>
+              <a:t>2025/5/8</a:t>
             </a:fld>
             <a:endParaRPr lang="zh-CN" altLang="en-US"/>
           </a:p>
@@ -2276,7 +2276,7 @@
           <a:p>
             <a:fld id="{F0E1B140-414D-483B-9E35-1EBB8D8406BF}" type="datetimeFigureOut">
               <a:rPr lang="zh-CN" altLang="en-US" smtClean="0"/>
-              <a:t>2025/5/7</a:t>
+              <a:t>2025/5/8</a:t>
             </a:fld>
             <a:endParaRPr lang="zh-CN" altLang="en-US"/>
           </a:p>
@@ -2417,7 +2417,7 @@
           <a:p>
             <a:fld id="{F0E1B140-414D-483B-9E35-1EBB8D8406BF}" type="datetimeFigureOut">
               <a:rPr lang="zh-CN" altLang="en-US" smtClean="0"/>
-              <a:t>2025/5/7</a:t>
+              <a:t>2025/5/8</a:t>
             </a:fld>
             <a:endParaRPr lang="zh-CN" altLang="en-US"/>
           </a:p>
@@ -2530,7 +2530,7 @@
           <a:p>
             <a:fld id="{F0E1B140-414D-483B-9E35-1EBB8D8406BF}" type="datetimeFigureOut">
               <a:rPr lang="zh-CN" altLang="en-US" smtClean="0"/>
-              <a:t>2025/5/7</a:t>
+              <a:t>2025/5/8</a:t>
             </a:fld>
             <a:endParaRPr lang="zh-CN" altLang="en-US"/>
           </a:p>
@@ -2841,7 +2841,7 @@
           <a:p>
             <a:fld id="{F0E1B140-414D-483B-9E35-1EBB8D8406BF}" type="datetimeFigureOut">
               <a:rPr lang="zh-CN" altLang="en-US" smtClean="0"/>
-              <a:t>2025/5/7</a:t>
+              <a:t>2025/5/8</a:t>
             </a:fld>
             <a:endParaRPr lang="zh-CN" altLang="en-US"/>
           </a:p>
@@ -3129,7 +3129,7 @@
           <a:p>
             <a:fld id="{F0E1B140-414D-483B-9E35-1EBB8D8406BF}" type="datetimeFigureOut">
               <a:rPr lang="zh-CN" altLang="en-US" smtClean="0"/>
-              <a:t>2025/5/7</a:t>
+              <a:t>2025/5/8</a:t>
             </a:fld>
             <a:endParaRPr lang="zh-CN" altLang="en-US"/>
           </a:p>
@@ -3370,7 +3370,7 @@
           <a:p>
             <a:fld id="{F0E1B140-414D-483B-9E35-1EBB8D8406BF}" type="datetimeFigureOut">
               <a:rPr lang="zh-CN" altLang="en-US" smtClean="0"/>
-              <a:t>2025/5/7</a:t>
+              <a:t>2025/5/8</a:t>
             </a:fld>
             <a:endParaRPr lang="zh-CN" altLang="en-US"/>
           </a:p>
@@ -11706,7 +11706,7 @@
         </p:nvSpPr>
         <p:spPr>
           <a:xfrm>
-            <a:off x="3233530" y="69898"/>
+            <a:off x="3248400" y="830308"/>
             <a:ext cx="1504123" cy="359385"/>
           </a:xfrm>
           <a:prstGeom prst="rect">
@@ -11762,64 +11762,6 @@
       </p:sp>
       <p:sp>
         <p:nvSpPr>
-          <p:cNvPr id="5" name="矩形 4">
-            <a:extLst>
-              <a:ext uri="{FF2B5EF4-FFF2-40B4-BE49-F238E27FC236}">
-                <a16:creationId xmlns:a16="http://schemas.microsoft.com/office/drawing/2014/main" id="{10F7472E-F7B2-1A0B-D454-4D35D5B79C41}"/>
-              </a:ext>
-            </a:extLst>
-          </p:cNvPr>
-          <p:cNvSpPr/>
-          <p:nvPr/>
-        </p:nvSpPr>
-        <p:spPr>
-          <a:xfrm>
-            <a:off x="3230539" y="789647"/>
-            <a:ext cx="1504123" cy="390485"/>
-          </a:xfrm>
-          <a:prstGeom prst="rect">
-            <a:avLst/>
-          </a:prstGeom>
-        </p:spPr>
-        <p:style>
-          <a:lnRef idx="2">
-            <a:schemeClr val="dk1"/>
-          </a:lnRef>
-          <a:fillRef idx="1">
-            <a:schemeClr val="lt1"/>
-          </a:fillRef>
-          <a:effectRef idx="0">
-            <a:schemeClr val="dk1"/>
-          </a:effectRef>
-          <a:fontRef idx="minor">
-            <a:schemeClr val="dk1"/>
-          </a:fontRef>
-        </p:style>
-        <p:txBody>
-          <a:bodyPr rtlCol="0" anchor="ctr"/>
-          <a:lstStyle/>
-          <a:p>
-            <a:pPr algn="ctr"/>
-            <a:r>
-              <a:rPr lang="en-US" altLang="zh-CN" sz="1100" dirty="0">
-                <a:solidFill>
-                  <a:schemeClr val="tx1"/>
-                </a:solidFill>
-                <a:latin typeface="Bahnschrift SemiBold" panose="020B0502040204020203" pitchFamily="34" charset="0"/>
-              </a:rPr>
-              <a:t>System Initialization</a:t>
-            </a:r>
-            <a:endParaRPr lang="zh-CN" altLang="en-US" sz="1100" dirty="0">
-              <a:solidFill>
-                <a:schemeClr val="tx1"/>
-              </a:solidFill>
-              <a:latin typeface="Bahnschrift SemiBold" panose="020B0502040204020203" pitchFamily="34" charset="0"/>
-            </a:endParaRPr>
-          </a:p>
-        </p:txBody>
-      </p:sp>
-      <p:sp>
-        <p:nvSpPr>
           <p:cNvPr id="6" name="矩形 5">
             <a:extLst>
               <a:ext uri="{FF2B5EF4-FFF2-40B4-BE49-F238E27FC236}">
@@ -11951,12 +11893,97 @@
           </a:p>
         </p:txBody>
       </p:sp>
-      <p:sp>
-        <p:nvSpPr>
-          <p:cNvPr id="8" name="矩形 7">
-            <a:extLst>
-              <a:ext uri="{FF2B5EF4-FFF2-40B4-BE49-F238E27FC236}">
-                <a16:creationId xmlns:a16="http://schemas.microsoft.com/office/drawing/2014/main" id="{C5A2FCEB-3964-2720-B831-8AB097473C63}"/>
+      <p:cxnSp>
+        <p:nvCxnSpPr>
+          <p:cNvPr id="12" name="直接箭头连接符 11">
+            <a:extLst>
+              <a:ext uri="{FF2B5EF4-FFF2-40B4-BE49-F238E27FC236}">
+                <a16:creationId xmlns:a16="http://schemas.microsoft.com/office/drawing/2014/main" id="{8B4E2D52-8D98-37AC-598B-C0C30D3CCA22}"/>
+              </a:ext>
+            </a:extLst>
+          </p:cNvPr>
+          <p:cNvCxnSpPr>
+            <a:cxnSpLocks/>
+            <a:endCxn id="6" idx="0"/>
+          </p:cNvCxnSpPr>
+          <p:nvPr/>
+        </p:nvCxnSpPr>
+        <p:spPr>
+          <a:xfrm flipH="1">
+            <a:off x="3982600" y="1180132"/>
+            <a:ext cx="1" cy="229914"/>
+          </a:xfrm>
+          <a:prstGeom prst="straightConnector1">
+            <a:avLst/>
+          </a:prstGeom>
+          <a:ln>
+            <a:tailEnd type="triangle"/>
+          </a:ln>
+        </p:spPr>
+        <p:style>
+          <a:lnRef idx="3">
+            <a:schemeClr val="dk1"/>
+          </a:lnRef>
+          <a:fillRef idx="0">
+            <a:schemeClr val="dk1"/>
+          </a:fillRef>
+          <a:effectRef idx="2">
+            <a:schemeClr val="dk1"/>
+          </a:effectRef>
+          <a:fontRef idx="minor">
+            <a:schemeClr val="tx1"/>
+          </a:fontRef>
+        </p:style>
+      </p:cxnSp>
+      <p:cxnSp>
+        <p:nvCxnSpPr>
+          <p:cNvPr id="24" name="直接箭头连接符 23">
+            <a:extLst>
+              <a:ext uri="{FF2B5EF4-FFF2-40B4-BE49-F238E27FC236}">
+                <a16:creationId xmlns:a16="http://schemas.microsoft.com/office/drawing/2014/main" id="{5F9D8953-FF27-4581-3371-2D6F21474200}"/>
+              </a:ext>
+            </a:extLst>
+          </p:cNvPr>
+          <p:cNvCxnSpPr>
+            <a:cxnSpLocks/>
+            <a:stCxn id="7" idx="2"/>
+            <a:endCxn id="25" idx="0"/>
+          </p:cNvCxnSpPr>
+          <p:nvPr/>
+        </p:nvCxnSpPr>
+        <p:spPr>
+          <a:xfrm flipH="1">
+            <a:off x="2949836" y="2703964"/>
+            <a:ext cx="4812" cy="366644"/>
+          </a:xfrm>
+          <a:prstGeom prst="straightConnector1">
+            <a:avLst/>
+          </a:prstGeom>
+          <a:ln>
+            <a:tailEnd type="triangle"/>
+          </a:ln>
+        </p:spPr>
+        <p:style>
+          <a:lnRef idx="3">
+            <a:schemeClr val="dk1"/>
+          </a:lnRef>
+          <a:fillRef idx="0">
+            <a:schemeClr val="dk1"/>
+          </a:fillRef>
+          <a:effectRef idx="2">
+            <a:schemeClr val="dk1"/>
+          </a:effectRef>
+          <a:fontRef idx="minor">
+            <a:schemeClr val="tx1"/>
+          </a:fontRef>
+        </p:style>
+      </p:cxnSp>
+      <p:sp>
+        <p:nvSpPr>
+          <p:cNvPr id="25" name="矩形 24">
+            <a:extLst>
+              <a:ext uri="{FF2B5EF4-FFF2-40B4-BE49-F238E27FC236}">
+                <a16:creationId xmlns:a16="http://schemas.microsoft.com/office/drawing/2014/main" id="{2AB15200-238B-B7DC-B23D-3D763D5B60CF}"/>
               </a:ext>
             </a:extLst>
           </p:cNvPr>
@@ -11965,8 +11992,8 @@
         </p:nvSpPr>
         <p:spPr>
           <a:xfrm>
-            <a:off x="2192965" y="3135046"/>
-            <a:ext cx="1513742" cy="390485"/>
+            <a:off x="2197774" y="3070608"/>
+            <a:ext cx="1504123" cy="390485"/>
           </a:xfrm>
           <a:prstGeom prst="rect">
             <a:avLst/>
@@ -12003,7 +12030,7 @@
                 </a:solidFill>
                 <a:latin typeface="Bahnschrift SemiBold" panose="020B0502040204020203" pitchFamily="34" charset="0"/>
               </a:rPr>
-              <a:t>Weld Seam Recognition</a:t>
+              <a:t>Weld Seam Feature Extraction </a:t>
             </a:r>
             <a:endParaRPr lang="zh-CN" altLang="en-US" sz="1100" dirty="0">
               <a:solidFill>
@@ -12014,238 +12041,6 @@
           </a:p>
         </p:txBody>
       </p:sp>
-      <p:cxnSp>
-        <p:nvCxnSpPr>
-          <p:cNvPr id="10" name="直接箭头连接符 9">
-            <a:extLst>
-              <a:ext uri="{FF2B5EF4-FFF2-40B4-BE49-F238E27FC236}">
-                <a16:creationId xmlns:a16="http://schemas.microsoft.com/office/drawing/2014/main" id="{A709609F-527D-8792-7808-A6C1F303A982}"/>
-              </a:ext>
-            </a:extLst>
-          </p:cNvPr>
-          <p:cNvCxnSpPr>
-            <a:stCxn id="4" idx="2"/>
-            <a:endCxn id="5" idx="0"/>
-          </p:cNvCxnSpPr>
-          <p:nvPr/>
-        </p:nvCxnSpPr>
-        <p:spPr>
-          <a:xfrm flipH="1">
-            <a:off x="3982601" y="429283"/>
-            <a:ext cx="2991" cy="360364"/>
-          </a:xfrm>
-          <a:prstGeom prst="straightConnector1">
-            <a:avLst/>
-          </a:prstGeom>
-          <a:ln>
-            <a:tailEnd type="triangle"/>
-          </a:ln>
-        </p:spPr>
-        <p:style>
-          <a:lnRef idx="3">
-            <a:schemeClr val="dk1"/>
-          </a:lnRef>
-          <a:fillRef idx="0">
-            <a:schemeClr val="dk1"/>
-          </a:fillRef>
-          <a:effectRef idx="2">
-            <a:schemeClr val="dk1"/>
-          </a:effectRef>
-          <a:fontRef idx="minor">
-            <a:schemeClr val="tx1"/>
-          </a:fontRef>
-        </p:style>
-      </p:cxnSp>
-      <p:cxnSp>
-        <p:nvCxnSpPr>
-          <p:cNvPr id="12" name="直接箭头连接符 11">
-            <a:extLst>
-              <a:ext uri="{FF2B5EF4-FFF2-40B4-BE49-F238E27FC236}">
-                <a16:creationId xmlns:a16="http://schemas.microsoft.com/office/drawing/2014/main" id="{8B4E2D52-8D98-37AC-598B-C0C30D3CCA22}"/>
-              </a:ext>
-            </a:extLst>
-          </p:cNvPr>
-          <p:cNvCxnSpPr>
-            <a:stCxn id="5" idx="2"/>
-            <a:endCxn id="6" idx="0"/>
-          </p:cNvCxnSpPr>
-          <p:nvPr/>
-        </p:nvCxnSpPr>
-        <p:spPr>
-          <a:xfrm flipH="1">
-            <a:off x="3982600" y="1180132"/>
-            <a:ext cx="1" cy="229914"/>
-          </a:xfrm>
-          <a:prstGeom prst="straightConnector1">
-            <a:avLst/>
-          </a:prstGeom>
-          <a:ln>
-            <a:tailEnd type="triangle"/>
-          </a:ln>
-        </p:spPr>
-        <p:style>
-          <a:lnRef idx="3">
-            <a:schemeClr val="dk1"/>
-          </a:lnRef>
-          <a:fillRef idx="0">
-            <a:schemeClr val="dk1"/>
-          </a:fillRef>
-          <a:effectRef idx="2">
-            <a:schemeClr val="dk1"/>
-          </a:effectRef>
-          <a:fontRef idx="minor">
-            <a:schemeClr val="tx1"/>
-          </a:fontRef>
-        </p:style>
-      </p:cxnSp>
-      <p:cxnSp>
-        <p:nvCxnSpPr>
-          <p:cNvPr id="24" name="直接箭头连接符 23">
-            <a:extLst>
-              <a:ext uri="{FF2B5EF4-FFF2-40B4-BE49-F238E27FC236}">
-                <a16:creationId xmlns:a16="http://schemas.microsoft.com/office/drawing/2014/main" id="{5F9D8953-FF27-4581-3371-2D6F21474200}"/>
-              </a:ext>
-            </a:extLst>
-          </p:cNvPr>
-          <p:cNvCxnSpPr>
-            <a:cxnSpLocks/>
-            <a:stCxn id="7" idx="2"/>
-            <a:endCxn id="8" idx="0"/>
-          </p:cNvCxnSpPr>
-          <p:nvPr/>
-        </p:nvCxnSpPr>
-        <p:spPr>
-          <a:xfrm flipH="1">
-            <a:off x="2949836" y="2703964"/>
-            <a:ext cx="4812" cy="431082"/>
-          </a:xfrm>
-          <a:prstGeom prst="straightConnector1">
-            <a:avLst/>
-          </a:prstGeom>
-          <a:ln>
-            <a:tailEnd type="triangle"/>
-          </a:ln>
-        </p:spPr>
-        <p:style>
-          <a:lnRef idx="3">
-            <a:schemeClr val="dk1"/>
-          </a:lnRef>
-          <a:fillRef idx="0">
-            <a:schemeClr val="dk1"/>
-          </a:fillRef>
-          <a:effectRef idx="2">
-            <a:schemeClr val="dk1"/>
-          </a:effectRef>
-          <a:fontRef idx="minor">
-            <a:schemeClr val="tx1"/>
-          </a:fontRef>
-        </p:style>
-      </p:cxnSp>
-      <p:sp>
-        <p:nvSpPr>
-          <p:cNvPr id="25" name="矩形 24">
-            <a:extLst>
-              <a:ext uri="{FF2B5EF4-FFF2-40B4-BE49-F238E27FC236}">
-                <a16:creationId xmlns:a16="http://schemas.microsoft.com/office/drawing/2014/main" id="{2AB15200-238B-B7DC-B23D-3D763D5B60CF}"/>
-              </a:ext>
-            </a:extLst>
-          </p:cNvPr>
-          <p:cNvSpPr/>
-          <p:nvPr/>
-        </p:nvSpPr>
-        <p:spPr>
-          <a:xfrm>
-            <a:off x="2202586" y="3887070"/>
-            <a:ext cx="1504123" cy="390485"/>
-          </a:xfrm>
-          <a:prstGeom prst="rect">
-            <a:avLst/>
-          </a:prstGeom>
-          <a:solidFill>
-            <a:schemeClr val="bg1"/>
-          </a:solidFill>
-        </p:spPr>
-        <p:style>
-          <a:lnRef idx="2">
-            <a:schemeClr val="accent1">
-              <a:shade val="15000"/>
-            </a:schemeClr>
-          </a:lnRef>
-          <a:fillRef idx="1">
-            <a:schemeClr val="accent1"/>
-          </a:fillRef>
-          <a:effectRef idx="0">
-            <a:schemeClr val="accent1"/>
-          </a:effectRef>
-          <a:fontRef idx="minor">
-            <a:schemeClr val="lt1"/>
-          </a:fontRef>
-        </p:style>
-        <p:txBody>
-          <a:bodyPr rtlCol="0" anchor="ctr"/>
-          <a:lstStyle/>
-          <a:p>
-            <a:pPr algn="ctr"/>
-            <a:r>
-              <a:rPr lang="en-US" altLang="zh-CN" sz="1100" dirty="0">
-                <a:solidFill>
-                  <a:schemeClr val="tx1"/>
-                </a:solidFill>
-                <a:latin typeface="Bahnschrift SemiBold" panose="020B0502040204020203" pitchFamily="34" charset="0"/>
-              </a:rPr>
-              <a:t>Weld Seam Feature Extraction </a:t>
-            </a:r>
-            <a:endParaRPr lang="zh-CN" altLang="en-US" sz="1100" dirty="0">
-              <a:solidFill>
-                <a:schemeClr val="tx1"/>
-              </a:solidFill>
-              <a:latin typeface="Bahnschrift SemiBold" panose="020B0502040204020203" pitchFamily="34" charset="0"/>
-            </a:endParaRPr>
-          </a:p>
-        </p:txBody>
-      </p:sp>
-      <p:cxnSp>
-        <p:nvCxnSpPr>
-          <p:cNvPr id="56" name="直接箭头连接符 55">
-            <a:extLst>
-              <a:ext uri="{FF2B5EF4-FFF2-40B4-BE49-F238E27FC236}">
-                <a16:creationId xmlns:a16="http://schemas.microsoft.com/office/drawing/2014/main" id="{F27256A7-A188-B753-6AA7-9553DDE899E7}"/>
-              </a:ext>
-            </a:extLst>
-          </p:cNvPr>
-          <p:cNvCxnSpPr>
-            <a:stCxn id="8" idx="2"/>
-            <a:endCxn id="25" idx="0"/>
-          </p:cNvCxnSpPr>
-          <p:nvPr/>
-        </p:nvCxnSpPr>
-        <p:spPr>
-          <a:xfrm>
-            <a:off x="2949836" y="3525531"/>
-            <a:ext cx="4812" cy="361539"/>
-          </a:xfrm>
-          <a:prstGeom prst="straightConnector1">
-            <a:avLst/>
-          </a:prstGeom>
-          <a:ln>
-            <a:tailEnd type="triangle"/>
-          </a:ln>
-        </p:spPr>
-        <p:style>
-          <a:lnRef idx="3">
-            <a:schemeClr val="dk1"/>
-          </a:lnRef>
-          <a:fillRef idx="0">
-            <a:schemeClr val="dk1"/>
-          </a:fillRef>
-          <a:effectRef idx="2">
-            <a:schemeClr val="dk1"/>
-          </a:effectRef>
-          <a:fontRef idx="minor">
-            <a:schemeClr val="tx1"/>
-          </a:fontRef>
-        </p:style>
-      </p:cxnSp>
       <p:cxnSp>
         <p:nvCxnSpPr>
           <p:cNvPr id="81" name="连接符: 曲线 80">
@@ -12307,8 +12102,8 @@
         </p:nvCxnSpPr>
         <p:spPr>
           <a:xfrm rot="16200000" flipH="1">
-            <a:off x="2741872" y="4490331"/>
-            <a:ext cx="518021" cy="92468"/>
+            <a:off x="2731091" y="3679837"/>
+            <a:ext cx="552633" cy="115143"/>
           </a:xfrm>
           <a:prstGeom prst="curvedConnector2">
             <a:avLst/>
@@ -12346,7 +12141,7 @@
         </p:nvSpPr>
         <p:spPr>
           <a:xfrm>
-            <a:off x="3047116" y="4520976"/>
+            <a:off x="3064979" y="3739126"/>
             <a:ext cx="1870966" cy="549200"/>
           </a:xfrm>
           <a:prstGeom prst="diamond">
@@ -12410,11 +12205,11 @@
         <p:spPr>
           <a:xfrm flipH="1" flipV="1">
             <a:off x="4734661" y="1605289"/>
-            <a:ext cx="183421" cy="3190287"/>
+            <a:ext cx="201284" cy="2408437"/>
           </a:xfrm>
           <a:prstGeom prst="curvedConnector3">
             <a:avLst>
-              <a:gd name="adj1" fmla="val -124631"/>
+              <a:gd name="adj1" fmla="val -113571"/>
             </a:avLst>
           </a:prstGeom>
           <a:ln>
@@ -12453,7 +12248,7 @@
         </p:nvCxnSpPr>
         <p:spPr>
           <a:xfrm>
-            <a:off x="3982599" y="5070176"/>
+            <a:off x="4000462" y="4288326"/>
             <a:ext cx="0" cy="377778"/>
           </a:xfrm>
           <a:prstGeom prst="straightConnector1">
@@ -12492,7 +12287,7 @@
         </p:nvSpPr>
         <p:spPr>
           <a:xfrm>
-            <a:off x="2856151" y="5478027"/>
+            <a:off x="2866832" y="4695974"/>
             <a:ext cx="2252896" cy="327963"/>
           </a:xfrm>
           <a:prstGeom prst="rect">
@@ -12550,7 +12345,7 @@
         </p:nvSpPr>
         <p:spPr>
           <a:xfrm>
-            <a:off x="3916673" y="5128260"/>
+            <a:off x="3927354" y="4346207"/>
             <a:ext cx="443292" cy="261610"/>
           </a:xfrm>
           <a:prstGeom prst="rect">
@@ -12630,7 +12425,7 @@
         </p:nvSpPr>
         <p:spPr>
           <a:xfrm>
-            <a:off x="3591660" y="6084023"/>
+            <a:off x="3602341" y="5301970"/>
             <a:ext cx="781878" cy="292960"/>
           </a:xfrm>
           <a:prstGeom prst="rect">
@@ -12691,7 +12486,7 @@
         </p:nvCxnSpPr>
         <p:spPr>
           <a:xfrm>
-            <a:off x="3982599" y="5805990"/>
+            <a:off x="3993280" y="5023937"/>
             <a:ext cx="0" cy="278033"/>
           </a:xfrm>
           <a:prstGeom prst="straightConnector1">
@@ -12748,26 +12543,1437 @@
       </p:grpSpPr>
       <p:sp>
         <p:nvSpPr>
-          <p:cNvPr id="2" name="标题 1">
-            <a:extLst>
-              <a:ext uri="{FF2B5EF4-FFF2-40B4-BE49-F238E27FC236}">
-                <a16:creationId xmlns:a16="http://schemas.microsoft.com/office/drawing/2014/main" id="{18B77C73-B6DF-5693-17A8-C62A36DD34E4}"/>
-              </a:ext>
-            </a:extLst>
-          </p:cNvPr>
-          <p:cNvSpPr>
-            <a:spLocks noGrp="1"/>
-          </p:cNvSpPr>
-          <p:nvPr>
-            <p:ph type="title"/>
-          </p:nvPr>
-        </p:nvSpPr>
-        <p:spPr/>
-        <p:txBody>
-          <a:bodyPr/>
-          <a:lstStyle/>
-          <a:p>
-            <a:endParaRPr lang="zh-CN" altLang="en-US" dirty="0"/>
+          <p:cNvPr id="3" name="矩形 2">
+            <a:extLst>
+              <a:ext uri="{FF2B5EF4-FFF2-40B4-BE49-F238E27FC236}">
+                <a16:creationId xmlns:a16="http://schemas.microsoft.com/office/drawing/2014/main" id="{E12E8988-456F-5B41-2883-2E05505AA503}"/>
+              </a:ext>
+            </a:extLst>
+          </p:cNvPr>
+          <p:cNvSpPr/>
+          <p:nvPr/>
+        </p:nvSpPr>
+        <p:spPr>
+          <a:xfrm>
+            <a:off x="687294" y="539376"/>
+            <a:ext cx="10817412" cy="5779247"/>
+          </a:xfrm>
+          <a:prstGeom prst="rect">
+            <a:avLst/>
+          </a:prstGeom>
+          <a:ln w="28575"/>
+        </p:spPr>
+        <p:style>
+          <a:lnRef idx="2">
+            <a:schemeClr val="dk1"/>
+          </a:lnRef>
+          <a:fillRef idx="1">
+            <a:schemeClr val="lt1"/>
+          </a:fillRef>
+          <a:effectRef idx="0">
+            <a:schemeClr val="dk1"/>
+          </a:effectRef>
+          <a:fontRef idx="minor">
+            <a:schemeClr val="dk1"/>
+          </a:fontRef>
+        </p:style>
+        <p:txBody>
+          <a:bodyPr rtlCol="0" anchor="ctr"/>
+          <a:lstStyle/>
+          <a:p>
+            <a:pPr algn="ctr"/>
+            <a:endParaRPr lang="zh-CN" altLang="en-US"/>
+          </a:p>
+        </p:txBody>
+      </p:sp>
+      <p:sp>
+        <p:nvSpPr>
+          <p:cNvPr id="10" name="梯形 9">
+            <a:extLst>
+              <a:ext uri="{FF2B5EF4-FFF2-40B4-BE49-F238E27FC236}">
+                <a16:creationId xmlns:a16="http://schemas.microsoft.com/office/drawing/2014/main" id="{9103EEC8-A639-B6FC-A190-EC41041F711B}"/>
+              </a:ext>
+            </a:extLst>
+          </p:cNvPr>
+          <p:cNvSpPr/>
+          <p:nvPr/>
+        </p:nvSpPr>
+        <p:spPr>
+          <a:xfrm>
+            <a:off x="2211158" y="3275107"/>
+            <a:ext cx="6490584" cy="2384610"/>
+          </a:xfrm>
+          <a:prstGeom prst="trapezoid">
+            <a:avLst/>
+          </a:prstGeom>
+          <a:solidFill>
+            <a:schemeClr val="bg1">
+              <a:lumMod val="85000"/>
+            </a:schemeClr>
+          </a:solidFill>
+          <a:scene3d>
+            <a:camera prst="orthographicFront"/>
+            <a:lightRig rig="threePt" dir="t"/>
+          </a:scene3d>
+          <a:sp3d>
+            <a:bevelT w="165100" prst="coolSlant"/>
+          </a:sp3d>
+        </p:spPr>
+        <p:style>
+          <a:lnRef idx="2">
+            <a:schemeClr val="accent1">
+              <a:shade val="15000"/>
+            </a:schemeClr>
+          </a:lnRef>
+          <a:fillRef idx="1">
+            <a:schemeClr val="accent1"/>
+          </a:fillRef>
+          <a:effectRef idx="0">
+            <a:schemeClr val="accent1"/>
+          </a:effectRef>
+          <a:fontRef idx="minor">
+            <a:schemeClr val="lt1"/>
+          </a:fontRef>
+        </p:style>
+        <p:txBody>
+          <a:bodyPr rtlCol="0" anchor="ctr"/>
+          <a:lstStyle/>
+          <a:p>
+            <a:pPr algn="ctr"/>
+            <a:endParaRPr lang="zh-CN" altLang="en-US"/>
+          </a:p>
+        </p:txBody>
+      </p:sp>
+      <p:sp>
+        <p:nvSpPr>
+          <p:cNvPr id="11" name="矩形 10">
+            <a:extLst>
+              <a:ext uri="{FF2B5EF4-FFF2-40B4-BE49-F238E27FC236}">
+                <a16:creationId xmlns:a16="http://schemas.microsoft.com/office/drawing/2014/main" id="{A13DDB27-ED6D-0282-F229-DAA05783D047}"/>
+              </a:ext>
+            </a:extLst>
+          </p:cNvPr>
+          <p:cNvSpPr/>
+          <p:nvPr/>
+        </p:nvSpPr>
+        <p:spPr>
+          <a:xfrm>
+            <a:off x="2608662" y="4279153"/>
+            <a:ext cx="5695576" cy="125505"/>
+          </a:xfrm>
+          <a:prstGeom prst="rect">
+            <a:avLst/>
+          </a:prstGeom>
+          <a:solidFill>
+            <a:schemeClr val="tx1"/>
+          </a:solidFill>
+        </p:spPr>
+        <p:style>
+          <a:lnRef idx="2">
+            <a:schemeClr val="accent1">
+              <a:shade val="15000"/>
+            </a:schemeClr>
+          </a:lnRef>
+          <a:fillRef idx="1">
+            <a:schemeClr val="accent1"/>
+          </a:fillRef>
+          <a:effectRef idx="0">
+            <a:schemeClr val="accent1"/>
+          </a:effectRef>
+          <a:fontRef idx="minor">
+            <a:schemeClr val="lt1"/>
+          </a:fontRef>
+        </p:style>
+        <p:txBody>
+          <a:bodyPr rtlCol="0" anchor="ctr"/>
+          <a:lstStyle/>
+          <a:p>
+            <a:pPr algn="ctr"/>
+            <a:endParaRPr lang="zh-CN" altLang="en-US"/>
+          </a:p>
+        </p:txBody>
+      </p:sp>
+      <p:pic>
+        <p:nvPicPr>
+          <p:cNvPr id="5" name="图片 4">
+            <a:extLst>
+              <a:ext uri="{FF2B5EF4-FFF2-40B4-BE49-F238E27FC236}">
+                <a16:creationId xmlns:a16="http://schemas.microsoft.com/office/drawing/2014/main" id="{729498AE-C861-03F9-D566-5211EF6BF412}"/>
+              </a:ext>
+            </a:extLst>
+          </p:cNvPr>
+          <p:cNvPicPr>
+            <a:picLocks noChangeAspect="1"/>
+          </p:cNvPicPr>
+          <p:nvPr/>
+        </p:nvPicPr>
+        <p:blipFill>
+          <a:blip r:embed="rId2">
+            <a:extLst>
+              <a:ext uri="{28A0092B-C50C-407E-A947-70E740481C1C}">
+                <a14:useLocalDpi xmlns:a14="http://schemas.microsoft.com/office/drawing/2010/main" val="0"/>
+              </a:ext>
+            </a:extLst>
+          </a:blip>
+          <a:stretch>
+            <a:fillRect/>
+          </a:stretch>
+        </p:blipFill>
+        <p:spPr>
+          <a:xfrm>
+            <a:off x="4884491" y="1894632"/>
+            <a:ext cx="4016003" cy="4016003"/>
+          </a:xfrm>
+          <a:prstGeom prst="rect">
+            <a:avLst/>
+          </a:prstGeom>
+        </p:spPr>
+      </p:pic>
+      <p:sp>
+        <p:nvSpPr>
+          <p:cNvPr id="7" name="矩形: 圆角 6">
+            <a:extLst>
+              <a:ext uri="{FF2B5EF4-FFF2-40B4-BE49-F238E27FC236}">
+                <a16:creationId xmlns:a16="http://schemas.microsoft.com/office/drawing/2014/main" id="{64AFCCBA-F654-42C2-87ED-17F5EDD6570B}"/>
+              </a:ext>
+            </a:extLst>
+          </p:cNvPr>
+          <p:cNvSpPr/>
+          <p:nvPr/>
+        </p:nvSpPr>
+        <p:spPr>
+          <a:xfrm>
+            <a:off x="9061994" y="1021976"/>
+            <a:ext cx="699248" cy="1589741"/>
+          </a:xfrm>
+          <a:prstGeom prst="roundRect">
+            <a:avLst/>
+          </a:prstGeom>
+          <a:solidFill>
+            <a:schemeClr val="bg2"/>
+          </a:solidFill>
+        </p:spPr>
+        <p:style>
+          <a:lnRef idx="2">
+            <a:schemeClr val="dk1"/>
+          </a:lnRef>
+          <a:fillRef idx="1">
+            <a:schemeClr val="lt1"/>
+          </a:fillRef>
+          <a:effectRef idx="0">
+            <a:schemeClr val="dk1"/>
+          </a:effectRef>
+          <a:fontRef idx="minor">
+            <a:schemeClr val="dk1"/>
+          </a:fontRef>
+        </p:style>
+        <p:txBody>
+          <a:bodyPr rtlCol="0" anchor="ctr"/>
+          <a:lstStyle/>
+          <a:p>
+            <a:pPr algn="ctr"/>
+            <a:r>
+              <a:rPr lang="en-US" altLang="zh-CN" sz="1400" dirty="0" err="1">
+                <a:solidFill>
+                  <a:schemeClr val="tx1"/>
+                </a:solidFill>
+                <a:latin typeface="Bahnschrift SemiBold" panose="020B0502040204020203" pitchFamily="34" charset="0"/>
+              </a:rPr>
+              <a:t>Ar</a:t>
+            </a:r>
+            <a:endParaRPr lang="en-US" altLang="zh-CN" sz="1400" dirty="0">
+              <a:solidFill>
+                <a:schemeClr val="tx1"/>
+              </a:solidFill>
+              <a:latin typeface="Bahnschrift SemiBold" panose="020B0502040204020203" pitchFamily="34" charset="0"/>
+            </a:endParaRPr>
+          </a:p>
+          <a:p>
+            <a:pPr algn="ctr"/>
+            <a:r>
+              <a:rPr lang="en-US" altLang="zh-CN" sz="1400" dirty="0">
+                <a:solidFill>
+                  <a:schemeClr val="tx1"/>
+                </a:solidFill>
+                <a:latin typeface="Bahnschrift SemiBold" panose="020B0502040204020203" pitchFamily="34" charset="0"/>
+              </a:rPr>
+              <a:t>Gas</a:t>
+            </a:r>
+            <a:endParaRPr lang="zh-CN" altLang="en-US" sz="1400" dirty="0">
+              <a:solidFill>
+                <a:schemeClr val="tx1"/>
+              </a:solidFill>
+              <a:latin typeface="Bahnschrift SemiBold" panose="020B0502040204020203" pitchFamily="34" charset="0"/>
+            </a:endParaRPr>
+          </a:p>
+        </p:txBody>
+      </p:sp>
+      <p:sp>
+        <p:nvSpPr>
+          <p:cNvPr id="8" name="矩形 7">
+            <a:extLst>
+              <a:ext uri="{FF2B5EF4-FFF2-40B4-BE49-F238E27FC236}">
+                <a16:creationId xmlns:a16="http://schemas.microsoft.com/office/drawing/2014/main" id="{35B2A23A-069E-1EE9-DB0C-FB9BC545FA5A}"/>
+              </a:ext>
+            </a:extLst>
+          </p:cNvPr>
+          <p:cNvSpPr/>
+          <p:nvPr/>
+        </p:nvSpPr>
+        <p:spPr>
+          <a:xfrm>
+            <a:off x="9256229" y="914400"/>
+            <a:ext cx="310777" cy="107576"/>
+          </a:xfrm>
+          <a:prstGeom prst="rect">
+            <a:avLst/>
+          </a:prstGeom>
+        </p:spPr>
+        <p:style>
+          <a:lnRef idx="2">
+            <a:schemeClr val="accent1">
+              <a:shade val="15000"/>
+            </a:schemeClr>
+          </a:lnRef>
+          <a:fillRef idx="1">
+            <a:schemeClr val="accent1"/>
+          </a:fillRef>
+          <a:effectRef idx="0">
+            <a:schemeClr val="accent1"/>
+          </a:effectRef>
+          <a:fontRef idx="minor">
+            <a:schemeClr val="lt1"/>
+          </a:fontRef>
+        </p:style>
+        <p:txBody>
+          <a:bodyPr rtlCol="0" anchor="ctr"/>
+          <a:lstStyle/>
+          <a:p>
+            <a:pPr algn="ctr"/>
+            <a:endParaRPr lang="zh-CN" altLang="en-US"/>
+          </a:p>
+        </p:txBody>
+      </p:sp>
+      <p:sp>
+        <p:nvSpPr>
+          <p:cNvPr id="12" name="文本框 11">
+            <a:extLst>
+              <a:ext uri="{FF2B5EF4-FFF2-40B4-BE49-F238E27FC236}">
+                <a16:creationId xmlns:a16="http://schemas.microsoft.com/office/drawing/2014/main" id="{A6835A89-B995-2C84-9685-9C0531B831FF}"/>
+              </a:ext>
+            </a:extLst>
+          </p:cNvPr>
+          <p:cNvSpPr txBox="1"/>
+          <p:nvPr/>
+        </p:nvSpPr>
+        <p:spPr>
+          <a:xfrm>
+            <a:off x="6759388" y="5013386"/>
+            <a:ext cx="1544850" cy="307777"/>
+          </a:xfrm>
+          <a:prstGeom prst="rect">
+            <a:avLst/>
+          </a:prstGeom>
+          <a:noFill/>
+        </p:spPr>
+        <p:txBody>
+          <a:bodyPr wrap="square" rtlCol="0">
+            <a:spAutoFit/>
+          </a:bodyPr>
+          <a:lstStyle/>
+          <a:p>
+            <a:r>
+              <a:rPr lang="en-US" altLang="zh-CN" sz="1400" dirty="0">
+                <a:latin typeface="Bahnschrift SemiBold" panose="020B0502040204020203" pitchFamily="34" charset="0"/>
+              </a:rPr>
+              <a:t>Weld Robot</a:t>
+            </a:r>
+            <a:endParaRPr lang="zh-CN" altLang="en-US" sz="1400" dirty="0">
+              <a:latin typeface="Bahnschrift SemiBold" panose="020B0502040204020203" pitchFamily="34" charset="0"/>
+            </a:endParaRPr>
+          </a:p>
+        </p:txBody>
+      </p:sp>
+      <p:sp>
+        <p:nvSpPr>
+          <p:cNvPr id="13" name="矩形 12">
+            <a:extLst>
+              <a:ext uri="{FF2B5EF4-FFF2-40B4-BE49-F238E27FC236}">
+                <a16:creationId xmlns:a16="http://schemas.microsoft.com/office/drawing/2014/main" id="{A1F2CD61-B8A2-E8CF-ACF2-EA18C0824B5E}"/>
+              </a:ext>
+            </a:extLst>
+          </p:cNvPr>
+          <p:cNvSpPr/>
+          <p:nvPr/>
+        </p:nvSpPr>
+        <p:spPr>
+          <a:xfrm>
+            <a:off x="776807" y="680491"/>
+            <a:ext cx="2330824" cy="1447179"/>
+          </a:xfrm>
+          <a:prstGeom prst="rect">
+            <a:avLst/>
+          </a:prstGeom>
+          <a:solidFill>
+            <a:schemeClr val="bg1"/>
+          </a:solidFill>
+        </p:spPr>
+        <p:style>
+          <a:lnRef idx="2">
+            <a:schemeClr val="accent1">
+              <a:shade val="15000"/>
+            </a:schemeClr>
+          </a:lnRef>
+          <a:fillRef idx="1">
+            <a:schemeClr val="accent1"/>
+          </a:fillRef>
+          <a:effectRef idx="0">
+            <a:schemeClr val="accent1"/>
+          </a:effectRef>
+          <a:fontRef idx="minor">
+            <a:schemeClr val="lt1"/>
+          </a:fontRef>
+        </p:style>
+        <p:txBody>
+          <a:bodyPr rtlCol="0" anchor="ctr"/>
+          <a:lstStyle/>
+          <a:p>
+            <a:pPr algn="ctr"/>
+            <a:r>
+              <a:rPr lang="en-US" altLang="zh-CN" sz="1400" dirty="0">
+                <a:solidFill>
+                  <a:schemeClr val="tx1"/>
+                </a:solidFill>
+                <a:latin typeface="Bahnschrift SemiBold" panose="020B0502040204020203" pitchFamily="34" charset="0"/>
+              </a:rPr>
+              <a:t>Control  System</a:t>
+            </a:r>
+          </a:p>
+          <a:p>
+            <a:pPr algn="ctr"/>
+            <a:endParaRPr lang="en-US" altLang="zh-CN" dirty="0">
+              <a:solidFill>
+                <a:schemeClr val="tx1"/>
+              </a:solidFill>
+            </a:endParaRPr>
+          </a:p>
+          <a:p>
+            <a:pPr algn="ctr"/>
+            <a:endParaRPr lang="en-US" altLang="zh-CN" dirty="0">
+              <a:solidFill>
+                <a:schemeClr val="tx1"/>
+              </a:solidFill>
+            </a:endParaRPr>
+          </a:p>
+          <a:p>
+            <a:pPr algn="ctr"/>
+            <a:endParaRPr lang="zh-CN" altLang="en-US" dirty="0">
+              <a:solidFill>
+                <a:schemeClr val="tx1"/>
+              </a:solidFill>
+            </a:endParaRPr>
+          </a:p>
+        </p:txBody>
+      </p:sp>
+      <p:sp>
+        <p:nvSpPr>
+          <p:cNvPr id="14" name="矩形: 圆角 13">
+            <a:extLst>
+              <a:ext uri="{FF2B5EF4-FFF2-40B4-BE49-F238E27FC236}">
+                <a16:creationId xmlns:a16="http://schemas.microsoft.com/office/drawing/2014/main" id="{4D8E3424-C5B3-0607-C59E-E5C179DACA26}"/>
+              </a:ext>
+            </a:extLst>
+          </p:cNvPr>
+          <p:cNvSpPr/>
+          <p:nvPr/>
+        </p:nvSpPr>
+        <p:spPr>
+          <a:xfrm>
+            <a:off x="5264765" y="1804893"/>
+            <a:ext cx="1355175" cy="806824"/>
+          </a:xfrm>
+          <a:prstGeom prst="roundRect">
+            <a:avLst/>
+          </a:prstGeom>
+          <a:solidFill>
+            <a:schemeClr val="accent1">
+              <a:lumMod val="60000"/>
+              <a:lumOff val="40000"/>
+            </a:schemeClr>
+          </a:solidFill>
+        </p:spPr>
+        <p:style>
+          <a:lnRef idx="2">
+            <a:schemeClr val="accent1">
+              <a:shade val="15000"/>
+            </a:schemeClr>
+          </a:lnRef>
+          <a:fillRef idx="1">
+            <a:schemeClr val="accent1"/>
+          </a:fillRef>
+          <a:effectRef idx="0">
+            <a:schemeClr val="accent1"/>
+          </a:effectRef>
+          <a:fontRef idx="minor">
+            <a:schemeClr val="lt1"/>
+          </a:fontRef>
+        </p:style>
+        <p:txBody>
+          <a:bodyPr rtlCol="0" anchor="ctr"/>
+          <a:lstStyle/>
+          <a:p>
+            <a:pPr algn="ctr"/>
+            <a:r>
+              <a:rPr lang="en-US" altLang="zh-CN" sz="1400" dirty="0">
+                <a:solidFill>
+                  <a:schemeClr val="tx1"/>
+                </a:solidFill>
+                <a:latin typeface="Bahnschrift SemiBold" panose="020B0502040204020203" pitchFamily="34" charset="0"/>
+              </a:rPr>
+              <a:t>Wire Feeder</a:t>
+            </a:r>
+            <a:endParaRPr lang="zh-CN" altLang="en-US" sz="1400" dirty="0">
+              <a:solidFill>
+                <a:schemeClr val="tx1"/>
+              </a:solidFill>
+              <a:latin typeface="Bahnschrift SemiBold" panose="020B0502040204020203" pitchFamily="34" charset="0"/>
+            </a:endParaRPr>
+          </a:p>
+        </p:txBody>
+      </p:sp>
+      <p:sp>
+        <p:nvSpPr>
+          <p:cNvPr id="15" name="矩形: 圆角 14">
+            <a:extLst>
+              <a:ext uri="{FF2B5EF4-FFF2-40B4-BE49-F238E27FC236}">
+                <a16:creationId xmlns:a16="http://schemas.microsoft.com/office/drawing/2014/main" id="{3D558361-8D61-B6D5-8CED-2462F6990637}"/>
+              </a:ext>
+            </a:extLst>
+          </p:cNvPr>
+          <p:cNvSpPr/>
+          <p:nvPr/>
+        </p:nvSpPr>
+        <p:spPr>
+          <a:xfrm>
+            <a:off x="7119112" y="1804893"/>
+            <a:ext cx="1422723" cy="806824"/>
+          </a:xfrm>
+          <a:prstGeom prst="roundRect">
+            <a:avLst/>
+          </a:prstGeom>
+          <a:solidFill>
+            <a:schemeClr val="accent1">
+              <a:lumMod val="60000"/>
+              <a:lumOff val="40000"/>
+            </a:schemeClr>
+          </a:solidFill>
+        </p:spPr>
+        <p:style>
+          <a:lnRef idx="2">
+            <a:schemeClr val="accent1">
+              <a:shade val="15000"/>
+            </a:schemeClr>
+          </a:lnRef>
+          <a:fillRef idx="1">
+            <a:schemeClr val="accent1"/>
+          </a:fillRef>
+          <a:effectRef idx="0">
+            <a:schemeClr val="accent1"/>
+          </a:effectRef>
+          <a:fontRef idx="minor">
+            <a:schemeClr val="lt1"/>
+          </a:fontRef>
+        </p:style>
+        <p:txBody>
+          <a:bodyPr rtlCol="0" anchor="ctr"/>
+          <a:lstStyle/>
+          <a:p>
+            <a:pPr algn="ctr"/>
+            <a:r>
+              <a:rPr lang="en-US" altLang="zh-CN" sz="1400" dirty="0">
+                <a:solidFill>
+                  <a:schemeClr val="tx1"/>
+                </a:solidFill>
+                <a:latin typeface="Bahnschrift SemiBold" panose="020B0502040204020203" pitchFamily="34" charset="0"/>
+              </a:rPr>
+              <a:t>Argon Arc Welder </a:t>
+            </a:r>
+            <a:endParaRPr lang="zh-CN" altLang="en-US" sz="1400" dirty="0">
+              <a:solidFill>
+                <a:schemeClr val="tx1"/>
+              </a:solidFill>
+              <a:latin typeface="Bahnschrift SemiBold" panose="020B0502040204020203" pitchFamily="34" charset="0"/>
+            </a:endParaRPr>
+          </a:p>
+        </p:txBody>
+      </p:sp>
+      <p:pic>
+        <p:nvPicPr>
+          <p:cNvPr id="17" name="图形 16" descr="计算机 纯色填充">
+            <a:extLst>
+              <a:ext uri="{FF2B5EF4-FFF2-40B4-BE49-F238E27FC236}">
+                <a16:creationId xmlns:a16="http://schemas.microsoft.com/office/drawing/2014/main" id="{EA61BD55-474F-4753-B3ED-25819B9C4AD5}"/>
+              </a:ext>
+            </a:extLst>
+          </p:cNvPr>
+          <p:cNvPicPr>
+            <a:picLocks noChangeAspect="1"/>
+          </p:cNvPicPr>
+          <p:nvPr/>
+        </p:nvPicPr>
+        <p:blipFill>
+          <a:blip r:embed="rId3">
+            <a:extLst>
+              <a:ext uri="{96DAC541-7B7A-43D3-8B79-37D633B846F1}">
+                <asvg:svgBlip xmlns:asvg="http://schemas.microsoft.com/office/drawing/2016/SVG/main" r:embed="rId4"/>
+              </a:ext>
+            </a:extLst>
+          </a:blip>
+          <a:stretch>
+            <a:fillRect/>
+          </a:stretch>
+        </p:blipFill>
+        <p:spPr>
+          <a:xfrm>
+            <a:off x="1452470" y="1213270"/>
+            <a:ext cx="914400" cy="914400"/>
+          </a:xfrm>
+          <a:prstGeom prst="rect">
+            <a:avLst/>
+          </a:prstGeom>
+        </p:spPr>
+      </p:pic>
+      <p:pic>
+        <p:nvPicPr>
+          <p:cNvPr id="19" name="图形 18" descr="照相机 纯色填充">
+            <a:extLst>
+              <a:ext uri="{FF2B5EF4-FFF2-40B4-BE49-F238E27FC236}">
+                <a16:creationId xmlns:a16="http://schemas.microsoft.com/office/drawing/2014/main" id="{2CA00E37-5990-5AE8-9C99-CE3B307F23F8}"/>
+              </a:ext>
+            </a:extLst>
+          </p:cNvPr>
+          <p:cNvPicPr>
+            <a:picLocks noChangeAspect="1"/>
+          </p:cNvPicPr>
+          <p:nvPr/>
+        </p:nvPicPr>
+        <p:blipFill>
+          <a:blip r:embed="rId5">
+            <a:extLst>
+              <a:ext uri="{96DAC541-7B7A-43D3-8B79-37D633B846F1}">
+                <asvg:svgBlip xmlns:asvg="http://schemas.microsoft.com/office/drawing/2016/SVG/main" r:embed="rId6"/>
+              </a:ext>
+            </a:extLst>
+          </a:blip>
+          <a:stretch>
+            <a:fillRect/>
+          </a:stretch>
+        </p:blipFill>
+        <p:spPr>
+          <a:xfrm>
+            <a:off x="2483225" y="3179045"/>
+            <a:ext cx="914400" cy="914400"/>
+          </a:xfrm>
+          <a:prstGeom prst="rect">
+            <a:avLst/>
+          </a:prstGeom>
+        </p:spPr>
+      </p:pic>
+      <p:sp>
+        <p:nvSpPr>
+          <p:cNvPr id="20" name="文本框 19">
+            <a:extLst>
+              <a:ext uri="{FF2B5EF4-FFF2-40B4-BE49-F238E27FC236}">
+                <a16:creationId xmlns:a16="http://schemas.microsoft.com/office/drawing/2014/main" id="{F8802E22-4280-FCBD-8AC2-D83AE8A72D70}"/>
+              </a:ext>
+            </a:extLst>
+          </p:cNvPr>
+          <p:cNvSpPr txBox="1"/>
+          <p:nvPr/>
+        </p:nvSpPr>
+        <p:spPr>
+          <a:xfrm>
+            <a:off x="4660188" y="5254815"/>
+            <a:ext cx="1544850" cy="307777"/>
+          </a:xfrm>
+          <a:prstGeom prst="rect">
+            <a:avLst/>
+          </a:prstGeom>
+          <a:noFill/>
+        </p:spPr>
+        <p:txBody>
+          <a:bodyPr wrap="square" rtlCol="0">
+            <a:spAutoFit/>
+          </a:bodyPr>
+          <a:lstStyle/>
+          <a:p>
+            <a:r>
+              <a:rPr lang="en-US" altLang="zh-CN" sz="1400" dirty="0">
+                <a:latin typeface="Bahnschrift SemiBold" panose="020B0502040204020203" pitchFamily="34" charset="0"/>
+              </a:rPr>
+              <a:t>Weld Test Plate</a:t>
+            </a:r>
+            <a:endParaRPr lang="zh-CN" altLang="en-US" sz="1400" dirty="0">
+              <a:latin typeface="Bahnschrift SemiBold" panose="020B0502040204020203" pitchFamily="34" charset="0"/>
+            </a:endParaRPr>
+          </a:p>
+        </p:txBody>
+      </p:sp>
+      <p:cxnSp>
+        <p:nvCxnSpPr>
+          <p:cNvPr id="22" name="直接连接符 21">
+            <a:extLst>
+              <a:ext uri="{FF2B5EF4-FFF2-40B4-BE49-F238E27FC236}">
+                <a16:creationId xmlns:a16="http://schemas.microsoft.com/office/drawing/2014/main" id="{76421859-6513-C509-A5FE-3FB6A230A5EF}"/>
+              </a:ext>
+            </a:extLst>
+          </p:cNvPr>
+          <p:cNvCxnSpPr/>
+          <p:nvPr/>
+        </p:nvCxnSpPr>
+        <p:spPr>
+          <a:xfrm flipV="1">
+            <a:off x="9411617" y="680491"/>
+            <a:ext cx="0" cy="180121"/>
+          </a:xfrm>
+          <a:prstGeom prst="line">
+            <a:avLst/>
+          </a:prstGeom>
+        </p:spPr>
+        <p:style>
+          <a:lnRef idx="3">
+            <a:schemeClr val="dk1"/>
+          </a:lnRef>
+          <a:fillRef idx="0">
+            <a:schemeClr val="dk1"/>
+          </a:fillRef>
+          <a:effectRef idx="2">
+            <a:schemeClr val="dk1"/>
+          </a:effectRef>
+          <a:fontRef idx="minor">
+            <a:schemeClr val="tx1"/>
+          </a:fontRef>
+        </p:style>
+      </p:cxnSp>
+      <p:cxnSp>
+        <p:nvCxnSpPr>
+          <p:cNvPr id="24" name="直接连接符 23">
+            <a:extLst>
+              <a:ext uri="{FF2B5EF4-FFF2-40B4-BE49-F238E27FC236}">
+                <a16:creationId xmlns:a16="http://schemas.microsoft.com/office/drawing/2014/main" id="{7F804948-EDD0-A43D-3EC7-D918DF84A8A4}"/>
+              </a:ext>
+            </a:extLst>
+          </p:cNvPr>
+          <p:cNvCxnSpPr/>
+          <p:nvPr/>
+        </p:nvCxnSpPr>
+        <p:spPr>
+          <a:xfrm flipH="1">
+            <a:off x="8056282" y="680491"/>
+            <a:ext cx="1355335" cy="0"/>
+          </a:xfrm>
+          <a:prstGeom prst="line">
+            <a:avLst/>
+          </a:prstGeom>
+        </p:spPr>
+        <p:style>
+          <a:lnRef idx="3">
+            <a:schemeClr val="dk1"/>
+          </a:lnRef>
+          <a:fillRef idx="0">
+            <a:schemeClr val="dk1"/>
+          </a:fillRef>
+          <a:effectRef idx="2">
+            <a:schemeClr val="dk1"/>
+          </a:effectRef>
+          <a:fontRef idx="minor">
+            <a:schemeClr val="tx1"/>
+          </a:fontRef>
+        </p:style>
+      </p:cxnSp>
+      <p:cxnSp>
+        <p:nvCxnSpPr>
+          <p:cNvPr id="26" name="直接连接符 25">
+            <a:extLst>
+              <a:ext uri="{FF2B5EF4-FFF2-40B4-BE49-F238E27FC236}">
+                <a16:creationId xmlns:a16="http://schemas.microsoft.com/office/drawing/2014/main" id="{E6B3A00A-91F0-4311-D873-27968532ADCD}"/>
+              </a:ext>
+            </a:extLst>
+          </p:cNvPr>
+          <p:cNvCxnSpPr/>
+          <p:nvPr/>
+        </p:nvCxnSpPr>
+        <p:spPr>
+          <a:xfrm>
+            <a:off x="8056282" y="680491"/>
+            <a:ext cx="0" cy="1124402"/>
+          </a:xfrm>
+          <a:prstGeom prst="line">
+            <a:avLst/>
+          </a:prstGeom>
+        </p:spPr>
+        <p:style>
+          <a:lnRef idx="3">
+            <a:schemeClr val="dk1"/>
+          </a:lnRef>
+          <a:fillRef idx="0">
+            <a:schemeClr val="dk1"/>
+          </a:fillRef>
+          <a:effectRef idx="2">
+            <a:schemeClr val="dk1"/>
+          </a:effectRef>
+          <a:fontRef idx="minor">
+            <a:schemeClr val="tx1"/>
+          </a:fontRef>
+        </p:style>
+      </p:cxnSp>
+      <p:cxnSp>
+        <p:nvCxnSpPr>
+          <p:cNvPr id="30" name="直接连接符 29">
+            <a:extLst>
+              <a:ext uri="{FF2B5EF4-FFF2-40B4-BE49-F238E27FC236}">
+                <a16:creationId xmlns:a16="http://schemas.microsoft.com/office/drawing/2014/main" id="{5ACDD530-9BBE-CF9E-99B2-C29819E43462}"/>
+              </a:ext>
+            </a:extLst>
+          </p:cNvPr>
+          <p:cNvCxnSpPr/>
+          <p:nvPr/>
+        </p:nvCxnSpPr>
+        <p:spPr>
+          <a:xfrm flipH="1">
+            <a:off x="3107631" y="1213270"/>
+            <a:ext cx="4948651" cy="0"/>
+          </a:xfrm>
+          <a:prstGeom prst="line">
+            <a:avLst/>
+          </a:prstGeom>
+        </p:spPr>
+        <p:style>
+          <a:lnRef idx="3">
+            <a:schemeClr val="dk1"/>
+          </a:lnRef>
+          <a:fillRef idx="0">
+            <a:schemeClr val="dk1"/>
+          </a:fillRef>
+          <a:effectRef idx="2">
+            <a:schemeClr val="dk1"/>
+          </a:effectRef>
+          <a:fontRef idx="minor">
+            <a:schemeClr val="tx1"/>
+          </a:fontRef>
+        </p:style>
+      </p:cxnSp>
+      <p:cxnSp>
+        <p:nvCxnSpPr>
+          <p:cNvPr id="32" name="直接连接符 31">
+            <a:extLst>
+              <a:ext uri="{FF2B5EF4-FFF2-40B4-BE49-F238E27FC236}">
+                <a16:creationId xmlns:a16="http://schemas.microsoft.com/office/drawing/2014/main" id="{9CBEF3EA-B212-D9D0-A69B-8F95F1AED38C}"/>
+              </a:ext>
+            </a:extLst>
+          </p:cNvPr>
+          <p:cNvCxnSpPr/>
+          <p:nvPr/>
+        </p:nvCxnSpPr>
+        <p:spPr>
+          <a:xfrm>
+            <a:off x="8541835" y="2208305"/>
+            <a:ext cx="303341" cy="0"/>
+          </a:xfrm>
+          <a:prstGeom prst="line">
+            <a:avLst/>
+          </a:prstGeom>
+        </p:spPr>
+        <p:style>
+          <a:lnRef idx="3">
+            <a:schemeClr val="dk1"/>
+          </a:lnRef>
+          <a:fillRef idx="0">
+            <a:schemeClr val="dk1"/>
+          </a:fillRef>
+          <a:effectRef idx="2">
+            <a:schemeClr val="dk1"/>
+          </a:effectRef>
+          <a:fontRef idx="minor">
+            <a:schemeClr val="tx1"/>
+          </a:fontRef>
+        </p:style>
+      </p:cxnSp>
+      <p:cxnSp>
+        <p:nvCxnSpPr>
+          <p:cNvPr id="34" name="直接连接符 33">
+            <a:extLst>
+              <a:ext uri="{FF2B5EF4-FFF2-40B4-BE49-F238E27FC236}">
+                <a16:creationId xmlns:a16="http://schemas.microsoft.com/office/drawing/2014/main" id="{B78348C7-913D-8C23-6865-58D568D563BF}"/>
+              </a:ext>
+            </a:extLst>
+          </p:cNvPr>
+          <p:cNvCxnSpPr>
+            <a:cxnSpLocks/>
+          </p:cNvCxnSpPr>
+          <p:nvPr/>
+        </p:nvCxnSpPr>
+        <p:spPr>
+          <a:xfrm flipH="1">
+            <a:off x="8839200" y="2208305"/>
+            <a:ext cx="5976" cy="2026025"/>
+          </a:xfrm>
+          <a:prstGeom prst="line">
+            <a:avLst/>
+          </a:prstGeom>
+        </p:spPr>
+        <p:style>
+          <a:lnRef idx="3">
+            <a:schemeClr val="dk1"/>
+          </a:lnRef>
+          <a:fillRef idx="0">
+            <a:schemeClr val="dk1"/>
+          </a:fillRef>
+          <a:effectRef idx="2">
+            <a:schemeClr val="dk1"/>
+          </a:effectRef>
+          <a:fontRef idx="minor">
+            <a:schemeClr val="tx1"/>
+          </a:fontRef>
+        </p:style>
+      </p:cxnSp>
+      <p:cxnSp>
+        <p:nvCxnSpPr>
+          <p:cNvPr id="36" name="直接连接符 35">
+            <a:extLst>
+              <a:ext uri="{FF2B5EF4-FFF2-40B4-BE49-F238E27FC236}">
+                <a16:creationId xmlns:a16="http://schemas.microsoft.com/office/drawing/2014/main" id="{9ADD00FA-6D31-947B-99BF-574D766F9B99}"/>
+              </a:ext>
+            </a:extLst>
+          </p:cNvPr>
+          <p:cNvCxnSpPr>
+            <a:cxnSpLocks/>
+          </p:cNvCxnSpPr>
+          <p:nvPr/>
+        </p:nvCxnSpPr>
+        <p:spPr>
+          <a:xfrm>
+            <a:off x="7960659" y="4234330"/>
+            <a:ext cx="884517" cy="0"/>
+          </a:xfrm>
+          <a:prstGeom prst="line">
+            <a:avLst/>
+          </a:prstGeom>
+        </p:spPr>
+        <p:style>
+          <a:lnRef idx="3">
+            <a:schemeClr val="dk1"/>
+          </a:lnRef>
+          <a:fillRef idx="0">
+            <a:schemeClr val="dk1"/>
+          </a:fillRef>
+          <a:effectRef idx="2">
+            <a:schemeClr val="dk1"/>
+          </a:effectRef>
+          <a:fontRef idx="minor">
+            <a:schemeClr val="tx1"/>
+          </a:fontRef>
+        </p:style>
+      </p:cxnSp>
+      <p:cxnSp>
+        <p:nvCxnSpPr>
+          <p:cNvPr id="39" name="直接连接符 38">
+            <a:extLst>
+              <a:ext uri="{FF2B5EF4-FFF2-40B4-BE49-F238E27FC236}">
+                <a16:creationId xmlns:a16="http://schemas.microsoft.com/office/drawing/2014/main" id="{4AF26D21-F3FA-2549-2DC2-F9E5FDBA70B6}"/>
+              </a:ext>
+            </a:extLst>
+          </p:cNvPr>
+          <p:cNvCxnSpPr>
+            <a:stCxn id="14" idx="3"/>
+            <a:endCxn id="15" idx="1"/>
+          </p:cNvCxnSpPr>
+          <p:nvPr/>
+        </p:nvCxnSpPr>
+        <p:spPr>
+          <a:xfrm>
+            <a:off x="6619940" y="2208305"/>
+            <a:ext cx="499172" cy="0"/>
+          </a:xfrm>
+          <a:prstGeom prst="line">
+            <a:avLst/>
+          </a:prstGeom>
+        </p:spPr>
+        <p:style>
+          <a:lnRef idx="3">
+            <a:schemeClr val="dk1"/>
+          </a:lnRef>
+          <a:fillRef idx="0">
+            <a:schemeClr val="dk1"/>
+          </a:fillRef>
+          <a:effectRef idx="2">
+            <a:schemeClr val="dk1"/>
+          </a:effectRef>
+          <a:fontRef idx="minor">
+            <a:schemeClr val="tx1"/>
+          </a:fontRef>
+        </p:style>
+      </p:cxnSp>
+      <p:cxnSp>
+        <p:nvCxnSpPr>
+          <p:cNvPr id="42" name="直接连接符 41">
+            <a:extLst>
+              <a:ext uri="{FF2B5EF4-FFF2-40B4-BE49-F238E27FC236}">
+                <a16:creationId xmlns:a16="http://schemas.microsoft.com/office/drawing/2014/main" id="{4C444AA2-E63C-5EBF-0C08-C4A8AECB8D3F}"/>
+              </a:ext>
+            </a:extLst>
+          </p:cNvPr>
+          <p:cNvCxnSpPr/>
+          <p:nvPr/>
+        </p:nvCxnSpPr>
+        <p:spPr>
+          <a:xfrm>
+            <a:off x="7715624" y="2611717"/>
+            <a:ext cx="0" cy="708213"/>
+          </a:xfrm>
+          <a:prstGeom prst="line">
+            <a:avLst/>
+          </a:prstGeom>
+        </p:spPr>
+        <p:style>
+          <a:lnRef idx="3">
+            <a:schemeClr val="dk1"/>
+          </a:lnRef>
+          <a:fillRef idx="0">
+            <a:schemeClr val="dk1"/>
+          </a:fillRef>
+          <a:effectRef idx="2">
+            <a:schemeClr val="dk1"/>
+          </a:effectRef>
+          <a:fontRef idx="minor">
+            <a:schemeClr val="tx1"/>
+          </a:fontRef>
+        </p:style>
+      </p:cxnSp>
+      <p:cxnSp>
+        <p:nvCxnSpPr>
+          <p:cNvPr id="44" name="连接符: 肘形 43">
+            <a:extLst>
+              <a:ext uri="{FF2B5EF4-FFF2-40B4-BE49-F238E27FC236}">
+                <a16:creationId xmlns:a16="http://schemas.microsoft.com/office/drawing/2014/main" id="{1A7F26FB-F577-7E4E-90D2-173019D051D2}"/>
+              </a:ext>
+            </a:extLst>
+          </p:cNvPr>
+          <p:cNvCxnSpPr>
+            <a:cxnSpLocks/>
+            <a:stCxn id="13" idx="2"/>
+          </p:cNvCxnSpPr>
+          <p:nvPr/>
+        </p:nvCxnSpPr>
+        <p:spPr>
+          <a:xfrm rot="16200000" flipH="1">
+            <a:off x="1845192" y="2224697"/>
+            <a:ext cx="1192258" cy="998204"/>
+          </a:xfrm>
+          <a:prstGeom prst="bentConnector3">
+            <a:avLst/>
+          </a:prstGeom>
+        </p:spPr>
+        <p:style>
+          <a:lnRef idx="3">
+            <a:schemeClr val="dk1"/>
+          </a:lnRef>
+          <a:fillRef idx="0">
+            <a:schemeClr val="dk1"/>
+          </a:fillRef>
+          <a:effectRef idx="2">
+            <a:schemeClr val="dk1"/>
+          </a:effectRef>
+          <a:fontRef idx="minor">
+            <a:schemeClr val="tx1"/>
+          </a:fontRef>
+        </p:style>
+      </p:cxnSp>
+      <p:sp>
+        <p:nvSpPr>
+          <p:cNvPr id="46" name="文本框 45">
+            <a:extLst>
+              <a:ext uri="{FF2B5EF4-FFF2-40B4-BE49-F238E27FC236}">
+                <a16:creationId xmlns:a16="http://schemas.microsoft.com/office/drawing/2014/main" id="{A50C1794-E205-67C0-EBE2-77401C89B968}"/>
+              </a:ext>
+            </a:extLst>
+          </p:cNvPr>
+          <p:cNvSpPr txBox="1"/>
+          <p:nvPr/>
+        </p:nvSpPr>
+        <p:spPr>
+          <a:xfrm>
+            <a:off x="3376639" y="3516536"/>
+            <a:ext cx="1544850" cy="307777"/>
+          </a:xfrm>
+          <a:prstGeom prst="rect">
+            <a:avLst/>
+          </a:prstGeom>
+          <a:noFill/>
+        </p:spPr>
+        <p:txBody>
+          <a:bodyPr wrap="square" rtlCol="0">
+            <a:spAutoFit/>
+          </a:bodyPr>
+          <a:lstStyle/>
+          <a:p>
+            <a:r>
+              <a:rPr lang="en-US" altLang="zh-CN" sz="1400" dirty="0">
+                <a:latin typeface="Bahnschrift SemiBold" panose="020B0502040204020203" pitchFamily="34" charset="0"/>
+              </a:rPr>
+              <a:t>Camera</a:t>
+            </a:r>
+            <a:endParaRPr lang="zh-CN" altLang="en-US" sz="1400" dirty="0">
+              <a:latin typeface="Bahnschrift SemiBold" panose="020B0502040204020203" pitchFamily="34" charset="0"/>
+            </a:endParaRPr>
+          </a:p>
+        </p:txBody>
+      </p:sp>
+      <p:cxnSp>
+        <p:nvCxnSpPr>
+          <p:cNvPr id="48" name="直接箭头连接符 47">
+            <a:extLst>
+              <a:ext uri="{FF2B5EF4-FFF2-40B4-BE49-F238E27FC236}">
+                <a16:creationId xmlns:a16="http://schemas.microsoft.com/office/drawing/2014/main" id="{44A1ED4C-5E6B-79FA-D0A0-004DCD03673D}"/>
+              </a:ext>
+            </a:extLst>
+          </p:cNvPr>
+          <p:cNvCxnSpPr/>
+          <p:nvPr/>
+        </p:nvCxnSpPr>
+        <p:spPr>
+          <a:xfrm>
+            <a:off x="4166366" y="3676494"/>
+            <a:ext cx="1135529" cy="351741"/>
+          </a:xfrm>
+          <a:prstGeom prst="straightConnector1">
+            <a:avLst/>
+          </a:prstGeom>
+          <a:ln w="9525" cap="flat" cmpd="sng" algn="ctr">
+            <a:solidFill>
+              <a:schemeClr val="dk1"/>
+            </a:solidFill>
+            <a:prstDash val="dash"/>
+            <a:round/>
+            <a:headEnd type="none" w="med" len="med"/>
+            <a:tailEnd type="none" w="med" len="med"/>
+          </a:ln>
+        </p:spPr>
+        <p:style>
+          <a:lnRef idx="0">
+            <a:scrgbClr r="0" g="0" b="0"/>
+          </a:lnRef>
+          <a:fillRef idx="0">
+            <a:scrgbClr r="0" g="0" b="0"/>
+          </a:fillRef>
+          <a:effectRef idx="0">
+            <a:scrgbClr r="0" g="0" b="0"/>
+          </a:effectRef>
+          <a:fontRef idx="minor">
+            <a:schemeClr val="tx1"/>
+          </a:fontRef>
+        </p:style>
+      </p:cxnSp>
+      <p:sp>
+        <p:nvSpPr>
+          <p:cNvPr id="49" name="矩形 48">
+            <a:extLst>
+              <a:ext uri="{FF2B5EF4-FFF2-40B4-BE49-F238E27FC236}">
+                <a16:creationId xmlns:a16="http://schemas.microsoft.com/office/drawing/2014/main" id="{0C76D756-0F43-78D5-D81C-B456939C50F6}"/>
+              </a:ext>
+            </a:extLst>
+          </p:cNvPr>
+          <p:cNvSpPr/>
+          <p:nvPr/>
+        </p:nvSpPr>
+        <p:spPr>
+          <a:xfrm>
+            <a:off x="5994400" y="3570940"/>
+            <a:ext cx="45719" cy="564778"/>
+          </a:xfrm>
+          <a:prstGeom prst="rect">
+            <a:avLst/>
+          </a:prstGeom>
+        </p:spPr>
+        <p:style>
+          <a:lnRef idx="2">
+            <a:schemeClr val="dk1">
+              <a:shade val="15000"/>
+            </a:schemeClr>
+          </a:lnRef>
+          <a:fillRef idx="1">
+            <a:schemeClr val="dk1"/>
+          </a:fillRef>
+          <a:effectRef idx="0">
+            <a:schemeClr val="dk1"/>
+          </a:effectRef>
+          <a:fontRef idx="minor">
+            <a:schemeClr val="lt1"/>
+          </a:fontRef>
+        </p:style>
+        <p:txBody>
+          <a:bodyPr rtlCol="0" anchor="ctr"/>
+          <a:lstStyle/>
+          <a:p>
+            <a:pPr algn="ctr"/>
+            <a:endParaRPr lang="zh-CN" altLang="en-US"/>
+          </a:p>
+        </p:txBody>
+      </p:sp>
+      <p:cxnSp>
+        <p:nvCxnSpPr>
+          <p:cNvPr id="51" name="直接连接符 50">
+            <a:extLst>
+              <a:ext uri="{FF2B5EF4-FFF2-40B4-BE49-F238E27FC236}">
+                <a16:creationId xmlns:a16="http://schemas.microsoft.com/office/drawing/2014/main" id="{F05595E2-7598-6720-C3CE-C1C01044E057}"/>
+              </a:ext>
+            </a:extLst>
+          </p:cNvPr>
+          <p:cNvCxnSpPr/>
+          <p:nvPr/>
+        </p:nvCxnSpPr>
+        <p:spPr>
+          <a:xfrm>
+            <a:off x="5994400" y="2611717"/>
+            <a:ext cx="0" cy="904819"/>
+          </a:xfrm>
+          <a:prstGeom prst="line">
+            <a:avLst/>
+          </a:prstGeom>
+          <a:ln w="9525" cap="flat" cmpd="sng" algn="ctr">
+            <a:solidFill>
+              <a:schemeClr val="dk1"/>
+            </a:solidFill>
+            <a:prstDash val="dash"/>
+            <a:round/>
+            <a:headEnd type="none" w="med" len="med"/>
+            <a:tailEnd type="none" w="med" len="med"/>
+          </a:ln>
+        </p:spPr>
+        <p:style>
+          <a:lnRef idx="0">
+            <a:scrgbClr r="0" g="0" b="0"/>
+          </a:lnRef>
+          <a:fillRef idx="0">
+            <a:scrgbClr r="0" g="0" b="0"/>
+          </a:fillRef>
+          <a:effectRef idx="0">
+            <a:scrgbClr r="0" g="0" b="0"/>
+          </a:effectRef>
+          <a:fontRef idx="minor">
+            <a:schemeClr val="tx1"/>
+          </a:fontRef>
+        </p:style>
+      </p:cxnSp>
+      <p:sp>
+        <p:nvSpPr>
+          <p:cNvPr id="52" name="文本框 51">
+            <a:extLst>
+              <a:ext uri="{FF2B5EF4-FFF2-40B4-BE49-F238E27FC236}">
+                <a16:creationId xmlns:a16="http://schemas.microsoft.com/office/drawing/2014/main" id="{72A64FBC-C608-7793-5F30-144B99CE83EC}"/>
+              </a:ext>
+            </a:extLst>
+          </p:cNvPr>
+          <p:cNvSpPr txBox="1"/>
+          <p:nvPr/>
+        </p:nvSpPr>
+        <p:spPr>
+          <a:xfrm>
+            <a:off x="6040119" y="3263163"/>
+            <a:ext cx="1169923" cy="307777"/>
+          </a:xfrm>
+          <a:prstGeom prst="rect">
+            <a:avLst/>
+          </a:prstGeom>
+          <a:noFill/>
+        </p:spPr>
+        <p:txBody>
+          <a:bodyPr wrap="square" rtlCol="0">
+            <a:spAutoFit/>
+          </a:bodyPr>
+          <a:lstStyle/>
+          <a:p>
+            <a:r>
+              <a:rPr lang="en-US" altLang="zh-CN" sz="1400" dirty="0">
+                <a:latin typeface="Bahnschrift SemiBold" panose="020B0502040204020203" pitchFamily="34" charset="0"/>
+              </a:rPr>
+              <a:t>Weld Gun</a:t>
+            </a:r>
+            <a:endParaRPr lang="zh-CN" altLang="en-US" sz="1400" dirty="0">
+              <a:latin typeface="Bahnschrift SemiBold" panose="020B0502040204020203" pitchFamily="34" charset="0"/>
+            </a:endParaRPr>
+          </a:p>
+        </p:txBody>
+      </p:sp>
+      <p:cxnSp>
+        <p:nvCxnSpPr>
+          <p:cNvPr id="54" name="直接箭头连接符 53">
+            <a:extLst>
+              <a:ext uri="{FF2B5EF4-FFF2-40B4-BE49-F238E27FC236}">
+                <a16:creationId xmlns:a16="http://schemas.microsoft.com/office/drawing/2014/main" id="{834DE0DC-09C5-F2A3-41FC-690EA375448D}"/>
+              </a:ext>
+            </a:extLst>
+          </p:cNvPr>
+          <p:cNvCxnSpPr/>
+          <p:nvPr/>
+        </p:nvCxnSpPr>
+        <p:spPr>
+          <a:xfrm>
+            <a:off x="2856753" y="3962400"/>
+            <a:ext cx="0" cy="316753"/>
+          </a:xfrm>
+          <a:prstGeom prst="straightConnector1">
+            <a:avLst/>
+          </a:prstGeom>
+          <a:ln w="9525" cap="flat" cmpd="sng" algn="ctr">
+            <a:solidFill>
+              <a:schemeClr val="accent1"/>
+            </a:solidFill>
+            <a:prstDash val="solid"/>
+            <a:round/>
+            <a:headEnd type="arrow" w="med" len="med"/>
+            <a:tailEnd type="arrow" w="med" len="med"/>
+          </a:ln>
+        </p:spPr>
+        <p:style>
+          <a:lnRef idx="0">
+            <a:scrgbClr r="0" g="0" b="0"/>
+          </a:lnRef>
+          <a:fillRef idx="0">
+            <a:scrgbClr r="0" g="0" b="0"/>
+          </a:fillRef>
+          <a:effectRef idx="0">
+            <a:scrgbClr r="0" g="0" b="0"/>
+          </a:effectRef>
+          <a:fontRef idx="minor">
+            <a:schemeClr val="tx1"/>
+          </a:fontRef>
+        </p:style>
+      </p:cxnSp>
+      <p:sp>
+        <p:nvSpPr>
+          <p:cNvPr id="55" name="文本框 54">
+            <a:extLst>
+              <a:ext uri="{FF2B5EF4-FFF2-40B4-BE49-F238E27FC236}">
+                <a16:creationId xmlns:a16="http://schemas.microsoft.com/office/drawing/2014/main" id="{BE3E519D-E8C7-D69B-1EF6-DF66E5098A91}"/>
+              </a:ext>
+            </a:extLst>
+          </p:cNvPr>
+          <p:cNvSpPr txBox="1"/>
+          <p:nvPr/>
+        </p:nvSpPr>
+        <p:spPr>
+          <a:xfrm>
+            <a:off x="2979208" y="3990177"/>
+            <a:ext cx="715782" cy="307777"/>
+          </a:xfrm>
+          <a:prstGeom prst="rect">
+            <a:avLst/>
+          </a:prstGeom>
+          <a:noFill/>
+        </p:spPr>
+        <p:txBody>
+          <a:bodyPr wrap="square" rtlCol="0">
+            <a:spAutoFit/>
+          </a:bodyPr>
+          <a:lstStyle/>
+          <a:p>
+            <a:r>
+              <a:rPr lang="en-US" altLang="zh-CN" sz="1400" dirty="0">
+                <a:latin typeface="Bahnschrift SemiBold" panose="020B0502040204020203" pitchFamily="34" charset="0"/>
+              </a:rPr>
+              <a:t>6CM</a:t>
+            </a:r>
+            <a:endParaRPr lang="zh-CN" altLang="en-US" sz="1400" dirty="0">
+              <a:latin typeface="Bahnschrift SemiBold" panose="020B0502040204020203" pitchFamily="34" charset="0"/>
+            </a:endParaRPr>
+          </a:p>
+        </p:txBody>
+      </p:sp>
+      <p:cxnSp>
+        <p:nvCxnSpPr>
+          <p:cNvPr id="57" name="直接箭头连接符 56">
+            <a:extLst>
+              <a:ext uri="{FF2B5EF4-FFF2-40B4-BE49-F238E27FC236}">
+                <a16:creationId xmlns:a16="http://schemas.microsoft.com/office/drawing/2014/main" id="{449734D8-2694-38D3-7F88-22DAB53652CB}"/>
+              </a:ext>
+            </a:extLst>
+          </p:cNvPr>
+          <p:cNvCxnSpPr>
+            <a:cxnSpLocks/>
+          </p:cNvCxnSpPr>
+          <p:nvPr/>
+        </p:nvCxnSpPr>
+        <p:spPr>
+          <a:xfrm>
+            <a:off x="1762711" y="4318748"/>
+            <a:ext cx="1052141" cy="16554"/>
+          </a:xfrm>
+          <a:prstGeom prst="straightConnector1">
+            <a:avLst/>
+          </a:prstGeom>
+          <a:ln w="9525" cap="flat" cmpd="sng" algn="ctr">
+            <a:solidFill>
+              <a:schemeClr val="dk1"/>
+            </a:solidFill>
+            <a:prstDash val="dash"/>
+            <a:round/>
+            <a:headEnd type="none" w="med" len="med"/>
+            <a:tailEnd type="none" w="med" len="med"/>
+          </a:ln>
+        </p:spPr>
+        <p:style>
+          <a:lnRef idx="0">
+            <a:scrgbClr r="0" g="0" b="0"/>
+          </a:lnRef>
+          <a:fillRef idx="0">
+            <a:scrgbClr r="0" g="0" b="0"/>
+          </a:fillRef>
+          <a:effectRef idx="0">
+            <a:scrgbClr r="0" g="0" b="0"/>
+          </a:effectRef>
+          <a:fontRef idx="minor">
+            <a:schemeClr val="tx1"/>
+          </a:fontRef>
+        </p:style>
+      </p:cxnSp>
+      <p:sp>
+        <p:nvSpPr>
+          <p:cNvPr id="59" name="文本框 58">
+            <a:extLst>
+              <a:ext uri="{FF2B5EF4-FFF2-40B4-BE49-F238E27FC236}">
+                <a16:creationId xmlns:a16="http://schemas.microsoft.com/office/drawing/2014/main" id="{241BB67B-A88F-742A-1E60-8D7B6D947780}"/>
+              </a:ext>
+            </a:extLst>
+          </p:cNvPr>
+          <p:cNvSpPr txBox="1"/>
+          <p:nvPr/>
+        </p:nvSpPr>
+        <p:spPr>
+          <a:xfrm>
+            <a:off x="854232" y="4015845"/>
+            <a:ext cx="1271322" cy="523220"/>
+          </a:xfrm>
+          <a:prstGeom prst="rect">
+            <a:avLst/>
+          </a:prstGeom>
+          <a:noFill/>
+        </p:spPr>
+        <p:txBody>
+          <a:bodyPr wrap="square" rtlCol="0">
+            <a:spAutoFit/>
+          </a:bodyPr>
+          <a:lstStyle/>
+          <a:p>
+            <a:r>
+              <a:rPr lang="en-US" altLang="zh-CN" sz="1400" dirty="0">
+                <a:latin typeface="Bahnschrift SemiBold" panose="020B0502040204020203" pitchFamily="34" charset="0"/>
+              </a:rPr>
+              <a:t>Position of Welding</a:t>
+            </a:r>
+            <a:endParaRPr lang="zh-CN" altLang="en-US" sz="1400" dirty="0">
+              <a:latin typeface="Bahnschrift SemiBold" panose="020B0502040204020203" pitchFamily="34" charset="0"/>
+            </a:endParaRPr>
           </a:p>
         </p:txBody>
       </p:sp>
